--- a/sasslive.pptx
+++ b/sasslive.pptx
@@ -7,14 +7,17 @@
   <p:sldIdLst>
     <p:sldId id="256" r:id="rId2"/>
     <p:sldId id="257" r:id="rId3"/>
-    <p:sldId id="258" r:id="rId4"/>
-    <p:sldId id="259" r:id="rId5"/>
-    <p:sldId id="260" r:id="rId6"/>
-    <p:sldId id="261" r:id="rId7"/>
-    <p:sldId id="262" r:id="rId8"/>
-    <p:sldId id="263" r:id="rId9"/>
-    <p:sldId id="264" r:id="rId10"/>
-    <p:sldId id="265" r:id="rId11"/>
+    <p:sldId id="263" r:id="rId4"/>
+    <p:sldId id="264" r:id="rId5"/>
+    <p:sldId id="268" r:id="rId6"/>
+    <p:sldId id="267" r:id="rId7"/>
+    <p:sldId id="266" r:id="rId8"/>
+    <p:sldId id="258" r:id="rId9"/>
+    <p:sldId id="259" r:id="rId10"/>
+    <p:sldId id="260" r:id="rId11"/>
+    <p:sldId id="261" r:id="rId12"/>
+    <p:sldId id="262" r:id="rId13"/>
+    <p:sldId id="265" r:id="rId14"/>
   </p:sldIdLst>
   <p:sldSz cx="12192000" cy="6858000"/>
   <p:notesSz cx="6858000" cy="9144000"/>
@@ -113,6 +116,11 @@
       </a:defRPr>
     </a:lvl9pPr>
   </p:defaultTextStyle>
+  <p:extLst>
+    <p:ext uri="{EFAFB233-063F-42B5-8137-9DF3F51BA10A}">
+      <p15:sldGuideLst xmlns:p15="http://schemas.microsoft.com/office/powerpoint/2012/main"/>
+    </p:ext>
+  </p:extLst>
 </p:presentation>
 </file>
 
@@ -247,7 +255,7 @@
           <a:p>
             <a:fld id="{564DFBC4-6F1A-4774-833B-00875A831B34}" type="datetimeFigureOut">
               <a:rPr lang="zh-TW" altLang="en-US" smtClean="0"/>
-              <a:t>2018/5/23</a:t>
+              <a:t>2018/5/24</a:t>
             </a:fld>
             <a:endParaRPr lang="zh-TW" altLang="en-US"/>
           </a:p>
@@ -417,7 +425,7 @@
           <a:p>
             <a:fld id="{564DFBC4-6F1A-4774-833B-00875A831B34}" type="datetimeFigureOut">
               <a:rPr lang="zh-TW" altLang="en-US" smtClean="0"/>
-              <a:t>2018/5/23</a:t>
+              <a:t>2018/5/24</a:t>
             </a:fld>
             <a:endParaRPr lang="zh-TW" altLang="en-US"/>
           </a:p>
@@ -597,7 +605,7 @@
           <a:p>
             <a:fld id="{564DFBC4-6F1A-4774-833B-00875A831B34}" type="datetimeFigureOut">
               <a:rPr lang="zh-TW" altLang="en-US" smtClean="0"/>
-              <a:t>2018/5/23</a:t>
+              <a:t>2018/5/24</a:t>
             </a:fld>
             <a:endParaRPr lang="zh-TW" altLang="en-US"/>
           </a:p>
@@ -767,7 +775,7 @@
           <a:p>
             <a:fld id="{564DFBC4-6F1A-4774-833B-00875A831B34}" type="datetimeFigureOut">
               <a:rPr lang="zh-TW" altLang="en-US" smtClean="0"/>
-              <a:t>2018/5/23</a:t>
+              <a:t>2018/5/24</a:t>
             </a:fld>
             <a:endParaRPr lang="zh-TW" altLang="en-US"/>
           </a:p>
@@ -1013,7 +1021,7 @@
           <a:p>
             <a:fld id="{564DFBC4-6F1A-4774-833B-00875A831B34}" type="datetimeFigureOut">
               <a:rPr lang="zh-TW" altLang="en-US" smtClean="0"/>
-              <a:t>2018/5/23</a:t>
+              <a:t>2018/5/24</a:t>
             </a:fld>
             <a:endParaRPr lang="zh-TW" altLang="en-US"/>
           </a:p>
@@ -1245,7 +1253,7 @@
           <a:p>
             <a:fld id="{564DFBC4-6F1A-4774-833B-00875A831B34}" type="datetimeFigureOut">
               <a:rPr lang="zh-TW" altLang="en-US" smtClean="0"/>
-              <a:t>2018/5/23</a:t>
+              <a:t>2018/5/24</a:t>
             </a:fld>
             <a:endParaRPr lang="zh-TW" altLang="en-US"/>
           </a:p>
@@ -1612,7 +1620,7 @@
           <a:p>
             <a:fld id="{564DFBC4-6F1A-4774-833B-00875A831B34}" type="datetimeFigureOut">
               <a:rPr lang="zh-TW" altLang="en-US" smtClean="0"/>
-              <a:t>2018/5/23</a:t>
+              <a:t>2018/5/24</a:t>
             </a:fld>
             <a:endParaRPr lang="zh-TW" altLang="en-US"/>
           </a:p>
@@ -1730,7 +1738,7 @@
           <a:p>
             <a:fld id="{564DFBC4-6F1A-4774-833B-00875A831B34}" type="datetimeFigureOut">
               <a:rPr lang="zh-TW" altLang="en-US" smtClean="0"/>
-              <a:t>2018/5/23</a:t>
+              <a:t>2018/5/24</a:t>
             </a:fld>
             <a:endParaRPr lang="zh-TW" altLang="en-US"/>
           </a:p>
@@ -1825,7 +1833,7 @@
           <a:p>
             <a:fld id="{564DFBC4-6F1A-4774-833B-00875A831B34}" type="datetimeFigureOut">
               <a:rPr lang="zh-TW" altLang="en-US" smtClean="0"/>
-              <a:t>2018/5/23</a:t>
+              <a:t>2018/5/24</a:t>
             </a:fld>
             <a:endParaRPr lang="zh-TW" altLang="en-US"/>
           </a:p>
@@ -2102,7 +2110,7 @@
           <a:p>
             <a:fld id="{564DFBC4-6F1A-4774-833B-00875A831B34}" type="datetimeFigureOut">
               <a:rPr lang="zh-TW" altLang="en-US" smtClean="0"/>
-              <a:t>2018/5/23</a:t>
+              <a:t>2018/5/24</a:t>
             </a:fld>
             <a:endParaRPr lang="zh-TW" altLang="en-US"/>
           </a:p>
@@ -2355,7 +2363,7 @@
           <a:p>
             <a:fld id="{564DFBC4-6F1A-4774-833B-00875A831B34}" type="datetimeFigureOut">
               <a:rPr lang="zh-TW" altLang="en-US" smtClean="0"/>
-              <a:t>2018/5/23</a:t>
+              <a:t>2018/5/24</a:t>
             </a:fld>
             <a:endParaRPr lang="zh-TW" altLang="en-US"/>
           </a:p>
@@ -2571,7 +2579,7 @@
           <a:p>
             <a:fld id="{564DFBC4-6F1A-4774-833B-00875A831B34}" type="datetimeFigureOut">
               <a:rPr lang="zh-TW" altLang="en-US" smtClean="0"/>
-              <a:t>2018/5/23</a:t>
+              <a:t>2018/5/24</a:t>
             </a:fld>
             <a:endParaRPr lang="zh-TW" altLang="en-US"/>
           </a:p>
@@ -3038,6 +3046,832 @@
       </p:grpSpPr>
       <p:sp>
         <p:nvSpPr>
+          <p:cNvPr id="2" name="標題 1"/>
+          <p:cNvSpPr>
+            <a:spLocks noGrp="1"/>
+          </p:cNvSpPr>
+          <p:nvPr>
+            <p:ph type="title"/>
+          </p:nvPr>
+        </p:nvSpPr>
+        <p:spPr>
+          <a:xfrm>
+            <a:off x="3333750" y="1933575"/>
+            <a:ext cx="5838825" cy="3667125"/>
+          </a:xfrm>
+        </p:spPr>
+        <p:txBody>
+          <a:bodyPr>
+            <a:noAutofit/>
+          </a:bodyPr>
+          <a:lstStyle/>
+          <a:p>
+            <a:pPr>
+              <a:lnSpc>
+                <a:spcPct val="200000"/>
+              </a:lnSpc>
+            </a:pPr>
+            <a:r>
+              <a:rPr lang="en-US" altLang="zh-TW" sz="1800" b="1" dirty="0">
+                <a:solidFill>
+                  <a:schemeClr val="bg1"/>
+                </a:solidFill>
+                <a:latin typeface="微軟正黑體" panose="020B0604030504040204" pitchFamily="34" charset="-120"/>
+                <a:ea typeface="微軟正黑體" panose="020B0604030504040204" pitchFamily="34" charset="-120"/>
+              </a:rPr>
+              <a:t>NVM</a:t>
+            </a:r>
+            <a:r>
+              <a:rPr lang="zh-TW" altLang="en-US" sz="1800" b="1" dirty="0">
+                <a:solidFill>
+                  <a:schemeClr val="bg1"/>
+                </a:solidFill>
+                <a:latin typeface="微軟正黑體" panose="020B0604030504040204" pitchFamily="34" charset="-120"/>
+                <a:ea typeface="微軟正黑體" panose="020B0604030504040204" pitchFamily="34" charset="-120"/>
+              </a:rPr>
+              <a:t>指令</a:t>
+            </a:r>
+            <a:br>
+              <a:rPr lang="zh-TW" altLang="en-US" sz="1800" b="1" dirty="0">
+                <a:solidFill>
+                  <a:schemeClr val="bg1"/>
+                </a:solidFill>
+                <a:latin typeface="微軟正黑體" panose="020B0604030504040204" pitchFamily="34" charset="-120"/>
+                <a:ea typeface="微軟正黑體" panose="020B0604030504040204" pitchFamily="34" charset="-120"/>
+              </a:rPr>
+            </a:br>
+            <a:r>
+              <a:rPr lang="en-US" altLang="zh-TW" sz="1800" b="1" dirty="0" err="1">
+                <a:solidFill>
+                  <a:schemeClr val="bg1"/>
+                </a:solidFill>
+                <a:latin typeface="微軟正黑體" panose="020B0604030504040204" pitchFamily="34" charset="-120"/>
+                <a:ea typeface="微軟正黑體" panose="020B0604030504040204" pitchFamily="34" charset="-120"/>
+              </a:rPr>
+              <a:t>nvm</a:t>
+            </a:r>
+            <a:r>
+              <a:rPr lang="en-US" altLang="zh-TW" sz="1800" b="1" dirty="0">
+                <a:solidFill>
+                  <a:schemeClr val="bg1"/>
+                </a:solidFill>
+                <a:latin typeface="微軟正黑體" panose="020B0604030504040204" pitchFamily="34" charset="-120"/>
+                <a:ea typeface="微軟正黑體" panose="020B0604030504040204" pitchFamily="34" charset="-120"/>
+              </a:rPr>
+              <a:t> list</a:t>
+            </a:r>
+            <a:r>
+              <a:rPr lang="zh-TW" altLang="en-US" sz="1800" b="1" dirty="0">
+                <a:solidFill>
+                  <a:schemeClr val="bg1"/>
+                </a:solidFill>
+                <a:latin typeface="微軟正黑體" panose="020B0604030504040204" pitchFamily="34" charset="-120"/>
+                <a:ea typeface="微軟正黑體" panose="020B0604030504040204" pitchFamily="34" charset="-120"/>
+              </a:rPr>
+              <a:t>：查看已安裝的版本</a:t>
+            </a:r>
+            <a:br>
+              <a:rPr lang="zh-TW" altLang="en-US" sz="1800" b="1" dirty="0">
+                <a:solidFill>
+                  <a:schemeClr val="bg1"/>
+                </a:solidFill>
+                <a:latin typeface="微軟正黑體" panose="020B0604030504040204" pitchFamily="34" charset="-120"/>
+                <a:ea typeface="微軟正黑體" panose="020B0604030504040204" pitchFamily="34" charset="-120"/>
+              </a:rPr>
+            </a:br>
+            <a:r>
+              <a:rPr lang="en-US" altLang="zh-TW" sz="1800" b="1" dirty="0" err="1">
+                <a:solidFill>
+                  <a:schemeClr val="bg1"/>
+                </a:solidFill>
+                <a:latin typeface="微軟正黑體" panose="020B0604030504040204" pitchFamily="34" charset="-120"/>
+                <a:ea typeface="微軟正黑體" panose="020B0604030504040204" pitchFamily="34" charset="-120"/>
+              </a:rPr>
+              <a:t>nvm</a:t>
+            </a:r>
+            <a:r>
+              <a:rPr lang="en-US" altLang="zh-TW" sz="1800" b="1" dirty="0">
+                <a:solidFill>
+                  <a:schemeClr val="bg1"/>
+                </a:solidFill>
+                <a:latin typeface="微軟正黑體" panose="020B0604030504040204" pitchFamily="34" charset="-120"/>
+                <a:ea typeface="微軟正黑體" panose="020B0604030504040204" pitchFamily="34" charset="-120"/>
+              </a:rPr>
+              <a:t> list available</a:t>
+            </a:r>
+            <a:r>
+              <a:rPr lang="zh-TW" altLang="en-US" sz="1800" b="1" dirty="0">
+                <a:solidFill>
+                  <a:schemeClr val="bg1"/>
+                </a:solidFill>
+                <a:latin typeface="微軟正黑體" panose="020B0604030504040204" pitchFamily="34" charset="-120"/>
+                <a:ea typeface="微軟正黑體" panose="020B0604030504040204" pitchFamily="34" charset="-120"/>
+              </a:rPr>
+              <a:t>：查看有哪些 </a:t>
+            </a:r>
+            <a:r>
+              <a:rPr lang="en-US" altLang="zh-TW" sz="1800" b="1" dirty="0">
+                <a:solidFill>
+                  <a:schemeClr val="bg1"/>
+                </a:solidFill>
+                <a:latin typeface="微軟正黑體" panose="020B0604030504040204" pitchFamily="34" charset="-120"/>
+                <a:ea typeface="微軟正黑體" panose="020B0604030504040204" pitchFamily="34" charset="-120"/>
+              </a:rPr>
+              <a:t>Node </a:t>
+            </a:r>
+            <a:r>
+              <a:rPr lang="zh-TW" altLang="en-US" sz="1800" b="1" dirty="0">
+                <a:solidFill>
+                  <a:schemeClr val="bg1"/>
+                </a:solidFill>
+                <a:latin typeface="微軟正黑體" panose="020B0604030504040204" pitchFamily="34" charset="-120"/>
+                <a:ea typeface="微軟正黑體" panose="020B0604030504040204" pitchFamily="34" charset="-120"/>
+              </a:rPr>
+              <a:t>版本可以裝</a:t>
+            </a:r>
+            <a:br>
+              <a:rPr lang="zh-TW" altLang="en-US" sz="1800" b="1" dirty="0">
+                <a:solidFill>
+                  <a:schemeClr val="bg1"/>
+                </a:solidFill>
+                <a:latin typeface="微軟正黑體" panose="020B0604030504040204" pitchFamily="34" charset="-120"/>
+                <a:ea typeface="微軟正黑體" panose="020B0604030504040204" pitchFamily="34" charset="-120"/>
+              </a:rPr>
+            </a:br>
+            <a:r>
+              <a:rPr lang="en-US" altLang="zh-TW" sz="1800" b="1" dirty="0" err="1">
+                <a:solidFill>
+                  <a:schemeClr val="bg1"/>
+                </a:solidFill>
+                <a:latin typeface="微軟正黑體" panose="020B0604030504040204" pitchFamily="34" charset="-120"/>
+                <a:ea typeface="微軟正黑體" panose="020B0604030504040204" pitchFamily="34" charset="-120"/>
+              </a:rPr>
+              <a:t>nvm</a:t>
+            </a:r>
+            <a:r>
+              <a:rPr lang="en-US" altLang="zh-TW" sz="1800" b="1" dirty="0">
+                <a:solidFill>
+                  <a:schemeClr val="bg1"/>
+                </a:solidFill>
+                <a:latin typeface="微軟正黑體" panose="020B0604030504040204" pitchFamily="34" charset="-120"/>
+                <a:ea typeface="微軟正黑體" panose="020B0604030504040204" pitchFamily="34" charset="-120"/>
+              </a:rPr>
+              <a:t> install v8.11.2</a:t>
+            </a:r>
+            <a:r>
+              <a:rPr lang="zh-TW" altLang="en-US" sz="1800" b="1" dirty="0">
+                <a:solidFill>
+                  <a:schemeClr val="bg1"/>
+                </a:solidFill>
+                <a:latin typeface="微軟正黑體" panose="020B0604030504040204" pitchFamily="34" charset="-120"/>
+                <a:ea typeface="微軟正黑體" panose="020B0604030504040204" pitchFamily="34" charset="-120"/>
+              </a:rPr>
+              <a:t>：安裝指定的 </a:t>
+            </a:r>
+            <a:r>
+              <a:rPr lang="en-US" altLang="zh-TW" sz="1800" b="1" dirty="0">
+                <a:solidFill>
+                  <a:schemeClr val="bg1"/>
+                </a:solidFill>
+                <a:latin typeface="微軟正黑體" panose="020B0604030504040204" pitchFamily="34" charset="-120"/>
+                <a:ea typeface="微軟正黑體" panose="020B0604030504040204" pitchFamily="34" charset="-120"/>
+              </a:rPr>
+              <a:t>Node </a:t>
+            </a:r>
+            <a:r>
+              <a:rPr lang="zh-TW" altLang="en-US" sz="1800" b="1" dirty="0">
+                <a:solidFill>
+                  <a:schemeClr val="bg1"/>
+                </a:solidFill>
+                <a:latin typeface="微軟正黑體" panose="020B0604030504040204" pitchFamily="34" charset="-120"/>
+                <a:ea typeface="微軟正黑體" panose="020B0604030504040204" pitchFamily="34" charset="-120"/>
+              </a:rPr>
+              <a:t>版本</a:t>
+            </a:r>
+            <a:br>
+              <a:rPr lang="zh-TW" altLang="en-US" sz="1800" b="1" dirty="0">
+                <a:solidFill>
+                  <a:schemeClr val="bg1"/>
+                </a:solidFill>
+                <a:latin typeface="微軟正黑體" panose="020B0604030504040204" pitchFamily="34" charset="-120"/>
+                <a:ea typeface="微軟正黑體" panose="020B0604030504040204" pitchFamily="34" charset="-120"/>
+              </a:rPr>
+            </a:br>
+            <a:r>
+              <a:rPr lang="en-US" altLang="zh-TW" sz="1800" b="1" dirty="0" err="1">
+                <a:solidFill>
+                  <a:schemeClr val="bg1"/>
+                </a:solidFill>
+                <a:latin typeface="微軟正黑體" panose="020B0604030504040204" pitchFamily="34" charset="-120"/>
+                <a:ea typeface="微軟正黑體" panose="020B0604030504040204" pitchFamily="34" charset="-120"/>
+              </a:rPr>
+              <a:t>nvm</a:t>
+            </a:r>
+            <a:r>
+              <a:rPr lang="en-US" altLang="zh-TW" sz="1800" b="1" dirty="0">
+                <a:solidFill>
+                  <a:schemeClr val="bg1"/>
+                </a:solidFill>
+                <a:latin typeface="微軟正黑體" panose="020B0604030504040204" pitchFamily="34" charset="-120"/>
+                <a:ea typeface="微軟正黑體" panose="020B0604030504040204" pitchFamily="34" charset="-120"/>
+              </a:rPr>
+              <a:t> use v8.11.2</a:t>
+            </a:r>
+            <a:r>
+              <a:rPr lang="zh-TW" altLang="en-US" sz="1800" b="1" dirty="0">
+                <a:solidFill>
+                  <a:schemeClr val="bg1"/>
+                </a:solidFill>
+                <a:latin typeface="微軟正黑體" panose="020B0604030504040204" pitchFamily="34" charset="-120"/>
+                <a:ea typeface="微軟正黑體" panose="020B0604030504040204" pitchFamily="34" charset="-120"/>
+              </a:rPr>
+              <a:t>：指定 </a:t>
+            </a:r>
+            <a:r>
+              <a:rPr lang="en-US" altLang="zh-TW" sz="1800" b="1" dirty="0">
+                <a:solidFill>
+                  <a:schemeClr val="bg1"/>
+                </a:solidFill>
+                <a:latin typeface="微軟正黑體" panose="020B0604030504040204" pitchFamily="34" charset="-120"/>
+                <a:ea typeface="微軟正黑體" panose="020B0604030504040204" pitchFamily="34" charset="-120"/>
+              </a:rPr>
+              <a:t>Node </a:t>
+            </a:r>
+            <a:r>
+              <a:rPr lang="zh-TW" altLang="en-US" sz="1800" b="1" dirty="0">
+                <a:solidFill>
+                  <a:schemeClr val="bg1"/>
+                </a:solidFill>
+                <a:latin typeface="微軟正黑體" panose="020B0604030504040204" pitchFamily="34" charset="-120"/>
+                <a:ea typeface="微軟正黑體" panose="020B0604030504040204" pitchFamily="34" charset="-120"/>
+              </a:rPr>
+              <a:t>版本</a:t>
+            </a:r>
+            <a:br>
+              <a:rPr lang="zh-TW" altLang="en-US" sz="1800" b="1" dirty="0">
+                <a:solidFill>
+                  <a:schemeClr val="bg1"/>
+                </a:solidFill>
+                <a:latin typeface="微軟正黑體" panose="020B0604030504040204" pitchFamily="34" charset="-120"/>
+                <a:ea typeface="微軟正黑體" panose="020B0604030504040204" pitchFamily="34" charset="-120"/>
+              </a:rPr>
+            </a:br>
+            <a:endParaRPr lang="zh-TW" altLang="en-US" sz="1800" b="1" dirty="0">
+              <a:solidFill>
+                <a:schemeClr val="bg1"/>
+              </a:solidFill>
+              <a:latin typeface="微軟正黑體" panose="020B0604030504040204" pitchFamily="34" charset="-120"/>
+              <a:ea typeface="微軟正黑體" panose="020B0604030504040204" pitchFamily="34" charset="-120"/>
+            </a:endParaRPr>
+          </a:p>
+        </p:txBody>
+      </p:sp>
+    </p:spTree>
+    <p:extLst>
+      <p:ext uri="{BB962C8B-B14F-4D97-AF65-F5344CB8AC3E}">
+        <p14:creationId xmlns:p14="http://schemas.microsoft.com/office/powerpoint/2010/main" val="3942310378"/>
+      </p:ext>
+    </p:extLst>
+  </p:cSld>
+  <p:clrMapOvr>
+    <a:masterClrMapping/>
+  </p:clrMapOvr>
+</p:sld>
+</file>
+
+<file path=ppt/slides/slide11.xml><?xml version="1.0" encoding="utf-8"?>
+<p:sld xmlns:a="http://schemas.openxmlformats.org/drawingml/2006/main" xmlns:r="http://schemas.openxmlformats.org/officeDocument/2006/relationships" xmlns:p="http://schemas.openxmlformats.org/presentationml/2006/main">
+  <p:cSld>
+    <p:spTree>
+      <p:nvGrpSpPr>
+        <p:cNvPr id="1" name=""/>
+        <p:cNvGrpSpPr/>
+        <p:nvPr/>
+      </p:nvGrpSpPr>
+      <p:grpSpPr>
+        <a:xfrm>
+          <a:off x="0" y="0"/>
+          <a:ext cx="0" cy="0"/>
+          <a:chOff x="0" y="0"/>
+          <a:chExt cx="0" cy="0"/>
+        </a:xfrm>
+      </p:grpSpPr>
+      <p:pic>
+        <p:nvPicPr>
+          <p:cNvPr id="4" name="圖片 3"/>
+          <p:cNvPicPr>
+            <a:picLocks noChangeAspect="1"/>
+          </p:cNvPicPr>
+          <p:nvPr/>
+        </p:nvPicPr>
+        <p:blipFill>
+          <a:blip r:embed="rId2" cstate="print">
+            <a:extLst>
+              <a:ext uri="{28A0092B-C50C-407E-A947-70E740481C1C}">
+                <a14:useLocalDpi xmlns:a14="http://schemas.microsoft.com/office/drawing/2010/main" val="0"/>
+              </a:ext>
+            </a:extLst>
+          </a:blip>
+          <a:stretch>
+            <a:fillRect/>
+          </a:stretch>
+        </p:blipFill>
+        <p:spPr>
+          <a:xfrm>
+            <a:off x="3333750" y="2446890"/>
+            <a:ext cx="2552699" cy="2542061"/>
+          </a:xfrm>
+          <a:prstGeom prst="rect">
+            <a:avLst/>
+          </a:prstGeom>
+        </p:spPr>
+      </p:pic>
+      <p:sp>
+        <p:nvSpPr>
+          <p:cNvPr id="5" name="矩形 4"/>
+          <p:cNvSpPr/>
+          <p:nvPr/>
+        </p:nvSpPr>
+        <p:spPr>
+          <a:xfrm>
+            <a:off x="6200775" y="2540676"/>
+            <a:ext cx="2085975" cy="2354491"/>
+          </a:xfrm>
+          <a:prstGeom prst="rect">
+            <a:avLst/>
+          </a:prstGeom>
+        </p:spPr>
+        <p:txBody>
+          <a:bodyPr wrap="square">
+            <a:spAutoFit/>
+          </a:bodyPr>
+          <a:lstStyle/>
+          <a:p>
+            <a:pPr>
+              <a:lnSpc>
+                <a:spcPct val="150000"/>
+              </a:lnSpc>
+            </a:pPr>
+            <a:r>
+              <a:rPr lang="en-US" altLang="zh-TW" sz="1400" b="1" i="0" dirty="0" err="1" smtClean="0">
+                <a:solidFill>
+                  <a:schemeClr val="bg1"/>
+                </a:solidFill>
+                <a:effectLst/>
+                <a:latin typeface="微軟正黑體" panose="020B0604030504040204" pitchFamily="34" charset="-120"/>
+                <a:ea typeface="微軟正黑體" panose="020B0604030504040204" pitchFamily="34" charset="-120"/>
+              </a:rPr>
+              <a:t>liveSassCompile</a:t>
+            </a:r>
+            <a:endParaRPr lang="en-US" altLang="zh-TW" sz="1400" b="1" i="0" dirty="0" smtClean="0">
+              <a:solidFill>
+                <a:schemeClr val="bg1"/>
+              </a:solidFill>
+              <a:effectLst/>
+              <a:latin typeface="微軟正黑體" panose="020B0604030504040204" pitchFamily="34" charset="-120"/>
+              <a:ea typeface="微軟正黑體" panose="020B0604030504040204" pitchFamily="34" charset="-120"/>
+            </a:endParaRPr>
+          </a:p>
+          <a:p>
+            <a:pPr>
+              <a:lnSpc>
+                <a:spcPct val="150000"/>
+              </a:lnSpc>
+            </a:pPr>
+            <a:r>
+              <a:rPr lang="en-US" altLang="zh-TW" sz="1400" b="1" i="0" dirty="0" smtClean="0">
+                <a:solidFill>
+                  <a:schemeClr val="bg1"/>
+                </a:solidFill>
+                <a:effectLst/>
+                <a:latin typeface="微軟正黑體" panose="020B0604030504040204" pitchFamily="34" charset="-120"/>
+                <a:ea typeface="微軟正黑體" panose="020B0604030504040204" pitchFamily="34" charset="-120"/>
+              </a:rPr>
+              <a:t>Sass</a:t>
+            </a:r>
+          </a:p>
+          <a:p>
+            <a:pPr>
+              <a:lnSpc>
+                <a:spcPct val="150000"/>
+              </a:lnSpc>
+            </a:pPr>
+            <a:r>
+              <a:rPr lang="en-US" altLang="zh-TW" sz="1400" b="1" i="0" dirty="0" err="1" smtClean="0">
+                <a:solidFill>
+                  <a:schemeClr val="bg1"/>
+                </a:solidFill>
+                <a:effectLst/>
+                <a:latin typeface="微軟正黑體" panose="020B0604030504040204" pitchFamily="34" charset="-120"/>
+                <a:ea typeface="微軟正黑體" panose="020B0604030504040204" pitchFamily="34" charset="-120"/>
+              </a:rPr>
+              <a:t>Monokai</a:t>
+            </a:r>
+            <a:r>
+              <a:rPr lang="en-US" altLang="zh-TW" sz="1400" b="1" i="0" dirty="0" smtClean="0">
+                <a:solidFill>
+                  <a:schemeClr val="bg1"/>
+                </a:solidFill>
+                <a:effectLst/>
+                <a:latin typeface="微軟正黑體" panose="020B0604030504040204" pitchFamily="34" charset="-120"/>
+                <a:ea typeface="微軟正黑體" panose="020B0604030504040204" pitchFamily="34" charset="-120"/>
+              </a:rPr>
+              <a:t> Dark Soda</a:t>
+            </a:r>
+          </a:p>
+          <a:p>
+            <a:pPr>
+              <a:lnSpc>
+                <a:spcPct val="150000"/>
+              </a:lnSpc>
+            </a:pPr>
+            <a:r>
+              <a:rPr lang="en-US" altLang="zh-TW" sz="1400" b="1" i="0" dirty="0" err="1" smtClean="0">
+                <a:solidFill>
+                  <a:schemeClr val="bg1"/>
+                </a:solidFill>
+                <a:effectLst/>
+                <a:latin typeface="微軟正黑體" panose="020B0604030504040204" pitchFamily="34" charset="-120"/>
+                <a:ea typeface="微軟正黑體" panose="020B0604030504040204" pitchFamily="34" charset="-120"/>
+              </a:rPr>
+              <a:t>EaseServer</a:t>
+            </a:r>
+            <a:endParaRPr lang="en-US" altLang="zh-TW" sz="1400" b="1" i="0" dirty="0" smtClean="0">
+              <a:solidFill>
+                <a:schemeClr val="bg1"/>
+              </a:solidFill>
+              <a:effectLst/>
+              <a:latin typeface="微軟正黑體" panose="020B0604030504040204" pitchFamily="34" charset="-120"/>
+              <a:ea typeface="微軟正黑體" panose="020B0604030504040204" pitchFamily="34" charset="-120"/>
+            </a:endParaRPr>
+          </a:p>
+          <a:p>
+            <a:pPr>
+              <a:lnSpc>
+                <a:spcPct val="150000"/>
+              </a:lnSpc>
+            </a:pPr>
+            <a:r>
+              <a:rPr lang="en-US" altLang="zh-TW" sz="1400" b="1" i="0" dirty="0" smtClean="0">
+                <a:solidFill>
+                  <a:schemeClr val="bg1"/>
+                </a:solidFill>
+                <a:effectLst/>
+                <a:latin typeface="微軟正黑體" panose="020B0604030504040204" pitchFamily="34" charset="-120"/>
+                <a:ea typeface="微軟正黑體" panose="020B0604030504040204" pitchFamily="34" charset="-120"/>
+              </a:rPr>
+              <a:t>colorize</a:t>
+            </a:r>
+          </a:p>
+          <a:p>
+            <a:pPr>
+              <a:lnSpc>
+                <a:spcPct val="150000"/>
+              </a:lnSpc>
+            </a:pPr>
+            <a:r>
+              <a:rPr lang="en-US" altLang="zh-TW" sz="1400" b="1" i="0" dirty="0" err="1" smtClean="0">
+                <a:solidFill>
+                  <a:schemeClr val="bg1"/>
+                </a:solidFill>
+                <a:effectLst/>
+                <a:latin typeface="微軟正黑體" panose="020B0604030504040204" pitchFamily="34" charset="-120"/>
+                <a:ea typeface="微軟正黑體" panose="020B0604030504040204" pitchFamily="34" charset="-120"/>
+              </a:rPr>
+              <a:t>AutoFileName</a:t>
+            </a:r>
+            <a:endParaRPr lang="en-US" altLang="zh-TW" sz="1400" b="1" i="0" dirty="0" smtClean="0">
+              <a:solidFill>
+                <a:schemeClr val="bg1"/>
+              </a:solidFill>
+              <a:effectLst/>
+              <a:latin typeface="微軟正黑體" panose="020B0604030504040204" pitchFamily="34" charset="-120"/>
+              <a:ea typeface="微軟正黑體" panose="020B0604030504040204" pitchFamily="34" charset="-120"/>
+            </a:endParaRPr>
+          </a:p>
+          <a:p>
+            <a:pPr>
+              <a:lnSpc>
+                <a:spcPct val="150000"/>
+              </a:lnSpc>
+            </a:pPr>
+            <a:r>
+              <a:rPr lang="en-US" altLang="zh-TW" sz="1400" b="1" i="0" dirty="0" err="1" smtClean="0">
+                <a:solidFill>
+                  <a:schemeClr val="bg1"/>
+                </a:solidFill>
+                <a:effectLst/>
+                <a:latin typeface="微軟正黑體" panose="020B0604030504040204" pitchFamily="34" charset="-120"/>
+                <a:ea typeface="微軟正黑體" panose="020B0604030504040204" pitchFamily="34" charset="-120"/>
+              </a:rPr>
+              <a:t>vscode</a:t>
+            </a:r>
+            <a:r>
+              <a:rPr lang="en-US" altLang="zh-TW" sz="1400" b="1" i="0" dirty="0" smtClean="0">
+                <a:solidFill>
+                  <a:schemeClr val="bg1"/>
+                </a:solidFill>
+                <a:effectLst/>
+                <a:latin typeface="微軟正黑體" panose="020B0604030504040204" pitchFamily="34" charset="-120"/>
+                <a:ea typeface="微軟正黑體" panose="020B0604030504040204" pitchFamily="34" charset="-120"/>
+              </a:rPr>
+              <a:t>-icons</a:t>
+            </a:r>
+            <a:endParaRPr lang="en-US" altLang="zh-TW" sz="1400" b="1" i="0" dirty="0">
+              <a:solidFill>
+                <a:schemeClr val="bg1"/>
+              </a:solidFill>
+              <a:effectLst/>
+              <a:latin typeface="微軟正黑體" panose="020B0604030504040204" pitchFamily="34" charset="-120"/>
+              <a:ea typeface="微軟正黑體" panose="020B0604030504040204" pitchFamily="34" charset="-120"/>
+            </a:endParaRPr>
+          </a:p>
+        </p:txBody>
+      </p:sp>
+    </p:spTree>
+    <p:extLst>
+      <p:ext uri="{BB962C8B-B14F-4D97-AF65-F5344CB8AC3E}">
+        <p14:creationId xmlns:p14="http://schemas.microsoft.com/office/powerpoint/2010/main" val="2050616582"/>
+      </p:ext>
+    </p:extLst>
+  </p:cSld>
+  <p:clrMapOvr>
+    <a:masterClrMapping/>
+  </p:clrMapOvr>
+</p:sld>
+</file>
+
+<file path=ppt/slides/slide12.xml><?xml version="1.0" encoding="utf-8"?>
+<p:sld xmlns:a="http://schemas.openxmlformats.org/drawingml/2006/main" xmlns:r="http://schemas.openxmlformats.org/officeDocument/2006/relationships" xmlns:p="http://schemas.openxmlformats.org/presentationml/2006/main">
+  <p:cSld>
+    <p:spTree>
+      <p:nvGrpSpPr>
+        <p:cNvPr id="1" name=""/>
+        <p:cNvGrpSpPr/>
+        <p:nvPr/>
+      </p:nvGrpSpPr>
+      <p:grpSpPr>
+        <a:xfrm>
+          <a:off x="0" y="0"/>
+          <a:ext cx="0" cy="0"/>
+          <a:chOff x="0" y="0"/>
+          <a:chExt cx="0" cy="0"/>
+        </a:xfrm>
+      </p:grpSpPr>
+      <p:sp>
+        <p:nvSpPr>
+          <p:cNvPr id="5" name="矩形 4"/>
+          <p:cNvSpPr/>
+          <p:nvPr/>
+        </p:nvSpPr>
+        <p:spPr>
+          <a:xfrm>
+            <a:off x="3924300" y="864277"/>
+            <a:ext cx="4248150" cy="586827"/>
+          </a:xfrm>
+          <a:prstGeom prst="rect">
+            <a:avLst/>
+          </a:prstGeom>
+        </p:spPr>
+        <p:txBody>
+          <a:bodyPr wrap="square">
+            <a:spAutoFit/>
+          </a:bodyPr>
+          <a:lstStyle/>
+          <a:p>
+            <a:pPr>
+              <a:lnSpc>
+                <a:spcPct val="150000"/>
+              </a:lnSpc>
+            </a:pPr>
+            <a:r>
+              <a:rPr lang="en-US" altLang="zh-TW" sz="2400" b="1" dirty="0">
+                <a:solidFill>
+                  <a:schemeClr val="bg1"/>
+                </a:solidFill>
+              </a:rPr>
+              <a:t>Live Sass Compiler Setting</a:t>
+            </a:r>
+            <a:endParaRPr lang="en-US" altLang="zh-TW" sz="2400" b="1" i="0" dirty="0">
+              <a:solidFill>
+                <a:schemeClr val="bg1"/>
+              </a:solidFill>
+              <a:effectLst/>
+              <a:latin typeface="微軟正黑體" panose="020B0604030504040204" pitchFamily="34" charset="-120"/>
+              <a:ea typeface="微軟正黑體" panose="020B0604030504040204" pitchFamily="34" charset="-120"/>
+            </a:endParaRPr>
+          </a:p>
+        </p:txBody>
+      </p:sp>
+      <p:sp>
+        <p:nvSpPr>
+          <p:cNvPr id="3" name="矩形 2"/>
+          <p:cNvSpPr/>
+          <p:nvPr/>
+        </p:nvSpPr>
+        <p:spPr>
+          <a:xfrm>
+            <a:off x="3924300" y="1867317"/>
+            <a:ext cx="6096000" cy="4247317"/>
+          </a:xfrm>
+          <a:prstGeom prst="rect">
+            <a:avLst/>
+          </a:prstGeom>
+        </p:spPr>
+        <p:txBody>
+          <a:bodyPr>
+            <a:spAutoFit/>
+          </a:bodyPr>
+          <a:lstStyle/>
+          <a:p>
+            <a:r>
+              <a:rPr lang="zh-TW" altLang="en-US" dirty="0" smtClean="0">
+                <a:solidFill>
+                  <a:schemeClr val="bg1"/>
+                </a:solidFill>
+              </a:rPr>
+              <a:t>"liveSassCompile.settings.formats": [</a:t>
+            </a:r>
+          </a:p>
+          <a:p>
+            <a:r>
+              <a:rPr lang="zh-TW" altLang="en-US" dirty="0" smtClean="0">
+                <a:solidFill>
+                  <a:schemeClr val="bg1"/>
+                </a:solidFill>
+              </a:rPr>
+              <a:t>    {</a:t>
+            </a:r>
+          </a:p>
+          <a:p>
+            <a:r>
+              <a:rPr lang="zh-TW" altLang="en-US" dirty="0" smtClean="0">
+                <a:solidFill>
+                  <a:schemeClr val="bg1"/>
+                </a:solidFill>
+              </a:rPr>
+              <a:t>        "format": "expanded",</a:t>
+            </a:r>
+          </a:p>
+          <a:p>
+            <a:r>
+              <a:rPr lang="zh-TW" altLang="en-US" dirty="0" smtClean="0">
+                <a:solidFill>
+                  <a:schemeClr val="bg1"/>
+                </a:solidFill>
+              </a:rPr>
+              <a:t>        "extensionName": ".css",</a:t>
+            </a:r>
+          </a:p>
+          <a:p>
+            <a:r>
+              <a:rPr lang="zh-TW" altLang="en-US" dirty="0" smtClean="0">
+                <a:solidFill>
+                  <a:schemeClr val="bg1"/>
+                </a:solidFill>
+              </a:rPr>
+              <a:t>        "savePath": "~/../css"</a:t>
+            </a:r>
+          </a:p>
+          <a:p>
+            <a:r>
+              <a:rPr lang="zh-TW" altLang="en-US" dirty="0" smtClean="0">
+                <a:solidFill>
+                  <a:schemeClr val="bg1"/>
+                </a:solidFill>
+              </a:rPr>
+              <a:t>    }</a:t>
+            </a:r>
+          </a:p>
+          <a:p>
+            <a:r>
+              <a:rPr lang="zh-TW" altLang="en-US" dirty="0" smtClean="0">
+                <a:solidFill>
+                  <a:schemeClr val="bg1"/>
+                </a:solidFill>
+              </a:rPr>
+              <a:t>],</a:t>
+            </a:r>
+          </a:p>
+          <a:p>
+            <a:r>
+              <a:rPr lang="zh-TW" altLang="en-US" dirty="0" smtClean="0">
+                <a:solidFill>
+                  <a:schemeClr val="bg1"/>
+                </a:solidFill>
+              </a:rPr>
+              <a:t>"liveSassCompile.settings.autoprefix": [</a:t>
+            </a:r>
+          </a:p>
+          <a:p>
+            <a:r>
+              <a:rPr lang="zh-TW" altLang="en-US" dirty="0" smtClean="0">
+                <a:solidFill>
+                  <a:schemeClr val="bg1"/>
+                </a:solidFill>
+              </a:rPr>
+              <a:t>    "&gt; 1%",</a:t>
+            </a:r>
+          </a:p>
+          <a:p>
+            <a:r>
+              <a:rPr lang="zh-TW" altLang="en-US" dirty="0" smtClean="0">
+                <a:solidFill>
+                  <a:schemeClr val="bg1"/>
+                </a:solidFill>
+              </a:rPr>
+              <a:t>    "last 5 versions",</a:t>
+            </a:r>
+          </a:p>
+          <a:p>
+            <a:r>
+              <a:rPr lang="zh-TW" altLang="en-US" dirty="0" smtClean="0">
+                <a:solidFill>
+                  <a:schemeClr val="bg1"/>
+                </a:solidFill>
+              </a:rPr>
+              <a:t>    "Firefox &gt;= 45",</a:t>
+            </a:r>
+          </a:p>
+          <a:p>
+            <a:r>
+              <a:rPr lang="zh-TW" altLang="en-US" dirty="0" smtClean="0">
+                <a:solidFill>
+                  <a:schemeClr val="bg1"/>
+                </a:solidFill>
+              </a:rPr>
+              <a:t>    "iOS &gt;=8",</a:t>
+            </a:r>
+          </a:p>
+          <a:p>
+            <a:r>
+              <a:rPr lang="zh-TW" altLang="en-US" dirty="0" smtClean="0">
+                <a:solidFill>
+                  <a:schemeClr val="bg1"/>
+                </a:solidFill>
+              </a:rPr>
+              <a:t>    "Safari &gt;=8",</a:t>
+            </a:r>
+          </a:p>
+          <a:p>
+            <a:r>
+              <a:rPr lang="zh-TW" altLang="en-US" dirty="0" smtClean="0">
+                <a:solidFill>
+                  <a:schemeClr val="bg1"/>
+                </a:solidFill>
+              </a:rPr>
+              <a:t>    "ie &gt;= 10"</a:t>
+            </a:r>
+          </a:p>
+          <a:p>
+            <a:r>
+              <a:rPr lang="zh-TW" altLang="en-US" dirty="0" smtClean="0">
+                <a:solidFill>
+                  <a:schemeClr val="bg1"/>
+                </a:solidFill>
+              </a:rPr>
+              <a:t>]</a:t>
+            </a:r>
+            <a:endParaRPr lang="zh-TW" altLang="en-US" dirty="0">
+              <a:solidFill>
+                <a:schemeClr val="bg1"/>
+              </a:solidFill>
+            </a:endParaRPr>
+          </a:p>
+        </p:txBody>
+      </p:sp>
+    </p:spTree>
+    <p:extLst>
+      <p:ext uri="{BB962C8B-B14F-4D97-AF65-F5344CB8AC3E}">
+        <p14:creationId xmlns:p14="http://schemas.microsoft.com/office/powerpoint/2010/main" val="4219456275"/>
+      </p:ext>
+    </p:extLst>
+  </p:cSld>
+  <p:clrMapOvr>
+    <a:masterClrMapping/>
+  </p:clrMapOvr>
+</p:sld>
+</file>
+
+<file path=ppt/slides/slide13.xml><?xml version="1.0" encoding="utf-8"?>
+<p:sld xmlns:a="http://schemas.openxmlformats.org/drawingml/2006/main" xmlns:r="http://schemas.openxmlformats.org/officeDocument/2006/relationships" xmlns:p="http://schemas.openxmlformats.org/presentationml/2006/main">
+  <p:cSld>
+    <p:spTree>
+      <p:nvGrpSpPr>
+        <p:cNvPr id="1" name=""/>
+        <p:cNvGrpSpPr/>
+        <p:nvPr/>
+      </p:nvGrpSpPr>
+      <p:grpSpPr>
+        <a:xfrm>
+          <a:off x="0" y="0"/>
+          <a:ext cx="0" cy="0"/>
+          <a:chOff x="0" y="0"/>
+          <a:chExt cx="0" cy="0"/>
+        </a:xfrm>
+      </p:grpSpPr>
+      <p:sp>
+        <p:nvSpPr>
           <p:cNvPr id="4" name="矩形 3"/>
           <p:cNvSpPr/>
           <p:nvPr/>
@@ -4386,6 +5220,456 @@
           <a:chExt cx="0" cy="0"/>
         </a:xfrm>
       </p:grpSpPr>
+      <p:sp>
+        <p:nvSpPr>
+          <p:cNvPr id="5" name="矩形 4"/>
+          <p:cNvSpPr/>
+          <p:nvPr/>
+        </p:nvSpPr>
+        <p:spPr>
+          <a:xfrm>
+            <a:off x="3949700" y="2670852"/>
+            <a:ext cx="4648200" cy="1477328"/>
+          </a:xfrm>
+          <a:prstGeom prst="rect">
+            <a:avLst/>
+          </a:prstGeom>
+        </p:spPr>
+        <p:txBody>
+          <a:bodyPr wrap="square">
+            <a:spAutoFit/>
+          </a:bodyPr>
+          <a:lstStyle/>
+          <a:p>
+            <a:pPr>
+              <a:lnSpc>
+                <a:spcPct val="150000"/>
+              </a:lnSpc>
+            </a:pPr>
+            <a:r>
+              <a:rPr lang="en-US" altLang="zh-TW" sz="6000" b="1" dirty="0" smtClean="0">
+                <a:solidFill>
+                  <a:schemeClr val="bg1"/>
+                </a:solidFill>
+              </a:rPr>
+              <a:t>Sass Wat????</a:t>
+            </a:r>
+            <a:endParaRPr lang="en-US" altLang="zh-TW" sz="6000" b="1" i="0" dirty="0">
+              <a:solidFill>
+                <a:schemeClr val="bg1"/>
+              </a:solidFill>
+              <a:effectLst/>
+              <a:latin typeface="微軟正黑體" panose="020B0604030504040204" pitchFamily="34" charset="-120"/>
+              <a:ea typeface="微軟正黑體" panose="020B0604030504040204" pitchFamily="34" charset="-120"/>
+            </a:endParaRPr>
+          </a:p>
+        </p:txBody>
+      </p:sp>
+    </p:spTree>
+    <p:extLst>
+      <p:ext uri="{BB962C8B-B14F-4D97-AF65-F5344CB8AC3E}">
+        <p14:creationId xmlns:p14="http://schemas.microsoft.com/office/powerpoint/2010/main" val="3862687368"/>
+      </p:ext>
+    </p:extLst>
+  </p:cSld>
+  <p:clrMapOvr>
+    <a:masterClrMapping/>
+  </p:clrMapOvr>
+  <p:timing>
+    <p:tnLst>
+      <p:par>
+        <p:cTn id="1" dur="indefinite" restart="never" nodeType="tmRoot"/>
+      </p:par>
+    </p:tnLst>
+  </p:timing>
+</p:sld>
+</file>
+
+<file path=ppt/slides/slide4.xml><?xml version="1.0" encoding="utf-8"?>
+<p:sld xmlns:a="http://schemas.openxmlformats.org/drawingml/2006/main" xmlns:r="http://schemas.openxmlformats.org/officeDocument/2006/relationships" xmlns:p="http://schemas.openxmlformats.org/presentationml/2006/main">
+  <p:cSld>
+    <p:spTree>
+      <p:nvGrpSpPr>
+        <p:cNvPr id="1" name=""/>
+        <p:cNvGrpSpPr/>
+        <p:nvPr/>
+      </p:nvGrpSpPr>
+      <p:grpSpPr>
+        <a:xfrm>
+          <a:off x="0" y="0"/>
+          <a:ext cx="0" cy="0"/>
+          <a:chOff x="0" y="0"/>
+          <a:chExt cx="0" cy="0"/>
+        </a:xfrm>
+      </p:grpSpPr>
+      <p:pic>
+        <p:nvPicPr>
+          <p:cNvPr id="4" name="圖片 3"/>
+          <p:cNvPicPr>
+            <a:picLocks noChangeAspect="1"/>
+          </p:cNvPicPr>
+          <p:nvPr/>
+        </p:nvPicPr>
+        <p:blipFill>
+          <a:blip r:embed="rId2">
+            <a:extLst>
+              <a:ext uri="{28A0092B-C50C-407E-A947-70E740481C1C}">
+                <a14:useLocalDpi xmlns:a14="http://schemas.microsoft.com/office/drawing/2010/main" val="0"/>
+              </a:ext>
+            </a:extLst>
+          </a:blip>
+          <a:stretch>
+            <a:fillRect/>
+          </a:stretch>
+        </p:blipFill>
+        <p:spPr>
+          <a:xfrm>
+            <a:off x="2952750" y="1295400"/>
+            <a:ext cx="6203950" cy="4466844"/>
+          </a:xfrm>
+          <a:prstGeom prst="rect">
+            <a:avLst/>
+          </a:prstGeom>
+        </p:spPr>
+      </p:pic>
+    </p:spTree>
+    <p:extLst>
+      <p:ext uri="{BB962C8B-B14F-4D97-AF65-F5344CB8AC3E}">
+        <p14:creationId xmlns:p14="http://schemas.microsoft.com/office/powerpoint/2010/main" val="4148131928"/>
+      </p:ext>
+    </p:extLst>
+  </p:cSld>
+  <p:clrMapOvr>
+    <a:masterClrMapping/>
+  </p:clrMapOvr>
+  <p:timing>
+    <p:tnLst>
+      <p:par>
+        <p:cTn id="1" dur="indefinite" restart="never" nodeType="tmRoot"/>
+      </p:par>
+    </p:tnLst>
+  </p:timing>
+</p:sld>
+</file>
+
+<file path=ppt/slides/slide5.xml><?xml version="1.0" encoding="utf-8"?>
+<p:sld xmlns:a="http://schemas.openxmlformats.org/drawingml/2006/main" xmlns:r="http://schemas.openxmlformats.org/officeDocument/2006/relationships" xmlns:p="http://schemas.openxmlformats.org/presentationml/2006/main">
+  <p:cSld>
+    <p:spTree>
+      <p:nvGrpSpPr>
+        <p:cNvPr id="1" name=""/>
+        <p:cNvGrpSpPr/>
+        <p:nvPr/>
+      </p:nvGrpSpPr>
+      <p:grpSpPr>
+        <a:xfrm>
+          <a:off x="0" y="0"/>
+          <a:ext cx="0" cy="0"/>
+          <a:chOff x="0" y="0"/>
+          <a:chExt cx="0" cy="0"/>
+        </a:xfrm>
+      </p:grpSpPr>
+      <p:pic>
+        <p:nvPicPr>
+          <p:cNvPr id="2" name="圖片 1"/>
+          <p:cNvPicPr>
+            <a:picLocks noChangeAspect="1"/>
+          </p:cNvPicPr>
+          <p:nvPr/>
+        </p:nvPicPr>
+        <p:blipFill>
+          <a:blip r:embed="rId2">
+            <a:extLst>
+              <a:ext uri="{28A0092B-C50C-407E-A947-70E740481C1C}">
+                <a14:useLocalDpi xmlns:a14="http://schemas.microsoft.com/office/drawing/2010/main" val="0"/>
+              </a:ext>
+            </a:extLst>
+          </a:blip>
+          <a:stretch>
+            <a:fillRect/>
+          </a:stretch>
+        </p:blipFill>
+        <p:spPr>
+          <a:xfrm>
+            <a:off x="1996513" y="2034589"/>
+            <a:ext cx="8179308" cy="3182112"/>
+          </a:xfrm>
+          <a:prstGeom prst="rect">
+            <a:avLst/>
+          </a:prstGeom>
+        </p:spPr>
+      </p:pic>
+    </p:spTree>
+    <p:extLst>
+      <p:ext uri="{BB962C8B-B14F-4D97-AF65-F5344CB8AC3E}">
+        <p14:creationId xmlns:p14="http://schemas.microsoft.com/office/powerpoint/2010/main" val="2781748897"/>
+      </p:ext>
+    </p:extLst>
+  </p:cSld>
+  <p:clrMapOvr>
+    <a:masterClrMapping/>
+  </p:clrMapOvr>
+  <p:timing>
+    <p:tnLst>
+      <p:par>
+        <p:cTn id="1" dur="indefinite" restart="never" nodeType="tmRoot"/>
+      </p:par>
+    </p:tnLst>
+  </p:timing>
+</p:sld>
+</file>
+
+<file path=ppt/slides/slide6.xml><?xml version="1.0" encoding="utf-8"?>
+<p:sld xmlns:a="http://schemas.openxmlformats.org/drawingml/2006/main" xmlns:r="http://schemas.openxmlformats.org/officeDocument/2006/relationships" xmlns:p="http://schemas.openxmlformats.org/presentationml/2006/main">
+  <p:cSld>
+    <p:spTree>
+      <p:nvGrpSpPr>
+        <p:cNvPr id="1" name=""/>
+        <p:cNvGrpSpPr/>
+        <p:nvPr/>
+      </p:nvGrpSpPr>
+      <p:grpSpPr>
+        <a:xfrm>
+          <a:off x="0" y="0"/>
+          <a:ext cx="0" cy="0"/>
+          <a:chOff x="0" y="0"/>
+          <a:chExt cx="0" cy="0"/>
+        </a:xfrm>
+      </p:grpSpPr>
+      <p:pic>
+        <p:nvPicPr>
+          <p:cNvPr id="3" name="圖片 2"/>
+          <p:cNvPicPr>
+            <a:picLocks noChangeAspect="1"/>
+          </p:cNvPicPr>
+          <p:nvPr/>
+        </p:nvPicPr>
+        <p:blipFill>
+          <a:blip r:embed="rId2" cstate="print">
+            <a:extLst>
+              <a:ext uri="{28A0092B-C50C-407E-A947-70E740481C1C}">
+                <a14:useLocalDpi xmlns:a14="http://schemas.microsoft.com/office/drawing/2010/main" val="0"/>
+              </a:ext>
+            </a:extLst>
+          </a:blip>
+          <a:stretch>
+            <a:fillRect/>
+          </a:stretch>
+        </p:blipFill>
+        <p:spPr>
+          <a:xfrm>
+            <a:off x="4237978" y="2418735"/>
+            <a:ext cx="2889222" cy="1785781"/>
+          </a:xfrm>
+          <a:prstGeom prst="rect">
+            <a:avLst/>
+          </a:prstGeom>
+        </p:spPr>
+      </p:pic>
+      <p:sp>
+        <p:nvSpPr>
+          <p:cNvPr id="4" name="矩形 3"/>
+          <p:cNvSpPr/>
+          <p:nvPr/>
+        </p:nvSpPr>
+        <p:spPr>
+          <a:xfrm>
+            <a:off x="3389261" y="4646967"/>
+            <a:ext cx="5253294" cy="830997"/>
+          </a:xfrm>
+          <a:prstGeom prst="rect">
+            <a:avLst/>
+          </a:prstGeom>
+        </p:spPr>
+        <p:txBody>
+          <a:bodyPr wrap="square">
+            <a:spAutoFit/>
+          </a:bodyPr>
+          <a:lstStyle/>
+          <a:p>
+            <a:pPr>
+              <a:lnSpc>
+                <a:spcPct val="150000"/>
+              </a:lnSpc>
+            </a:pPr>
+            <a:r>
+              <a:rPr lang="zh-TW" altLang="en-US" sz="3200" b="1" i="0" dirty="0" smtClean="0">
+                <a:solidFill>
+                  <a:schemeClr val="bg1"/>
+                </a:solidFill>
+                <a:effectLst/>
+                <a:latin typeface="微軟正黑體" panose="020B0604030504040204" pitchFamily="34" charset="-120"/>
+                <a:ea typeface="微軟正黑體" panose="020B0604030504040204" pitchFamily="34" charset="-120"/>
+              </a:rPr>
+              <a:t>瀏覽器不知道</a:t>
+            </a:r>
+            <a:r>
+              <a:rPr lang="en-US" altLang="zh-TW" sz="3200" b="1" dirty="0" smtClean="0">
+                <a:solidFill>
+                  <a:schemeClr val="bg1"/>
+                </a:solidFill>
+                <a:latin typeface="微軟正黑體" panose="020B0604030504040204" pitchFamily="34" charset="-120"/>
+                <a:ea typeface="微軟正黑體" panose="020B0604030504040204" pitchFamily="34" charset="-120"/>
+              </a:rPr>
+              <a:t>S</a:t>
+            </a:r>
+            <a:r>
+              <a:rPr lang="en-US" altLang="zh-TW" sz="3200" b="1" i="0" dirty="0" smtClean="0">
+                <a:solidFill>
+                  <a:schemeClr val="bg1"/>
+                </a:solidFill>
+                <a:effectLst/>
+                <a:latin typeface="微軟正黑體" panose="020B0604030504040204" pitchFamily="34" charset="-120"/>
+                <a:ea typeface="微軟正黑體" panose="020B0604030504040204" pitchFamily="34" charset="-120"/>
+              </a:rPr>
+              <a:t>ass</a:t>
+            </a:r>
+            <a:r>
+              <a:rPr lang="zh-TW" altLang="en-US" sz="3200" b="1" i="0" dirty="0" smtClean="0">
+                <a:solidFill>
+                  <a:schemeClr val="bg1"/>
+                </a:solidFill>
+                <a:effectLst/>
+                <a:latin typeface="微軟正黑體" panose="020B0604030504040204" pitchFamily="34" charset="-120"/>
+                <a:ea typeface="微軟正黑體" panose="020B0604030504040204" pitchFamily="34" charset="-120"/>
+              </a:rPr>
+              <a:t>是</a:t>
+            </a:r>
+            <a:r>
+              <a:rPr lang="zh-TW" altLang="en-US" sz="3200" b="1" dirty="0" smtClean="0">
+                <a:solidFill>
+                  <a:schemeClr val="bg1"/>
+                </a:solidFill>
+                <a:latin typeface="微軟正黑體" panose="020B0604030504040204" pitchFamily="34" charset="-120"/>
+                <a:ea typeface="微軟正黑體" panose="020B0604030504040204" pitchFamily="34" charset="-120"/>
+              </a:rPr>
+              <a:t>什麼</a:t>
+            </a:r>
+            <a:r>
+              <a:rPr lang="en-US" altLang="zh-TW" sz="3200" b="1" dirty="0" smtClean="0">
+                <a:solidFill>
+                  <a:schemeClr val="bg1"/>
+                </a:solidFill>
+                <a:latin typeface="微軟正黑體" panose="020B0604030504040204" pitchFamily="34" charset="-120"/>
+                <a:ea typeface="微軟正黑體" panose="020B0604030504040204" pitchFamily="34" charset="-120"/>
+              </a:rPr>
+              <a:t>?</a:t>
+            </a:r>
+            <a:endParaRPr lang="en-US" altLang="zh-TW" sz="3200" b="1" i="0" dirty="0">
+              <a:solidFill>
+                <a:schemeClr val="bg1"/>
+              </a:solidFill>
+              <a:effectLst/>
+              <a:latin typeface="微軟正黑體" panose="020B0604030504040204" pitchFamily="34" charset="-120"/>
+              <a:ea typeface="微軟正黑體" panose="020B0604030504040204" pitchFamily="34" charset="-120"/>
+            </a:endParaRPr>
+          </a:p>
+        </p:txBody>
+      </p:sp>
+    </p:spTree>
+    <p:extLst>
+      <p:ext uri="{BB962C8B-B14F-4D97-AF65-F5344CB8AC3E}">
+        <p14:creationId xmlns:p14="http://schemas.microsoft.com/office/powerpoint/2010/main" val="2048261381"/>
+      </p:ext>
+    </p:extLst>
+  </p:cSld>
+  <p:clrMapOvr>
+    <a:masterClrMapping/>
+  </p:clrMapOvr>
+  <p:timing>
+    <p:tnLst>
+      <p:par>
+        <p:cTn id="1" dur="indefinite" restart="never" nodeType="tmRoot"/>
+      </p:par>
+    </p:tnLst>
+  </p:timing>
+</p:sld>
+</file>
+
+<file path=ppt/slides/slide7.xml><?xml version="1.0" encoding="utf-8"?>
+<p:sld xmlns:a="http://schemas.openxmlformats.org/drawingml/2006/main" xmlns:r="http://schemas.openxmlformats.org/officeDocument/2006/relationships" xmlns:p="http://schemas.openxmlformats.org/presentationml/2006/main">
+  <p:cSld>
+    <p:spTree>
+      <p:nvGrpSpPr>
+        <p:cNvPr id="1" name=""/>
+        <p:cNvGrpSpPr/>
+        <p:nvPr/>
+      </p:nvGrpSpPr>
+      <p:grpSpPr>
+        <a:xfrm>
+          <a:off x="0" y="0"/>
+          <a:ext cx="0" cy="0"/>
+          <a:chOff x="0" y="0"/>
+          <a:chExt cx="0" cy="0"/>
+        </a:xfrm>
+      </p:grpSpPr>
+      <p:pic>
+        <p:nvPicPr>
+          <p:cNvPr id="5" name="圖片 4"/>
+          <p:cNvPicPr>
+            <a:picLocks noChangeAspect="1"/>
+          </p:cNvPicPr>
+          <p:nvPr/>
+        </p:nvPicPr>
+        <p:blipFill>
+          <a:blip r:embed="rId2">
+            <a:extLst>
+              <a:ext uri="{28A0092B-C50C-407E-A947-70E740481C1C}">
+                <a14:useLocalDpi xmlns:a14="http://schemas.microsoft.com/office/drawing/2010/main" val="0"/>
+              </a:ext>
+            </a:extLst>
+          </a:blip>
+          <a:stretch>
+            <a:fillRect/>
+          </a:stretch>
+        </p:blipFill>
+        <p:spPr>
+          <a:xfrm>
+            <a:off x="2376129" y="1450258"/>
+            <a:ext cx="7420078" cy="4173794"/>
+          </a:xfrm>
+          <a:prstGeom prst="rect">
+            <a:avLst/>
+          </a:prstGeom>
+        </p:spPr>
+      </p:pic>
+    </p:spTree>
+    <p:extLst>
+      <p:ext uri="{BB962C8B-B14F-4D97-AF65-F5344CB8AC3E}">
+        <p14:creationId xmlns:p14="http://schemas.microsoft.com/office/powerpoint/2010/main" val="3245356384"/>
+      </p:ext>
+    </p:extLst>
+  </p:cSld>
+  <p:clrMapOvr>
+    <a:masterClrMapping/>
+  </p:clrMapOvr>
+  <p:timing>
+    <p:tnLst>
+      <p:par>
+        <p:cTn id="1" dur="indefinite" restart="never" nodeType="tmRoot"/>
+      </p:par>
+    </p:tnLst>
+  </p:timing>
+</p:sld>
+</file>
+
+<file path=ppt/slides/slide8.xml><?xml version="1.0" encoding="utf-8"?>
+<p:sld xmlns:a="http://schemas.openxmlformats.org/drawingml/2006/main" xmlns:r="http://schemas.openxmlformats.org/officeDocument/2006/relationships" xmlns:p="http://schemas.openxmlformats.org/presentationml/2006/main">
+  <p:cSld>
+    <p:spTree>
+      <p:nvGrpSpPr>
+        <p:cNvPr id="1" name=""/>
+        <p:cNvGrpSpPr/>
+        <p:nvPr/>
+      </p:nvGrpSpPr>
+      <p:grpSpPr>
+        <a:xfrm>
+          <a:off x="0" y="0"/>
+          <a:ext cx="0" cy="0"/>
+          <a:chOff x="0" y="0"/>
+          <a:chExt cx="0" cy="0"/>
+        </a:xfrm>
+      </p:grpSpPr>
       <p:pic>
         <p:nvPicPr>
           <p:cNvPr id="4" name="圖片 3"/>
@@ -4642,13 +5926,6 @@
               </a:rPr>
               <a:t>Visual Studio Code</a:t>
             </a:r>
-            <a:endParaRPr lang="en-US" altLang="zh-TW" sz="1400" b="1" dirty="0">
-              <a:solidFill>
-                <a:schemeClr val="bg1"/>
-              </a:solidFill>
-              <a:latin typeface="微軟正黑體" panose="020B0604030504040204" pitchFamily="34" charset="-120"/>
-              <a:ea typeface="微軟正黑體" panose="020B0604030504040204" pitchFamily="34" charset="-120"/>
-            </a:endParaRPr>
           </a:p>
         </p:txBody>
       </p:sp>
@@ -5068,1187 +6345,6 @@
     <p:extLst>
       <p:ext uri="{BB962C8B-B14F-4D97-AF65-F5344CB8AC3E}">
         <p14:creationId xmlns:p14="http://schemas.microsoft.com/office/powerpoint/2010/main" val="1740206631"/>
-      </p:ext>
-    </p:extLst>
-  </p:cSld>
-  <p:clrMapOvr>
-    <a:masterClrMapping/>
-  </p:clrMapOvr>
-  <p:timing>
-    <p:tnLst>
-      <p:par>
-        <p:cTn id="1" dur="indefinite" restart="never" nodeType="tmRoot"/>
-      </p:par>
-    </p:tnLst>
-  </p:timing>
-</p:sld>
-</file>
-
-<file path=ppt/slides/slide4.xml><?xml version="1.0" encoding="utf-8"?>
-<p:sld xmlns:a="http://schemas.openxmlformats.org/drawingml/2006/main" xmlns:r="http://schemas.openxmlformats.org/officeDocument/2006/relationships" xmlns:p="http://schemas.openxmlformats.org/presentationml/2006/main">
-  <p:cSld>
-    <p:spTree>
-      <p:nvGrpSpPr>
-        <p:cNvPr id="1" name=""/>
-        <p:cNvGrpSpPr/>
-        <p:nvPr/>
-      </p:nvGrpSpPr>
-      <p:grpSpPr>
-        <a:xfrm>
-          <a:off x="0" y="0"/>
-          <a:ext cx="0" cy="0"/>
-          <a:chOff x="0" y="0"/>
-          <a:chExt cx="0" cy="0"/>
-        </a:xfrm>
-      </p:grpSpPr>
-      <p:sp>
-        <p:nvSpPr>
-          <p:cNvPr id="4" name="副標題 2"/>
-          <p:cNvSpPr txBox="1">
-            <a:spLocks/>
-          </p:cNvSpPr>
-          <p:nvPr/>
-        </p:nvSpPr>
-        <p:spPr>
-          <a:xfrm>
-            <a:off x="4336357" y="3632123"/>
-            <a:ext cx="3227367" cy="381439"/>
-          </a:xfrm>
-          <a:prstGeom prst="rect">
-            <a:avLst/>
-          </a:prstGeom>
-        </p:spPr>
-        <p:txBody>
-          <a:bodyPr vert="horz" lIns="91440" tIns="45720" rIns="91440" bIns="45720" rtlCol="0">
-            <a:normAutofit/>
-          </a:bodyPr>
-          <a:lstStyle>
-            <a:lvl1pPr marL="0" indent="0" algn="ctr" defTabSz="914400" rtl="0" eaLnBrk="1" latinLnBrk="0" hangingPunct="1">
-              <a:lnSpc>
-                <a:spcPct val="90000"/>
-              </a:lnSpc>
-              <a:spcBef>
-                <a:spcPts val="1000"/>
-              </a:spcBef>
-              <a:buFont typeface="Arial" panose="020B0604020202020204" pitchFamily="34" charset="0"/>
-              <a:buNone/>
-              <a:defRPr sz="2400" kern="1200">
-                <a:solidFill>
-                  <a:schemeClr val="tx1"/>
-                </a:solidFill>
-                <a:latin typeface="+mn-lt"/>
-                <a:ea typeface="+mn-ea"/>
-                <a:cs typeface="+mn-cs"/>
-              </a:defRPr>
-            </a:lvl1pPr>
-            <a:lvl2pPr marL="457200" indent="0" algn="ctr" defTabSz="914400" rtl="0" eaLnBrk="1" latinLnBrk="0" hangingPunct="1">
-              <a:lnSpc>
-                <a:spcPct val="90000"/>
-              </a:lnSpc>
-              <a:spcBef>
-                <a:spcPts val="500"/>
-              </a:spcBef>
-              <a:buFont typeface="Arial" panose="020B0604020202020204" pitchFamily="34" charset="0"/>
-              <a:buNone/>
-              <a:defRPr sz="2000" kern="1200">
-                <a:solidFill>
-                  <a:schemeClr val="tx1"/>
-                </a:solidFill>
-                <a:latin typeface="+mn-lt"/>
-                <a:ea typeface="+mn-ea"/>
-                <a:cs typeface="+mn-cs"/>
-              </a:defRPr>
-            </a:lvl2pPr>
-            <a:lvl3pPr marL="914400" indent="0" algn="ctr" defTabSz="914400" rtl="0" eaLnBrk="1" latinLnBrk="0" hangingPunct="1">
-              <a:lnSpc>
-                <a:spcPct val="90000"/>
-              </a:lnSpc>
-              <a:spcBef>
-                <a:spcPts val="500"/>
-              </a:spcBef>
-              <a:buFont typeface="Arial" panose="020B0604020202020204" pitchFamily="34" charset="0"/>
-              <a:buNone/>
-              <a:defRPr sz="1800" kern="1200">
-                <a:solidFill>
-                  <a:schemeClr val="tx1"/>
-                </a:solidFill>
-                <a:latin typeface="+mn-lt"/>
-                <a:ea typeface="+mn-ea"/>
-                <a:cs typeface="+mn-cs"/>
-              </a:defRPr>
-            </a:lvl3pPr>
-            <a:lvl4pPr marL="1371600" indent="0" algn="ctr" defTabSz="914400" rtl="0" eaLnBrk="1" latinLnBrk="0" hangingPunct="1">
-              <a:lnSpc>
-                <a:spcPct val="90000"/>
-              </a:lnSpc>
-              <a:spcBef>
-                <a:spcPts val="500"/>
-              </a:spcBef>
-              <a:buFont typeface="Arial" panose="020B0604020202020204" pitchFamily="34" charset="0"/>
-              <a:buNone/>
-              <a:defRPr sz="1600" kern="1200">
-                <a:solidFill>
-                  <a:schemeClr val="tx1"/>
-                </a:solidFill>
-                <a:latin typeface="+mn-lt"/>
-                <a:ea typeface="+mn-ea"/>
-                <a:cs typeface="+mn-cs"/>
-              </a:defRPr>
-            </a:lvl4pPr>
-            <a:lvl5pPr marL="1828800" indent="0" algn="ctr" defTabSz="914400" rtl="0" eaLnBrk="1" latinLnBrk="0" hangingPunct="1">
-              <a:lnSpc>
-                <a:spcPct val="90000"/>
-              </a:lnSpc>
-              <a:spcBef>
-                <a:spcPts val="500"/>
-              </a:spcBef>
-              <a:buFont typeface="Arial" panose="020B0604020202020204" pitchFamily="34" charset="0"/>
-              <a:buNone/>
-              <a:defRPr sz="1600" kern="1200">
-                <a:solidFill>
-                  <a:schemeClr val="tx1"/>
-                </a:solidFill>
-                <a:latin typeface="+mn-lt"/>
-                <a:ea typeface="+mn-ea"/>
-                <a:cs typeface="+mn-cs"/>
-              </a:defRPr>
-            </a:lvl5pPr>
-            <a:lvl6pPr marL="2286000" indent="0" algn="ctr" defTabSz="914400" rtl="0" eaLnBrk="1" latinLnBrk="0" hangingPunct="1">
-              <a:lnSpc>
-                <a:spcPct val="90000"/>
-              </a:lnSpc>
-              <a:spcBef>
-                <a:spcPts val="500"/>
-              </a:spcBef>
-              <a:buFont typeface="Arial" panose="020B0604020202020204" pitchFamily="34" charset="0"/>
-              <a:buNone/>
-              <a:defRPr sz="1600" kern="1200">
-                <a:solidFill>
-                  <a:schemeClr val="tx1"/>
-                </a:solidFill>
-                <a:latin typeface="+mn-lt"/>
-                <a:ea typeface="+mn-ea"/>
-                <a:cs typeface="+mn-cs"/>
-              </a:defRPr>
-            </a:lvl6pPr>
-            <a:lvl7pPr marL="2743200" indent="0" algn="ctr" defTabSz="914400" rtl="0" eaLnBrk="1" latinLnBrk="0" hangingPunct="1">
-              <a:lnSpc>
-                <a:spcPct val="90000"/>
-              </a:lnSpc>
-              <a:spcBef>
-                <a:spcPts val="500"/>
-              </a:spcBef>
-              <a:buFont typeface="Arial" panose="020B0604020202020204" pitchFamily="34" charset="0"/>
-              <a:buNone/>
-              <a:defRPr sz="1600" kern="1200">
-                <a:solidFill>
-                  <a:schemeClr val="tx1"/>
-                </a:solidFill>
-                <a:latin typeface="+mn-lt"/>
-                <a:ea typeface="+mn-ea"/>
-                <a:cs typeface="+mn-cs"/>
-              </a:defRPr>
-            </a:lvl7pPr>
-            <a:lvl8pPr marL="3200400" indent="0" algn="ctr" defTabSz="914400" rtl="0" eaLnBrk="1" latinLnBrk="0" hangingPunct="1">
-              <a:lnSpc>
-                <a:spcPct val="90000"/>
-              </a:lnSpc>
-              <a:spcBef>
-                <a:spcPts val="500"/>
-              </a:spcBef>
-              <a:buFont typeface="Arial" panose="020B0604020202020204" pitchFamily="34" charset="0"/>
-              <a:buNone/>
-              <a:defRPr sz="1600" kern="1200">
-                <a:solidFill>
-                  <a:schemeClr val="tx1"/>
-                </a:solidFill>
-                <a:latin typeface="+mn-lt"/>
-                <a:ea typeface="+mn-ea"/>
-                <a:cs typeface="+mn-cs"/>
-              </a:defRPr>
-            </a:lvl8pPr>
-            <a:lvl9pPr marL="3657600" indent="0" algn="ctr" defTabSz="914400" rtl="0" eaLnBrk="1" latinLnBrk="0" hangingPunct="1">
-              <a:lnSpc>
-                <a:spcPct val="90000"/>
-              </a:lnSpc>
-              <a:spcBef>
-                <a:spcPts val="500"/>
-              </a:spcBef>
-              <a:buFont typeface="Arial" panose="020B0604020202020204" pitchFamily="34" charset="0"/>
-              <a:buNone/>
-              <a:defRPr sz="1600" kern="1200">
-                <a:solidFill>
-                  <a:schemeClr val="tx1"/>
-                </a:solidFill>
-                <a:latin typeface="+mn-lt"/>
-                <a:ea typeface="+mn-ea"/>
-                <a:cs typeface="+mn-cs"/>
-              </a:defRPr>
-            </a:lvl9pPr>
-          </a:lstStyle>
-          <a:p>
-            <a:r>
-              <a:rPr lang="zh-TW" altLang="en-US" sz="2000" b="1" dirty="0" smtClean="0">
-                <a:solidFill>
-                  <a:schemeClr val="bg1"/>
-                </a:solidFill>
-                <a:latin typeface="微軟正黑體" panose="020B0604030504040204" pitchFamily="34" charset="-120"/>
-                <a:ea typeface="微軟正黑體" panose="020B0604030504040204" pitchFamily="34" charset="-120"/>
-              </a:rPr>
-              <a:t>先來安裝個</a:t>
-            </a:r>
-            <a:r>
-              <a:rPr lang="en-US" altLang="zh-TW" sz="2000" b="1" dirty="0" err="1" smtClean="0">
-                <a:solidFill>
-                  <a:schemeClr val="bg1"/>
-                </a:solidFill>
-                <a:latin typeface="微軟正黑體" panose="020B0604030504040204" pitchFamily="34" charset="-120"/>
-                <a:ea typeface="微軟正黑體" panose="020B0604030504040204" pitchFamily="34" charset="-120"/>
-              </a:rPr>
-              <a:t>nvm</a:t>
-            </a:r>
-            <a:r>
-              <a:rPr lang="zh-TW" altLang="en-US" sz="2000" b="1" dirty="0" smtClean="0">
-                <a:solidFill>
-                  <a:schemeClr val="bg1"/>
-                </a:solidFill>
-                <a:latin typeface="微軟正黑體" panose="020B0604030504040204" pitchFamily="34" charset="-120"/>
-                <a:ea typeface="微軟正黑體" panose="020B0604030504040204" pitchFamily="34" charset="-120"/>
-              </a:rPr>
-              <a:t>吧</a:t>
-            </a:r>
-            <a:r>
-              <a:rPr lang="en-US" altLang="zh-TW" sz="2000" b="1" dirty="0" smtClean="0">
-                <a:solidFill>
-                  <a:schemeClr val="bg1"/>
-                </a:solidFill>
-                <a:latin typeface="微軟正黑體" panose="020B0604030504040204" pitchFamily="34" charset="-120"/>
-                <a:ea typeface="微軟正黑體" panose="020B0604030504040204" pitchFamily="34" charset="-120"/>
-              </a:rPr>
-              <a:t>!</a:t>
-            </a:r>
-            <a:endParaRPr lang="en-US" altLang="zh-TW" sz="2000" b="1" dirty="0">
-              <a:solidFill>
-                <a:schemeClr val="bg1"/>
-              </a:solidFill>
-              <a:latin typeface="微軟正黑體" panose="020B0604030504040204" pitchFamily="34" charset="-120"/>
-              <a:ea typeface="微軟正黑體" panose="020B0604030504040204" pitchFamily="34" charset="-120"/>
-            </a:endParaRPr>
-          </a:p>
-        </p:txBody>
-      </p:sp>
-    </p:spTree>
-    <p:extLst>
-      <p:ext uri="{BB962C8B-B14F-4D97-AF65-F5344CB8AC3E}">
-        <p14:creationId xmlns:p14="http://schemas.microsoft.com/office/powerpoint/2010/main" val="2672920567"/>
-      </p:ext>
-    </p:extLst>
-  </p:cSld>
-  <p:clrMapOvr>
-    <a:masterClrMapping/>
-  </p:clrMapOvr>
-  <p:timing>
-    <p:tnLst>
-      <p:par>
-        <p:cTn id="1" dur="indefinite" restart="never" nodeType="tmRoot"/>
-      </p:par>
-    </p:tnLst>
-  </p:timing>
-</p:sld>
-</file>
-
-<file path=ppt/slides/slide5.xml><?xml version="1.0" encoding="utf-8"?>
-<p:sld xmlns:a="http://schemas.openxmlformats.org/drawingml/2006/main" xmlns:r="http://schemas.openxmlformats.org/officeDocument/2006/relationships" xmlns:p="http://schemas.openxmlformats.org/presentationml/2006/main">
-  <p:cSld>
-    <p:spTree>
-      <p:nvGrpSpPr>
-        <p:cNvPr id="1" name=""/>
-        <p:cNvGrpSpPr/>
-        <p:nvPr/>
-      </p:nvGrpSpPr>
-      <p:grpSpPr>
-        <a:xfrm>
-          <a:off x="0" y="0"/>
-          <a:ext cx="0" cy="0"/>
-          <a:chOff x="0" y="0"/>
-          <a:chExt cx="0" cy="0"/>
-        </a:xfrm>
-      </p:grpSpPr>
-      <p:sp>
-        <p:nvSpPr>
-          <p:cNvPr id="2" name="標題 1"/>
-          <p:cNvSpPr>
-            <a:spLocks noGrp="1"/>
-          </p:cNvSpPr>
-          <p:nvPr>
-            <p:ph type="title"/>
-          </p:nvPr>
-        </p:nvSpPr>
-        <p:spPr>
-          <a:xfrm>
-            <a:off x="3333750" y="1933575"/>
-            <a:ext cx="5838825" cy="3667125"/>
-          </a:xfrm>
-        </p:spPr>
-        <p:txBody>
-          <a:bodyPr>
-            <a:noAutofit/>
-          </a:bodyPr>
-          <a:lstStyle/>
-          <a:p>
-            <a:pPr>
-              <a:lnSpc>
-                <a:spcPct val="200000"/>
-              </a:lnSpc>
-            </a:pPr>
-            <a:r>
-              <a:rPr lang="en-US" altLang="zh-TW" sz="1800" b="1" dirty="0">
-                <a:solidFill>
-                  <a:schemeClr val="bg1"/>
-                </a:solidFill>
-                <a:latin typeface="微軟正黑體" panose="020B0604030504040204" pitchFamily="34" charset="-120"/>
-                <a:ea typeface="微軟正黑體" panose="020B0604030504040204" pitchFamily="34" charset="-120"/>
-              </a:rPr>
-              <a:t>NVM</a:t>
-            </a:r>
-            <a:r>
-              <a:rPr lang="zh-TW" altLang="en-US" sz="1800" b="1" dirty="0">
-                <a:solidFill>
-                  <a:schemeClr val="bg1"/>
-                </a:solidFill>
-                <a:latin typeface="微軟正黑體" panose="020B0604030504040204" pitchFamily="34" charset="-120"/>
-                <a:ea typeface="微軟正黑體" panose="020B0604030504040204" pitchFamily="34" charset="-120"/>
-              </a:rPr>
-              <a:t>指令</a:t>
-            </a:r>
-            <a:br>
-              <a:rPr lang="zh-TW" altLang="en-US" sz="1800" b="1" dirty="0">
-                <a:solidFill>
-                  <a:schemeClr val="bg1"/>
-                </a:solidFill>
-                <a:latin typeface="微軟正黑體" panose="020B0604030504040204" pitchFamily="34" charset="-120"/>
-                <a:ea typeface="微軟正黑體" panose="020B0604030504040204" pitchFamily="34" charset="-120"/>
-              </a:rPr>
-            </a:br>
-            <a:r>
-              <a:rPr lang="en-US" altLang="zh-TW" sz="1800" b="1" dirty="0" err="1">
-                <a:solidFill>
-                  <a:schemeClr val="bg1"/>
-                </a:solidFill>
-                <a:latin typeface="微軟正黑體" panose="020B0604030504040204" pitchFamily="34" charset="-120"/>
-                <a:ea typeface="微軟正黑體" panose="020B0604030504040204" pitchFamily="34" charset="-120"/>
-              </a:rPr>
-              <a:t>nvm</a:t>
-            </a:r>
-            <a:r>
-              <a:rPr lang="en-US" altLang="zh-TW" sz="1800" b="1" dirty="0">
-                <a:solidFill>
-                  <a:schemeClr val="bg1"/>
-                </a:solidFill>
-                <a:latin typeface="微軟正黑體" panose="020B0604030504040204" pitchFamily="34" charset="-120"/>
-                <a:ea typeface="微軟正黑體" panose="020B0604030504040204" pitchFamily="34" charset="-120"/>
-              </a:rPr>
-              <a:t> list</a:t>
-            </a:r>
-            <a:r>
-              <a:rPr lang="zh-TW" altLang="en-US" sz="1800" b="1" dirty="0">
-                <a:solidFill>
-                  <a:schemeClr val="bg1"/>
-                </a:solidFill>
-                <a:latin typeface="微軟正黑體" panose="020B0604030504040204" pitchFamily="34" charset="-120"/>
-                <a:ea typeface="微軟正黑體" panose="020B0604030504040204" pitchFamily="34" charset="-120"/>
-              </a:rPr>
-              <a:t>：查看已安裝的版本</a:t>
-            </a:r>
-            <a:br>
-              <a:rPr lang="zh-TW" altLang="en-US" sz="1800" b="1" dirty="0">
-                <a:solidFill>
-                  <a:schemeClr val="bg1"/>
-                </a:solidFill>
-                <a:latin typeface="微軟正黑體" panose="020B0604030504040204" pitchFamily="34" charset="-120"/>
-                <a:ea typeface="微軟正黑體" panose="020B0604030504040204" pitchFamily="34" charset="-120"/>
-              </a:rPr>
-            </a:br>
-            <a:r>
-              <a:rPr lang="en-US" altLang="zh-TW" sz="1800" b="1" dirty="0" err="1">
-                <a:solidFill>
-                  <a:schemeClr val="bg1"/>
-                </a:solidFill>
-                <a:latin typeface="微軟正黑體" panose="020B0604030504040204" pitchFamily="34" charset="-120"/>
-                <a:ea typeface="微軟正黑體" panose="020B0604030504040204" pitchFamily="34" charset="-120"/>
-              </a:rPr>
-              <a:t>nvm</a:t>
-            </a:r>
-            <a:r>
-              <a:rPr lang="en-US" altLang="zh-TW" sz="1800" b="1" dirty="0">
-                <a:solidFill>
-                  <a:schemeClr val="bg1"/>
-                </a:solidFill>
-                <a:latin typeface="微軟正黑體" panose="020B0604030504040204" pitchFamily="34" charset="-120"/>
-                <a:ea typeface="微軟正黑體" panose="020B0604030504040204" pitchFamily="34" charset="-120"/>
-              </a:rPr>
-              <a:t> list available</a:t>
-            </a:r>
-            <a:r>
-              <a:rPr lang="zh-TW" altLang="en-US" sz="1800" b="1" dirty="0">
-                <a:solidFill>
-                  <a:schemeClr val="bg1"/>
-                </a:solidFill>
-                <a:latin typeface="微軟正黑體" panose="020B0604030504040204" pitchFamily="34" charset="-120"/>
-                <a:ea typeface="微軟正黑體" panose="020B0604030504040204" pitchFamily="34" charset="-120"/>
-              </a:rPr>
-              <a:t>：查看有哪些 </a:t>
-            </a:r>
-            <a:r>
-              <a:rPr lang="en-US" altLang="zh-TW" sz="1800" b="1" dirty="0">
-                <a:solidFill>
-                  <a:schemeClr val="bg1"/>
-                </a:solidFill>
-                <a:latin typeface="微軟正黑體" panose="020B0604030504040204" pitchFamily="34" charset="-120"/>
-                <a:ea typeface="微軟正黑體" panose="020B0604030504040204" pitchFamily="34" charset="-120"/>
-              </a:rPr>
-              <a:t>Node </a:t>
-            </a:r>
-            <a:r>
-              <a:rPr lang="zh-TW" altLang="en-US" sz="1800" b="1" dirty="0">
-                <a:solidFill>
-                  <a:schemeClr val="bg1"/>
-                </a:solidFill>
-                <a:latin typeface="微軟正黑體" panose="020B0604030504040204" pitchFamily="34" charset="-120"/>
-                <a:ea typeface="微軟正黑體" panose="020B0604030504040204" pitchFamily="34" charset="-120"/>
-              </a:rPr>
-              <a:t>版本可以裝</a:t>
-            </a:r>
-            <a:br>
-              <a:rPr lang="zh-TW" altLang="en-US" sz="1800" b="1" dirty="0">
-                <a:solidFill>
-                  <a:schemeClr val="bg1"/>
-                </a:solidFill>
-                <a:latin typeface="微軟正黑體" panose="020B0604030504040204" pitchFamily="34" charset="-120"/>
-                <a:ea typeface="微軟正黑體" panose="020B0604030504040204" pitchFamily="34" charset="-120"/>
-              </a:rPr>
-            </a:br>
-            <a:r>
-              <a:rPr lang="en-US" altLang="zh-TW" sz="1800" b="1" dirty="0" err="1">
-                <a:solidFill>
-                  <a:schemeClr val="bg1"/>
-                </a:solidFill>
-                <a:latin typeface="微軟正黑體" panose="020B0604030504040204" pitchFamily="34" charset="-120"/>
-                <a:ea typeface="微軟正黑體" panose="020B0604030504040204" pitchFamily="34" charset="-120"/>
-              </a:rPr>
-              <a:t>nvm</a:t>
-            </a:r>
-            <a:r>
-              <a:rPr lang="en-US" altLang="zh-TW" sz="1800" b="1" dirty="0">
-                <a:solidFill>
-                  <a:schemeClr val="bg1"/>
-                </a:solidFill>
-                <a:latin typeface="微軟正黑體" panose="020B0604030504040204" pitchFamily="34" charset="-120"/>
-                <a:ea typeface="微軟正黑體" panose="020B0604030504040204" pitchFamily="34" charset="-120"/>
-              </a:rPr>
-              <a:t> install v8.11.2</a:t>
-            </a:r>
-            <a:r>
-              <a:rPr lang="zh-TW" altLang="en-US" sz="1800" b="1" dirty="0">
-                <a:solidFill>
-                  <a:schemeClr val="bg1"/>
-                </a:solidFill>
-                <a:latin typeface="微軟正黑體" panose="020B0604030504040204" pitchFamily="34" charset="-120"/>
-                <a:ea typeface="微軟正黑體" panose="020B0604030504040204" pitchFamily="34" charset="-120"/>
-              </a:rPr>
-              <a:t>：安裝指定的 </a:t>
-            </a:r>
-            <a:r>
-              <a:rPr lang="en-US" altLang="zh-TW" sz="1800" b="1" dirty="0">
-                <a:solidFill>
-                  <a:schemeClr val="bg1"/>
-                </a:solidFill>
-                <a:latin typeface="微軟正黑體" panose="020B0604030504040204" pitchFamily="34" charset="-120"/>
-                <a:ea typeface="微軟正黑體" panose="020B0604030504040204" pitchFamily="34" charset="-120"/>
-              </a:rPr>
-              <a:t>Node </a:t>
-            </a:r>
-            <a:r>
-              <a:rPr lang="zh-TW" altLang="en-US" sz="1800" b="1" dirty="0">
-                <a:solidFill>
-                  <a:schemeClr val="bg1"/>
-                </a:solidFill>
-                <a:latin typeface="微軟正黑體" panose="020B0604030504040204" pitchFamily="34" charset="-120"/>
-                <a:ea typeface="微軟正黑體" panose="020B0604030504040204" pitchFamily="34" charset="-120"/>
-              </a:rPr>
-              <a:t>版本</a:t>
-            </a:r>
-            <a:br>
-              <a:rPr lang="zh-TW" altLang="en-US" sz="1800" b="1" dirty="0">
-                <a:solidFill>
-                  <a:schemeClr val="bg1"/>
-                </a:solidFill>
-                <a:latin typeface="微軟正黑體" panose="020B0604030504040204" pitchFamily="34" charset="-120"/>
-                <a:ea typeface="微軟正黑體" panose="020B0604030504040204" pitchFamily="34" charset="-120"/>
-              </a:rPr>
-            </a:br>
-            <a:r>
-              <a:rPr lang="en-US" altLang="zh-TW" sz="1800" b="1" dirty="0" err="1">
-                <a:solidFill>
-                  <a:schemeClr val="bg1"/>
-                </a:solidFill>
-                <a:latin typeface="微軟正黑體" panose="020B0604030504040204" pitchFamily="34" charset="-120"/>
-                <a:ea typeface="微軟正黑體" panose="020B0604030504040204" pitchFamily="34" charset="-120"/>
-              </a:rPr>
-              <a:t>nvm</a:t>
-            </a:r>
-            <a:r>
-              <a:rPr lang="en-US" altLang="zh-TW" sz="1800" b="1" dirty="0">
-                <a:solidFill>
-                  <a:schemeClr val="bg1"/>
-                </a:solidFill>
-                <a:latin typeface="微軟正黑體" panose="020B0604030504040204" pitchFamily="34" charset="-120"/>
-                <a:ea typeface="微軟正黑體" panose="020B0604030504040204" pitchFamily="34" charset="-120"/>
-              </a:rPr>
-              <a:t> use v8.11.2</a:t>
-            </a:r>
-            <a:r>
-              <a:rPr lang="zh-TW" altLang="en-US" sz="1800" b="1" dirty="0">
-                <a:solidFill>
-                  <a:schemeClr val="bg1"/>
-                </a:solidFill>
-                <a:latin typeface="微軟正黑體" panose="020B0604030504040204" pitchFamily="34" charset="-120"/>
-                <a:ea typeface="微軟正黑體" panose="020B0604030504040204" pitchFamily="34" charset="-120"/>
-              </a:rPr>
-              <a:t>：指定 </a:t>
-            </a:r>
-            <a:r>
-              <a:rPr lang="en-US" altLang="zh-TW" sz="1800" b="1" dirty="0">
-                <a:solidFill>
-                  <a:schemeClr val="bg1"/>
-                </a:solidFill>
-                <a:latin typeface="微軟正黑體" panose="020B0604030504040204" pitchFamily="34" charset="-120"/>
-                <a:ea typeface="微軟正黑體" panose="020B0604030504040204" pitchFamily="34" charset="-120"/>
-              </a:rPr>
-              <a:t>Node </a:t>
-            </a:r>
-            <a:r>
-              <a:rPr lang="zh-TW" altLang="en-US" sz="1800" b="1" dirty="0">
-                <a:solidFill>
-                  <a:schemeClr val="bg1"/>
-                </a:solidFill>
-                <a:latin typeface="微軟正黑體" panose="020B0604030504040204" pitchFamily="34" charset="-120"/>
-                <a:ea typeface="微軟正黑體" panose="020B0604030504040204" pitchFamily="34" charset="-120"/>
-              </a:rPr>
-              <a:t>版本</a:t>
-            </a:r>
-            <a:br>
-              <a:rPr lang="zh-TW" altLang="en-US" sz="1800" b="1" dirty="0">
-                <a:solidFill>
-                  <a:schemeClr val="bg1"/>
-                </a:solidFill>
-                <a:latin typeface="微軟正黑體" panose="020B0604030504040204" pitchFamily="34" charset="-120"/>
-                <a:ea typeface="微軟正黑體" panose="020B0604030504040204" pitchFamily="34" charset="-120"/>
-              </a:rPr>
-            </a:br>
-            <a:endParaRPr lang="zh-TW" altLang="en-US" sz="1800" b="1" dirty="0">
-              <a:solidFill>
-                <a:schemeClr val="bg1"/>
-              </a:solidFill>
-              <a:latin typeface="微軟正黑體" panose="020B0604030504040204" pitchFamily="34" charset="-120"/>
-              <a:ea typeface="微軟正黑體" panose="020B0604030504040204" pitchFamily="34" charset="-120"/>
-            </a:endParaRPr>
-          </a:p>
-        </p:txBody>
-      </p:sp>
-    </p:spTree>
-    <p:extLst>
-      <p:ext uri="{BB962C8B-B14F-4D97-AF65-F5344CB8AC3E}">
-        <p14:creationId xmlns:p14="http://schemas.microsoft.com/office/powerpoint/2010/main" val="3942310378"/>
-      </p:ext>
-    </p:extLst>
-  </p:cSld>
-  <p:clrMapOvr>
-    <a:masterClrMapping/>
-  </p:clrMapOvr>
-</p:sld>
-</file>
-
-<file path=ppt/slides/slide6.xml><?xml version="1.0" encoding="utf-8"?>
-<p:sld xmlns:a="http://schemas.openxmlformats.org/drawingml/2006/main" xmlns:r="http://schemas.openxmlformats.org/officeDocument/2006/relationships" xmlns:p="http://schemas.openxmlformats.org/presentationml/2006/main">
-  <p:cSld>
-    <p:spTree>
-      <p:nvGrpSpPr>
-        <p:cNvPr id="1" name=""/>
-        <p:cNvGrpSpPr/>
-        <p:nvPr/>
-      </p:nvGrpSpPr>
-      <p:grpSpPr>
-        <a:xfrm>
-          <a:off x="0" y="0"/>
-          <a:ext cx="0" cy="0"/>
-          <a:chOff x="0" y="0"/>
-          <a:chExt cx="0" cy="0"/>
-        </a:xfrm>
-      </p:grpSpPr>
-      <p:pic>
-        <p:nvPicPr>
-          <p:cNvPr id="4" name="圖片 3"/>
-          <p:cNvPicPr>
-            <a:picLocks noChangeAspect="1"/>
-          </p:cNvPicPr>
-          <p:nvPr/>
-        </p:nvPicPr>
-        <p:blipFill>
-          <a:blip r:embed="rId2" cstate="print">
-            <a:extLst>
-              <a:ext uri="{28A0092B-C50C-407E-A947-70E740481C1C}">
-                <a14:useLocalDpi xmlns:a14="http://schemas.microsoft.com/office/drawing/2010/main" val="0"/>
-              </a:ext>
-            </a:extLst>
-          </a:blip>
-          <a:stretch>
-            <a:fillRect/>
-          </a:stretch>
-        </p:blipFill>
-        <p:spPr>
-          <a:xfrm>
-            <a:off x="3333750" y="2446890"/>
-            <a:ext cx="2552699" cy="2542061"/>
-          </a:xfrm>
-          <a:prstGeom prst="rect">
-            <a:avLst/>
-          </a:prstGeom>
-        </p:spPr>
-      </p:pic>
-      <p:sp>
-        <p:nvSpPr>
-          <p:cNvPr id="5" name="矩形 4"/>
-          <p:cNvSpPr/>
-          <p:nvPr/>
-        </p:nvSpPr>
-        <p:spPr>
-          <a:xfrm>
-            <a:off x="6200775" y="2540676"/>
-            <a:ext cx="2085975" cy="2354491"/>
-          </a:xfrm>
-          <a:prstGeom prst="rect">
-            <a:avLst/>
-          </a:prstGeom>
-        </p:spPr>
-        <p:txBody>
-          <a:bodyPr wrap="square">
-            <a:spAutoFit/>
-          </a:bodyPr>
-          <a:lstStyle/>
-          <a:p>
-            <a:pPr>
-              <a:lnSpc>
-                <a:spcPct val="150000"/>
-              </a:lnSpc>
-            </a:pPr>
-            <a:r>
-              <a:rPr lang="en-US" altLang="zh-TW" sz="1400" b="1" i="0" dirty="0" err="1" smtClean="0">
-                <a:solidFill>
-                  <a:schemeClr val="bg1"/>
-                </a:solidFill>
-                <a:effectLst/>
-                <a:latin typeface="微軟正黑體" panose="020B0604030504040204" pitchFamily="34" charset="-120"/>
-                <a:ea typeface="微軟正黑體" panose="020B0604030504040204" pitchFamily="34" charset="-120"/>
-              </a:rPr>
-              <a:t>liveSassCompile</a:t>
-            </a:r>
-            <a:endParaRPr lang="en-US" altLang="zh-TW" sz="1400" b="1" i="0" dirty="0" smtClean="0">
-              <a:solidFill>
-                <a:schemeClr val="bg1"/>
-              </a:solidFill>
-              <a:effectLst/>
-              <a:latin typeface="微軟正黑體" panose="020B0604030504040204" pitchFamily="34" charset="-120"/>
-              <a:ea typeface="微軟正黑體" panose="020B0604030504040204" pitchFamily="34" charset="-120"/>
-            </a:endParaRPr>
-          </a:p>
-          <a:p>
-            <a:pPr>
-              <a:lnSpc>
-                <a:spcPct val="150000"/>
-              </a:lnSpc>
-            </a:pPr>
-            <a:r>
-              <a:rPr lang="en-US" altLang="zh-TW" sz="1400" b="1" i="0" dirty="0" smtClean="0">
-                <a:solidFill>
-                  <a:schemeClr val="bg1"/>
-                </a:solidFill>
-                <a:effectLst/>
-                <a:latin typeface="微軟正黑體" panose="020B0604030504040204" pitchFamily="34" charset="-120"/>
-                <a:ea typeface="微軟正黑體" panose="020B0604030504040204" pitchFamily="34" charset="-120"/>
-              </a:rPr>
-              <a:t>Sass</a:t>
-            </a:r>
-          </a:p>
-          <a:p>
-            <a:pPr>
-              <a:lnSpc>
-                <a:spcPct val="150000"/>
-              </a:lnSpc>
-            </a:pPr>
-            <a:r>
-              <a:rPr lang="en-US" altLang="zh-TW" sz="1400" b="1" i="0" dirty="0" err="1" smtClean="0">
-                <a:solidFill>
-                  <a:schemeClr val="bg1"/>
-                </a:solidFill>
-                <a:effectLst/>
-                <a:latin typeface="微軟正黑體" panose="020B0604030504040204" pitchFamily="34" charset="-120"/>
-                <a:ea typeface="微軟正黑體" panose="020B0604030504040204" pitchFamily="34" charset="-120"/>
-              </a:rPr>
-              <a:t>Monokai</a:t>
-            </a:r>
-            <a:r>
-              <a:rPr lang="en-US" altLang="zh-TW" sz="1400" b="1" i="0" dirty="0" smtClean="0">
-                <a:solidFill>
-                  <a:schemeClr val="bg1"/>
-                </a:solidFill>
-                <a:effectLst/>
-                <a:latin typeface="微軟正黑體" panose="020B0604030504040204" pitchFamily="34" charset="-120"/>
-                <a:ea typeface="微軟正黑體" panose="020B0604030504040204" pitchFamily="34" charset="-120"/>
-              </a:rPr>
-              <a:t> Dark Soda</a:t>
-            </a:r>
-          </a:p>
-          <a:p>
-            <a:pPr>
-              <a:lnSpc>
-                <a:spcPct val="150000"/>
-              </a:lnSpc>
-            </a:pPr>
-            <a:r>
-              <a:rPr lang="en-US" altLang="zh-TW" sz="1400" b="1" i="0" dirty="0" err="1" smtClean="0">
-                <a:solidFill>
-                  <a:schemeClr val="bg1"/>
-                </a:solidFill>
-                <a:effectLst/>
-                <a:latin typeface="微軟正黑體" panose="020B0604030504040204" pitchFamily="34" charset="-120"/>
-                <a:ea typeface="微軟正黑體" panose="020B0604030504040204" pitchFamily="34" charset="-120"/>
-              </a:rPr>
-              <a:t>EaseServer</a:t>
-            </a:r>
-            <a:endParaRPr lang="en-US" altLang="zh-TW" sz="1400" b="1" i="0" dirty="0" smtClean="0">
-              <a:solidFill>
-                <a:schemeClr val="bg1"/>
-              </a:solidFill>
-              <a:effectLst/>
-              <a:latin typeface="微軟正黑體" panose="020B0604030504040204" pitchFamily="34" charset="-120"/>
-              <a:ea typeface="微軟正黑體" panose="020B0604030504040204" pitchFamily="34" charset="-120"/>
-            </a:endParaRPr>
-          </a:p>
-          <a:p>
-            <a:pPr>
-              <a:lnSpc>
-                <a:spcPct val="150000"/>
-              </a:lnSpc>
-            </a:pPr>
-            <a:r>
-              <a:rPr lang="en-US" altLang="zh-TW" sz="1400" b="1" i="0" dirty="0" smtClean="0">
-                <a:solidFill>
-                  <a:schemeClr val="bg1"/>
-                </a:solidFill>
-                <a:effectLst/>
-                <a:latin typeface="微軟正黑體" panose="020B0604030504040204" pitchFamily="34" charset="-120"/>
-                <a:ea typeface="微軟正黑體" panose="020B0604030504040204" pitchFamily="34" charset="-120"/>
-              </a:rPr>
-              <a:t>colorize</a:t>
-            </a:r>
-          </a:p>
-          <a:p>
-            <a:pPr>
-              <a:lnSpc>
-                <a:spcPct val="150000"/>
-              </a:lnSpc>
-            </a:pPr>
-            <a:r>
-              <a:rPr lang="en-US" altLang="zh-TW" sz="1400" b="1" i="0" dirty="0" err="1" smtClean="0">
-                <a:solidFill>
-                  <a:schemeClr val="bg1"/>
-                </a:solidFill>
-                <a:effectLst/>
-                <a:latin typeface="微軟正黑體" panose="020B0604030504040204" pitchFamily="34" charset="-120"/>
-                <a:ea typeface="微軟正黑體" panose="020B0604030504040204" pitchFamily="34" charset="-120"/>
-              </a:rPr>
-              <a:t>AutoFileName</a:t>
-            </a:r>
-            <a:endParaRPr lang="en-US" altLang="zh-TW" sz="1400" b="1" i="0" dirty="0" smtClean="0">
-              <a:solidFill>
-                <a:schemeClr val="bg1"/>
-              </a:solidFill>
-              <a:effectLst/>
-              <a:latin typeface="微軟正黑體" panose="020B0604030504040204" pitchFamily="34" charset="-120"/>
-              <a:ea typeface="微軟正黑體" panose="020B0604030504040204" pitchFamily="34" charset="-120"/>
-            </a:endParaRPr>
-          </a:p>
-          <a:p>
-            <a:pPr>
-              <a:lnSpc>
-                <a:spcPct val="150000"/>
-              </a:lnSpc>
-            </a:pPr>
-            <a:r>
-              <a:rPr lang="en-US" altLang="zh-TW" sz="1400" b="1" i="0" dirty="0" err="1" smtClean="0">
-                <a:solidFill>
-                  <a:schemeClr val="bg1"/>
-                </a:solidFill>
-                <a:effectLst/>
-                <a:latin typeface="微軟正黑體" panose="020B0604030504040204" pitchFamily="34" charset="-120"/>
-                <a:ea typeface="微軟正黑體" panose="020B0604030504040204" pitchFamily="34" charset="-120"/>
-              </a:rPr>
-              <a:t>vscode</a:t>
-            </a:r>
-            <a:r>
-              <a:rPr lang="en-US" altLang="zh-TW" sz="1400" b="1" i="0" dirty="0" smtClean="0">
-                <a:solidFill>
-                  <a:schemeClr val="bg1"/>
-                </a:solidFill>
-                <a:effectLst/>
-                <a:latin typeface="微軟正黑體" panose="020B0604030504040204" pitchFamily="34" charset="-120"/>
-                <a:ea typeface="微軟正黑體" panose="020B0604030504040204" pitchFamily="34" charset="-120"/>
-              </a:rPr>
-              <a:t>-icons</a:t>
-            </a:r>
-            <a:endParaRPr lang="en-US" altLang="zh-TW" sz="1400" b="1" i="0" dirty="0">
-              <a:solidFill>
-                <a:schemeClr val="bg1"/>
-              </a:solidFill>
-              <a:effectLst/>
-              <a:latin typeface="微軟正黑體" panose="020B0604030504040204" pitchFamily="34" charset="-120"/>
-              <a:ea typeface="微軟正黑體" panose="020B0604030504040204" pitchFamily="34" charset="-120"/>
-            </a:endParaRPr>
-          </a:p>
-        </p:txBody>
-      </p:sp>
-    </p:spTree>
-    <p:extLst>
-      <p:ext uri="{BB962C8B-B14F-4D97-AF65-F5344CB8AC3E}">
-        <p14:creationId xmlns:p14="http://schemas.microsoft.com/office/powerpoint/2010/main" val="2050616582"/>
-      </p:ext>
-    </p:extLst>
-  </p:cSld>
-  <p:clrMapOvr>
-    <a:masterClrMapping/>
-  </p:clrMapOvr>
-</p:sld>
-</file>
-
-<file path=ppt/slides/slide7.xml><?xml version="1.0" encoding="utf-8"?>
-<p:sld xmlns:a="http://schemas.openxmlformats.org/drawingml/2006/main" xmlns:r="http://schemas.openxmlformats.org/officeDocument/2006/relationships" xmlns:p="http://schemas.openxmlformats.org/presentationml/2006/main">
-  <p:cSld>
-    <p:spTree>
-      <p:nvGrpSpPr>
-        <p:cNvPr id="1" name=""/>
-        <p:cNvGrpSpPr/>
-        <p:nvPr/>
-      </p:nvGrpSpPr>
-      <p:grpSpPr>
-        <a:xfrm>
-          <a:off x="0" y="0"/>
-          <a:ext cx="0" cy="0"/>
-          <a:chOff x="0" y="0"/>
-          <a:chExt cx="0" cy="0"/>
-        </a:xfrm>
-      </p:grpSpPr>
-      <p:sp>
-        <p:nvSpPr>
-          <p:cNvPr id="5" name="矩形 4"/>
-          <p:cNvSpPr/>
-          <p:nvPr/>
-        </p:nvSpPr>
-        <p:spPr>
-          <a:xfrm>
-            <a:off x="3924300" y="864277"/>
-            <a:ext cx="4248150" cy="586827"/>
-          </a:xfrm>
-          <a:prstGeom prst="rect">
-            <a:avLst/>
-          </a:prstGeom>
-        </p:spPr>
-        <p:txBody>
-          <a:bodyPr wrap="square">
-            <a:spAutoFit/>
-          </a:bodyPr>
-          <a:lstStyle/>
-          <a:p>
-            <a:pPr>
-              <a:lnSpc>
-                <a:spcPct val="150000"/>
-              </a:lnSpc>
-            </a:pPr>
-            <a:r>
-              <a:rPr lang="en-US" altLang="zh-TW" sz="2400" b="1" dirty="0">
-                <a:solidFill>
-                  <a:schemeClr val="bg1"/>
-                </a:solidFill>
-              </a:rPr>
-              <a:t>Live Sass Compiler Setting</a:t>
-            </a:r>
-            <a:endParaRPr lang="en-US" altLang="zh-TW" sz="2400" b="1" i="0" dirty="0">
-              <a:solidFill>
-                <a:schemeClr val="bg1"/>
-              </a:solidFill>
-              <a:effectLst/>
-              <a:latin typeface="微軟正黑體" panose="020B0604030504040204" pitchFamily="34" charset="-120"/>
-              <a:ea typeface="微軟正黑體" panose="020B0604030504040204" pitchFamily="34" charset="-120"/>
-            </a:endParaRPr>
-          </a:p>
-        </p:txBody>
-      </p:sp>
-      <p:sp>
-        <p:nvSpPr>
-          <p:cNvPr id="3" name="矩形 2"/>
-          <p:cNvSpPr/>
-          <p:nvPr/>
-        </p:nvSpPr>
-        <p:spPr>
-          <a:xfrm>
-            <a:off x="3924300" y="1867317"/>
-            <a:ext cx="6096000" cy="4247317"/>
-          </a:xfrm>
-          <a:prstGeom prst="rect">
-            <a:avLst/>
-          </a:prstGeom>
-        </p:spPr>
-        <p:txBody>
-          <a:bodyPr>
-            <a:spAutoFit/>
-          </a:bodyPr>
-          <a:lstStyle/>
-          <a:p>
-            <a:r>
-              <a:rPr lang="zh-TW" altLang="en-US" dirty="0" smtClean="0">
-                <a:solidFill>
-                  <a:schemeClr val="bg1"/>
-                </a:solidFill>
-              </a:rPr>
-              <a:t>"liveSassCompile.settings.formats": [</a:t>
-            </a:r>
-          </a:p>
-          <a:p>
-            <a:r>
-              <a:rPr lang="zh-TW" altLang="en-US" dirty="0" smtClean="0">
-                <a:solidFill>
-                  <a:schemeClr val="bg1"/>
-                </a:solidFill>
-              </a:rPr>
-              <a:t>    {</a:t>
-            </a:r>
-          </a:p>
-          <a:p>
-            <a:r>
-              <a:rPr lang="zh-TW" altLang="en-US" dirty="0" smtClean="0">
-                <a:solidFill>
-                  <a:schemeClr val="bg1"/>
-                </a:solidFill>
-              </a:rPr>
-              <a:t>        "format": "expanded",</a:t>
-            </a:r>
-          </a:p>
-          <a:p>
-            <a:r>
-              <a:rPr lang="zh-TW" altLang="en-US" dirty="0" smtClean="0">
-                <a:solidFill>
-                  <a:schemeClr val="bg1"/>
-                </a:solidFill>
-              </a:rPr>
-              <a:t>        "extensionName": ".css",</a:t>
-            </a:r>
-          </a:p>
-          <a:p>
-            <a:r>
-              <a:rPr lang="zh-TW" altLang="en-US" dirty="0" smtClean="0">
-                <a:solidFill>
-                  <a:schemeClr val="bg1"/>
-                </a:solidFill>
-              </a:rPr>
-              <a:t>        "savePath": "~/../css"</a:t>
-            </a:r>
-          </a:p>
-          <a:p>
-            <a:r>
-              <a:rPr lang="zh-TW" altLang="en-US" dirty="0" smtClean="0">
-                <a:solidFill>
-                  <a:schemeClr val="bg1"/>
-                </a:solidFill>
-              </a:rPr>
-              <a:t>    }</a:t>
-            </a:r>
-          </a:p>
-          <a:p>
-            <a:r>
-              <a:rPr lang="zh-TW" altLang="en-US" dirty="0" smtClean="0">
-                <a:solidFill>
-                  <a:schemeClr val="bg1"/>
-                </a:solidFill>
-              </a:rPr>
-              <a:t>],</a:t>
-            </a:r>
-          </a:p>
-          <a:p>
-            <a:r>
-              <a:rPr lang="zh-TW" altLang="en-US" dirty="0" smtClean="0">
-                <a:solidFill>
-                  <a:schemeClr val="bg1"/>
-                </a:solidFill>
-              </a:rPr>
-              <a:t>"liveSassCompile.settings.autoprefix": [</a:t>
-            </a:r>
-          </a:p>
-          <a:p>
-            <a:r>
-              <a:rPr lang="zh-TW" altLang="en-US" dirty="0" smtClean="0">
-                <a:solidFill>
-                  <a:schemeClr val="bg1"/>
-                </a:solidFill>
-              </a:rPr>
-              <a:t>    "&gt; 1%",</a:t>
-            </a:r>
-          </a:p>
-          <a:p>
-            <a:r>
-              <a:rPr lang="zh-TW" altLang="en-US" dirty="0" smtClean="0">
-                <a:solidFill>
-                  <a:schemeClr val="bg1"/>
-                </a:solidFill>
-              </a:rPr>
-              <a:t>    "last 5 versions",</a:t>
-            </a:r>
-          </a:p>
-          <a:p>
-            <a:r>
-              <a:rPr lang="zh-TW" altLang="en-US" dirty="0" smtClean="0">
-                <a:solidFill>
-                  <a:schemeClr val="bg1"/>
-                </a:solidFill>
-              </a:rPr>
-              <a:t>    "Firefox &gt;= 45",</a:t>
-            </a:r>
-          </a:p>
-          <a:p>
-            <a:r>
-              <a:rPr lang="zh-TW" altLang="en-US" dirty="0" smtClean="0">
-                <a:solidFill>
-                  <a:schemeClr val="bg1"/>
-                </a:solidFill>
-              </a:rPr>
-              <a:t>    "iOS &gt;=8",</a:t>
-            </a:r>
-          </a:p>
-          <a:p>
-            <a:r>
-              <a:rPr lang="zh-TW" altLang="en-US" dirty="0" smtClean="0">
-                <a:solidFill>
-                  <a:schemeClr val="bg1"/>
-                </a:solidFill>
-              </a:rPr>
-              <a:t>    "Safari &gt;=8",</a:t>
-            </a:r>
-          </a:p>
-          <a:p>
-            <a:r>
-              <a:rPr lang="zh-TW" altLang="en-US" dirty="0" smtClean="0">
-                <a:solidFill>
-                  <a:schemeClr val="bg1"/>
-                </a:solidFill>
-              </a:rPr>
-              <a:t>    "ie &gt;= 10"</a:t>
-            </a:r>
-          </a:p>
-          <a:p>
-            <a:r>
-              <a:rPr lang="zh-TW" altLang="en-US" dirty="0" smtClean="0">
-                <a:solidFill>
-                  <a:schemeClr val="bg1"/>
-                </a:solidFill>
-              </a:rPr>
-              <a:t>]</a:t>
-            </a:r>
-            <a:endParaRPr lang="zh-TW" altLang="en-US" dirty="0">
-              <a:solidFill>
-                <a:schemeClr val="bg1"/>
-              </a:solidFill>
-            </a:endParaRPr>
-          </a:p>
-        </p:txBody>
-      </p:sp>
-    </p:spTree>
-    <p:extLst>
-      <p:ext uri="{BB962C8B-B14F-4D97-AF65-F5344CB8AC3E}">
-        <p14:creationId xmlns:p14="http://schemas.microsoft.com/office/powerpoint/2010/main" val="4219456275"/>
-      </p:ext>
-    </p:extLst>
-  </p:cSld>
-  <p:clrMapOvr>
-    <a:masterClrMapping/>
-  </p:clrMapOvr>
-</p:sld>
-</file>
-
-<file path=ppt/slides/slide8.xml><?xml version="1.0" encoding="utf-8"?>
-<p:sld xmlns:a="http://schemas.openxmlformats.org/drawingml/2006/main" xmlns:r="http://schemas.openxmlformats.org/officeDocument/2006/relationships" xmlns:p="http://schemas.openxmlformats.org/presentationml/2006/main">
-  <p:cSld>
-    <p:spTree>
-      <p:nvGrpSpPr>
-        <p:cNvPr id="1" name=""/>
-        <p:cNvGrpSpPr/>
-        <p:nvPr/>
-      </p:nvGrpSpPr>
-      <p:grpSpPr>
-        <a:xfrm>
-          <a:off x="0" y="0"/>
-          <a:ext cx="0" cy="0"/>
-          <a:chOff x="0" y="0"/>
-          <a:chExt cx="0" cy="0"/>
-        </a:xfrm>
-      </p:grpSpPr>
-      <p:sp>
-        <p:nvSpPr>
-          <p:cNvPr id="5" name="矩形 4"/>
-          <p:cNvSpPr/>
-          <p:nvPr/>
-        </p:nvSpPr>
-        <p:spPr>
-          <a:xfrm>
-            <a:off x="3949700" y="2670852"/>
-            <a:ext cx="4648200" cy="1477328"/>
-          </a:xfrm>
-          <a:prstGeom prst="rect">
-            <a:avLst/>
-          </a:prstGeom>
-        </p:spPr>
-        <p:txBody>
-          <a:bodyPr wrap="square">
-            <a:spAutoFit/>
-          </a:bodyPr>
-          <a:lstStyle/>
-          <a:p>
-            <a:pPr>
-              <a:lnSpc>
-                <a:spcPct val="150000"/>
-              </a:lnSpc>
-            </a:pPr>
-            <a:r>
-              <a:rPr lang="en-US" altLang="zh-TW" sz="6000" b="1" dirty="0" smtClean="0">
-                <a:solidFill>
-                  <a:schemeClr val="bg1"/>
-                </a:solidFill>
-              </a:rPr>
-              <a:t>Sass Wat????</a:t>
-            </a:r>
-            <a:endParaRPr lang="en-US" altLang="zh-TW" sz="6000" b="1" i="0" dirty="0">
-              <a:solidFill>
-                <a:schemeClr val="bg1"/>
-              </a:solidFill>
-              <a:effectLst/>
-              <a:latin typeface="微軟正黑體" panose="020B0604030504040204" pitchFamily="34" charset="-120"/>
-              <a:ea typeface="微軟正黑體" panose="020B0604030504040204" pitchFamily="34" charset="-120"/>
-            </a:endParaRPr>
-          </a:p>
-        </p:txBody>
-      </p:sp>
-    </p:spTree>
-    <p:extLst>
-      <p:ext uri="{BB962C8B-B14F-4D97-AF65-F5344CB8AC3E}">
-        <p14:creationId xmlns:p14="http://schemas.microsoft.com/office/powerpoint/2010/main" val="3862687368"/>
       </p:ext>
     </p:extLst>
   </p:cSld>
@@ -6282,40 +6378,281 @@
           <a:chExt cx="0" cy="0"/>
         </a:xfrm>
       </p:grpSpPr>
-      <p:pic>
-        <p:nvPicPr>
-          <p:cNvPr id="4" name="圖片 3"/>
-          <p:cNvPicPr>
-            <a:picLocks noChangeAspect="1"/>
-          </p:cNvPicPr>
+      <p:sp>
+        <p:nvSpPr>
+          <p:cNvPr id="4" name="副標題 2"/>
+          <p:cNvSpPr txBox="1">
+            <a:spLocks/>
+          </p:cNvSpPr>
           <p:nvPr/>
-        </p:nvPicPr>
-        <p:blipFill>
-          <a:blip r:embed="rId2">
-            <a:extLst>
-              <a:ext uri="{28A0092B-C50C-407E-A947-70E740481C1C}">
-                <a14:useLocalDpi xmlns:a14="http://schemas.microsoft.com/office/drawing/2010/main" val="0"/>
-              </a:ext>
-            </a:extLst>
-          </a:blip>
-          <a:stretch>
-            <a:fillRect/>
-          </a:stretch>
-        </p:blipFill>
+        </p:nvSpPr>
         <p:spPr>
           <a:xfrm>
-            <a:off x="2952750" y="1295400"/>
-            <a:ext cx="6203950" cy="4466844"/>
+            <a:off x="4385518" y="3425646"/>
+            <a:ext cx="3227367" cy="381439"/>
           </a:xfrm>
           <a:prstGeom prst="rect">
             <a:avLst/>
           </a:prstGeom>
         </p:spPr>
-      </p:pic>
+        <p:txBody>
+          <a:bodyPr vert="horz" lIns="91440" tIns="45720" rIns="91440" bIns="45720" rtlCol="0">
+            <a:noAutofit/>
+          </a:bodyPr>
+          <a:lstStyle>
+            <a:lvl1pPr marL="0" indent="0" algn="ctr" defTabSz="914400" rtl="0" eaLnBrk="1" latinLnBrk="0" hangingPunct="1">
+              <a:lnSpc>
+                <a:spcPct val="90000"/>
+              </a:lnSpc>
+              <a:spcBef>
+                <a:spcPts val="1000"/>
+              </a:spcBef>
+              <a:buFont typeface="Arial" panose="020B0604020202020204" pitchFamily="34" charset="0"/>
+              <a:buNone/>
+              <a:defRPr sz="2400" kern="1200">
+                <a:solidFill>
+                  <a:schemeClr val="tx1"/>
+                </a:solidFill>
+                <a:latin typeface="+mn-lt"/>
+                <a:ea typeface="+mn-ea"/>
+                <a:cs typeface="+mn-cs"/>
+              </a:defRPr>
+            </a:lvl1pPr>
+            <a:lvl2pPr marL="457200" indent="0" algn="ctr" defTabSz="914400" rtl="0" eaLnBrk="1" latinLnBrk="0" hangingPunct="1">
+              <a:lnSpc>
+                <a:spcPct val="90000"/>
+              </a:lnSpc>
+              <a:spcBef>
+                <a:spcPts val="500"/>
+              </a:spcBef>
+              <a:buFont typeface="Arial" panose="020B0604020202020204" pitchFamily="34" charset="0"/>
+              <a:buNone/>
+              <a:defRPr sz="2000" kern="1200">
+                <a:solidFill>
+                  <a:schemeClr val="tx1"/>
+                </a:solidFill>
+                <a:latin typeface="+mn-lt"/>
+                <a:ea typeface="+mn-ea"/>
+                <a:cs typeface="+mn-cs"/>
+              </a:defRPr>
+            </a:lvl2pPr>
+            <a:lvl3pPr marL="914400" indent="0" algn="ctr" defTabSz="914400" rtl="0" eaLnBrk="1" latinLnBrk="0" hangingPunct="1">
+              <a:lnSpc>
+                <a:spcPct val="90000"/>
+              </a:lnSpc>
+              <a:spcBef>
+                <a:spcPts val="500"/>
+              </a:spcBef>
+              <a:buFont typeface="Arial" panose="020B0604020202020204" pitchFamily="34" charset="0"/>
+              <a:buNone/>
+              <a:defRPr sz="1800" kern="1200">
+                <a:solidFill>
+                  <a:schemeClr val="tx1"/>
+                </a:solidFill>
+                <a:latin typeface="+mn-lt"/>
+                <a:ea typeface="+mn-ea"/>
+                <a:cs typeface="+mn-cs"/>
+              </a:defRPr>
+            </a:lvl3pPr>
+            <a:lvl4pPr marL="1371600" indent="0" algn="ctr" defTabSz="914400" rtl="0" eaLnBrk="1" latinLnBrk="0" hangingPunct="1">
+              <a:lnSpc>
+                <a:spcPct val="90000"/>
+              </a:lnSpc>
+              <a:spcBef>
+                <a:spcPts val="500"/>
+              </a:spcBef>
+              <a:buFont typeface="Arial" panose="020B0604020202020204" pitchFamily="34" charset="0"/>
+              <a:buNone/>
+              <a:defRPr sz="1600" kern="1200">
+                <a:solidFill>
+                  <a:schemeClr val="tx1"/>
+                </a:solidFill>
+                <a:latin typeface="+mn-lt"/>
+                <a:ea typeface="+mn-ea"/>
+                <a:cs typeface="+mn-cs"/>
+              </a:defRPr>
+            </a:lvl4pPr>
+            <a:lvl5pPr marL="1828800" indent="0" algn="ctr" defTabSz="914400" rtl="0" eaLnBrk="1" latinLnBrk="0" hangingPunct="1">
+              <a:lnSpc>
+                <a:spcPct val="90000"/>
+              </a:lnSpc>
+              <a:spcBef>
+                <a:spcPts val="500"/>
+              </a:spcBef>
+              <a:buFont typeface="Arial" panose="020B0604020202020204" pitchFamily="34" charset="0"/>
+              <a:buNone/>
+              <a:defRPr sz="1600" kern="1200">
+                <a:solidFill>
+                  <a:schemeClr val="tx1"/>
+                </a:solidFill>
+                <a:latin typeface="+mn-lt"/>
+                <a:ea typeface="+mn-ea"/>
+                <a:cs typeface="+mn-cs"/>
+              </a:defRPr>
+            </a:lvl5pPr>
+            <a:lvl6pPr marL="2286000" indent="0" algn="ctr" defTabSz="914400" rtl="0" eaLnBrk="1" latinLnBrk="0" hangingPunct="1">
+              <a:lnSpc>
+                <a:spcPct val="90000"/>
+              </a:lnSpc>
+              <a:spcBef>
+                <a:spcPts val="500"/>
+              </a:spcBef>
+              <a:buFont typeface="Arial" panose="020B0604020202020204" pitchFamily="34" charset="0"/>
+              <a:buNone/>
+              <a:defRPr sz="1600" kern="1200">
+                <a:solidFill>
+                  <a:schemeClr val="tx1"/>
+                </a:solidFill>
+                <a:latin typeface="+mn-lt"/>
+                <a:ea typeface="+mn-ea"/>
+                <a:cs typeface="+mn-cs"/>
+              </a:defRPr>
+            </a:lvl6pPr>
+            <a:lvl7pPr marL="2743200" indent="0" algn="ctr" defTabSz="914400" rtl="0" eaLnBrk="1" latinLnBrk="0" hangingPunct="1">
+              <a:lnSpc>
+                <a:spcPct val="90000"/>
+              </a:lnSpc>
+              <a:spcBef>
+                <a:spcPts val="500"/>
+              </a:spcBef>
+              <a:buFont typeface="Arial" panose="020B0604020202020204" pitchFamily="34" charset="0"/>
+              <a:buNone/>
+              <a:defRPr sz="1600" kern="1200">
+                <a:solidFill>
+                  <a:schemeClr val="tx1"/>
+                </a:solidFill>
+                <a:latin typeface="+mn-lt"/>
+                <a:ea typeface="+mn-ea"/>
+                <a:cs typeface="+mn-cs"/>
+              </a:defRPr>
+            </a:lvl7pPr>
+            <a:lvl8pPr marL="3200400" indent="0" algn="ctr" defTabSz="914400" rtl="0" eaLnBrk="1" latinLnBrk="0" hangingPunct="1">
+              <a:lnSpc>
+                <a:spcPct val="90000"/>
+              </a:lnSpc>
+              <a:spcBef>
+                <a:spcPts val="500"/>
+              </a:spcBef>
+              <a:buFont typeface="Arial" panose="020B0604020202020204" pitchFamily="34" charset="0"/>
+              <a:buNone/>
+              <a:defRPr sz="1600" kern="1200">
+                <a:solidFill>
+                  <a:schemeClr val="tx1"/>
+                </a:solidFill>
+                <a:latin typeface="+mn-lt"/>
+                <a:ea typeface="+mn-ea"/>
+                <a:cs typeface="+mn-cs"/>
+              </a:defRPr>
+            </a:lvl8pPr>
+            <a:lvl9pPr marL="3657600" indent="0" algn="ctr" defTabSz="914400" rtl="0" eaLnBrk="1" latinLnBrk="0" hangingPunct="1">
+              <a:lnSpc>
+                <a:spcPct val="90000"/>
+              </a:lnSpc>
+              <a:spcBef>
+                <a:spcPts val="500"/>
+              </a:spcBef>
+              <a:buFont typeface="Arial" panose="020B0604020202020204" pitchFamily="34" charset="0"/>
+              <a:buNone/>
+              <a:defRPr sz="1600" kern="1200">
+                <a:solidFill>
+                  <a:schemeClr val="tx1"/>
+                </a:solidFill>
+                <a:latin typeface="+mn-lt"/>
+                <a:ea typeface="+mn-ea"/>
+                <a:cs typeface="+mn-cs"/>
+              </a:defRPr>
+            </a:lvl9pPr>
+          </a:lstStyle>
+          <a:p>
+            <a:r>
+              <a:rPr lang="zh-TW" altLang="en-US" b="1" dirty="0" smtClean="0">
+                <a:solidFill>
+                  <a:schemeClr val="bg1"/>
+                </a:solidFill>
+                <a:latin typeface="微軟正黑體" panose="020B0604030504040204" pitchFamily="34" charset="-120"/>
+                <a:ea typeface="微軟正黑體" panose="020B0604030504040204" pitchFamily="34" charset="-120"/>
+              </a:rPr>
+              <a:t>先來安裝個</a:t>
+            </a:r>
+            <a:r>
+              <a:rPr lang="en-US" altLang="zh-TW" b="1" dirty="0" err="1" smtClean="0">
+                <a:solidFill>
+                  <a:schemeClr val="bg1"/>
+                </a:solidFill>
+                <a:latin typeface="微軟正黑體" panose="020B0604030504040204" pitchFamily="34" charset="-120"/>
+                <a:ea typeface="微軟正黑體" panose="020B0604030504040204" pitchFamily="34" charset="-120"/>
+              </a:rPr>
+              <a:t>nvm</a:t>
+            </a:r>
+            <a:r>
+              <a:rPr lang="zh-TW" altLang="en-US" b="1" dirty="0" smtClean="0">
+                <a:solidFill>
+                  <a:schemeClr val="bg1"/>
+                </a:solidFill>
+                <a:latin typeface="微軟正黑體" panose="020B0604030504040204" pitchFamily="34" charset="-120"/>
+                <a:ea typeface="微軟正黑體" panose="020B0604030504040204" pitchFamily="34" charset="-120"/>
+              </a:rPr>
+              <a:t>吧</a:t>
+            </a:r>
+            <a:r>
+              <a:rPr lang="en-US" altLang="zh-TW" b="1" dirty="0" smtClean="0">
+                <a:solidFill>
+                  <a:schemeClr val="bg1"/>
+                </a:solidFill>
+                <a:latin typeface="微軟正黑體" panose="020B0604030504040204" pitchFamily="34" charset="-120"/>
+                <a:ea typeface="微軟正黑體" panose="020B0604030504040204" pitchFamily="34" charset="-120"/>
+              </a:rPr>
+              <a:t>!</a:t>
+            </a:r>
+            <a:endParaRPr lang="en-US" altLang="zh-TW" b="1" dirty="0">
+              <a:solidFill>
+                <a:schemeClr val="bg1"/>
+              </a:solidFill>
+              <a:latin typeface="微軟正黑體" panose="020B0604030504040204" pitchFamily="34" charset="-120"/>
+              <a:ea typeface="微軟正黑體" panose="020B0604030504040204" pitchFamily="34" charset="-120"/>
+            </a:endParaRPr>
+          </a:p>
+        </p:txBody>
+      </p:sp>
+      <p:sp>
+        <p:nvSpPr>
+          <p:cNvPr id="2" name="矩形 1"/>
+          <p:cNvSpPr/>
+          <p:nvPr/>
+        </p:nvSpPr>
+        <p:spPr>
+          <a:xfrm>
+            <a:off x="3673329" y="3830769"/>
+            <a:ext cx="4884671" cy="369332"/>
+          </a:xfrm>
+          <a:prstGeom prst="rect">
+            <a:avLst/>
+          </a:prstGeom>
+        </p:spPr>
+        <p:txBody>
+          <a:bodyPr wrap="none">
+            <a:spAutoFit/>
+          </a:bodyPr>
+          <a:lstStyle/>
+          <a:p>
+            <a:r>
+              <a:rPr lang="en-US" altLang="zh-TW" u="sng" dirty="0">
+                <a:solidFill>
+                  <a:srgbClr val="0366D6"/>
+                </a:solidFill>
+                <a:latin typeface="-apple-system"/>
+                <a:hlinkClick r:id="rId2"/>
+              </a:rPr>
+              <a:t>https://github.com/coreybutler/nvm-windows/releases</a:t>
+            </a:r>
+            <a:endParaRPr lang="zh-TW" altLang="en-US" dirty="0"/>
+          </a:p>
+        </p:txBody>
+      </p:sp>
     </p:spTree>
     <p:extLst>
       <p:ext uri="{BB962C8B-B14F-4D97-AF65-F5344CB8AC3E}">
-        <p14:creationId xmlns:p14="http://schemas.microsoft.com/office/powerpoint/2010/main" val="4148131928"/>
+        <p14:creationId xmlns:p14="http://schemas.microsoft.com/office/powerpoint/2010/main" val="2672920567"/>
       </p:ext>
     </p:extLst>
   </p:cSld>

--- a/sasslive.pptx
+++ b/sasslive.pptx
@@ -6,18 +6,17 @@
   </p:sldMasterIdLst>
   <p:sldIdLst>
     <p:sldId id="256" r:id="rId2"/>
-    <p:sldId id="257" r:id="rId3"/>
-    <p:sldId id="263" r:id="rId4"/>
-    <p:sldId id="264" r:id="rId5"/>
-    <p:sldId id="268" r:id="rId6"/>
-    <p:sldId id="267" r:id="rId7"/>
-    <p:sldId id="266" r:id="rId8"/>
-    <p:sldId id="258" r:id="rId9"/>
-    <p:sldId id="259" r:id="rId10"/>
-    <p:sldId id="260" r:id="rId11"/>
-    <p:sldId id="261" r:id="rId12"/>
-    <p:sldId id="262" r:id="rId13"/>
-    <p:sldId id="265" r:id="rId14"/>
+    <p:sldId id="263" r:id="rId3"/>
+    <p:sldId id="264" r:id="rId4"/>
+    <p:sldId id="268" r:id="rId5"/>
+    <p:sldId id="267" r:id="rId6"/>
+    <p:sldId id="266" r:id="rId7"/>
+    <p:sldId id="258" r:id="rId8"/>
+    <p:sldId id="259" r:id="rId9"/>
+    <p:sldId id="260" r:id="rId10"/>
+    <p:sldId id="261" r:id="rId11"/>
+    <p:sldId id="262" r:id="rId12"/>
+    <p:sldId id="265" r:id="rId13"/>
   </p:sldIdLst>
   <p:sldSz cx="12192000" cy="6858000"/>
   <p:notesSz cx="6858000" cy="9144000"/>
@@ -3044,318 +3043,6 @@
           <a:chExt cx="0" cy="0"/>
         </a:xfrm>
       </p:grpSpPr>
-      <p:sp>
-        <p:nvSpPr>
-          <p:cNvPr id="2" name="標題 1"/>
-          <p:cNvSpPr>
-            <a:spLocks noGrp="1"/>
-          </p:cNvSpPr>
-          <p:nvPr>
-            <p:ph type="title"/>
-          </p:nvPr>
-        </p:nvSpPr>
-        <p:spPr>
-          <a:xfrm>
-            <a:off x="3333750" y="1933575"/>
-            <a:ext cx="5838825" cy="3667125"/>
-          </a:xfrm>
-        </p:spPr>
-        <p:txBody>
-          <a:bodyPr>
-            <a:noAutofit/>
-          </a:bodyPr>
-          <a:lstStyle/>
-          <a:p>
-            <a:pPr>
-              <a:lnSpc>
-                <a:spcPct val="200000"/>
-              </a:lnSpc>
-            </a:pPr>
-            <a:r>
-              <a:rPr lang="en-US" altLang="zh-TW" sz="1800" b="1" dirty="0">
-                <a:solidFill>
-                  <a:schemeClr val="bg1"/>
-                </a:solidFill>
-                <a:latin typeface="微軟正黑體" panose="020B0604030504040204" pitchFamily="34" charset="-120"/>
-                <a:ea typeface="微軟正黑體" panose="020B0604030504040204" pitchFamily="34" charset="-120"/>
-              </a:rPr>
-              <a:t>NVM</a:t>
-            </a:r>
-            <a:r>
-              <a:rPr lang="zh-TW" altLang="en-US" sz="1800" b="1" dirty="0">
-                <a:solidFill>
-                  <a:schemeClr val="bg1"/>
-                </a:solidFill>
-                <a:latin typeface="微軟正黑體" panose="020B0604030504040204" pitchFamily="34" charset="-120"/>
-                <a:ea typeface="微軟正黑體" panose="020B0604030504040204" pitchFamily="34" charset="-120"/>
-              </a:rPr>
-              <a:t>指令</a:t>
-            </a:r>
-            <a:br>
-              <a:rPr lang="zh-TW" altLang="en-US" sz="1800" b="1" dirty="0">
-                <a:solidFill>
-                  <a:schemeClr val="bg1"/>
-                </a:solidFill>
-                <a:latin typeface="微軟正黑體" panose="020B0604030504040204" pitchFamily="34" charset="-120"/>
-                <a:ea typeface="微軟正黑體" panose="020B0604030504040204" pitchFamily="34" charset="-120"/>
-              </a:rPr>
-            </a:br>
-            <a:r>
-              <a:rPr lang="en-US" altLang="zh-TW" sz="1800" b="1" dirty="0" err="1">
-                <a:solidFill>
-                  <a:schemeClr val="bg1"/>
-                </a:solidFill>
-                <a:latin typeface="微軟正黑體" panose="020B0604030504040204" pitchFamily="34" charset="-120"/>
-                <a:ea typeface="微軟正黑體" panose="020B0604030504040204" pitchFamily="34" charset="-120"/>
-              </a:rPr>
-              <a:t>nvm</a:t>
-            </a:r>
-            <a:r>
-              <a:rPr lang="en-US" altLang="zh-TW" sz="1800" b="1" dirty="0">
-                <a:solidFill>
-                  <a:schemeClr val="bg1"/>
-                </a:solidFill>
-                <a:latin typeface="微軟正黑體" panose="020B0604030504040204" pitchFamily="34" charset="-120"/>
-                <a:ea typeface="微軟正黑體" panose="020B0604030504040204" pitchFamily="34" charset="-120"/>
-              </a:rPr>
-              <a:t> list</a:t>
-            </a:r>
-            <a:r>
-              <a:rPr lang="zh-TW" altLang="en-US" sz="1800" b="1" dirty="0">
-                <a:solidFill>
-                  <a:schemeClr val="bg1"/>
-                </a:solidFill>
-                <a:latin typeface="微軟正黑體" panose="020B0604030504040204" pitchFamily="34" charset="-120"/>
-                <a:ea typeface="微軟正黑體" panose="020B0604030504040204" pitchFamily="34" charset="-120"/>
-              </a:rPr>
-              <a:t>：查看已安裝的版本</a:t>
-            </a:r>
-            <a:br>
-              <a:rPr lang="zh-TW" altLang="en-US" sz="1800" b="1" dirty="0">
-                <a:solidFill>
-                  <a:schemeClr val="bg1"/>
-                </a:solidFill>
-                <a:latin typeface="微軟正黑體" panose="020B0604030504040204" pitchFamily="34" charset="-120"/>
-                <a:ea typeface="微軟正黑體" panose="020B0604030504040204" pitchFamily="34" charset="-120"/>
-              </a:rPr>
-            </a:br>
-            <a:r>
-              <a:rPr lang="en-US" altLang="zh-TW" sz="1800" b="1" dirty="0" err="1">
-                <a:solidFill>
-                  <a:schemeClr val="bg1"/>
-                </a:solidFill>
-                <a:latin typeface="微軟正黑體" panose="020B0604030504040204" pitchFamily="34" charset="-120"/>
-                <a:ea typeface="微軟正黑體" panose="020B0604030504040204" pitchFamily="34" charset="-120"/>
-              </a:rPr>
-              <a:t>nvm</a:t>
-            </a:r>
-            <a:r>
-              <a:rPr lang="en-US" altLang="zh-TW" sz="1800" b="1" dirty="0">
-                <a:solidFill>
-                  <a:schemeClr val="bg1"/>
-                </a:solidFill>
-                <a:latin typeface="微軟正黑體" panose="020B0604030504040204" pitchFamily="34" charset="-120"/>
-                <a:ea typeface="微軟正黑體" panose="020B0604030504040204" pitchFamily="34" charset="-120"/>
-              </a:rPr>
-              <a:t> list available</a:t>
-            </a:r>
-            <a:r>
-              <a:rPr lang="zh-TW" altLang="en-US" sz="1800" b="1" dirty="0">
-                <a:solidFill>
-                  <a:schemeClr val="bg1"/>
-                </a:solidFill>
-                <a:latin typeface="微軟正黑體" panose="020B0604030504040204" pitchFamily="34" charset="-120"/>
-                <a:ea typeface="微軟正黑體" panose="020B0604030504040204" pitchFamily="34" charset="-120"/>
-              </a:rPr>
-              <a:t>：查看有哪些 </a:t>
-            </a:r>
-            <a:r>
-              <a:rPr lang="en-US" altLang="zh-TW" sz="1800" b="1" dirty="0">
-                <a:solidFill>
-                  <a:schemeClr val="bg1"/>
-                </a:solidFill>
-                <a:latin typeface="微軟正黑體" panose="020B0604030504040204" pitchFamily="34" charset="-120"/>
-                <a:ea typeface="微軟正黑體" panose="020B0604030504040204" pitchFamily="34" charset="-120"/>
-              </a:rPr>
-              <a:t>Node </a:t>
-            </a:r>
-            <a:r>
-              <a:rPr lang="zh-TW" altLang="en-US" sz="1800" b="1" dirty="0">
-                <a:solidFill>
-                  <a:schemeClr val="bg1"/>
-                </a:solidFill>
-                <a:latin typeface="微軟正黑體" panose="020B0604030504040204" pitchFamily="34" charset="-120"/>
-                <a:ea typeface="微軟正黑體" panose="020B0604030504040204" pitchFamily="34" charset="-120"/>
-              </a:rPr>
-              <a:t>版本可以裝</a:t>
-            </a:r>
-            <a:br>
-              <a:rPr lang="zh-TW" altLang="en-US" sz="1800" b="1" dirty="0">
-                <a:solidFill>
-                  <a:schemeClr val="bg1"/>
-                </a:solidFill>
-                <a:latin typeface="微軟正黑體" panose="020B0604030504040204" pitchFamily="34" charset="-120"/>
-                <a:ea typeface="微軟正黑體" panose="020B0604030504040204" pitchFamily="34" charset="-120"/>
-              </a:rPr>
-            </a:br>
-            <a:r>
-              <a:rPr lang="en-US" altLang="zh-TW" sz="1800" b="1" dirty="0" err="1">
-                <a:solidFill>
-                  <a:schemeClr val="bg1"/>
-                </a:solidFill>
-                <a:latin typeface="微軟正黑體" panose="020B0604030504040204" pitchFamily="34" charset="-120"/>
-                <a:ea typeface="微軟正黑體" panose="020B0604030504040204" pitchFamily="34" charset="-120"/>
-              </a:rPr>
-              <a:t>nvm</a:t>
-            </a:r>
-            <a:r>
-              <a:rPr lang="en-US" altLang="zh-TW" sz="1800" b="1" dirty="0">
-                <a:solidFill>
-                  <a:schemeClr val="bg1"/>
-                </a:solidFill>
-                <a:latin typeface="微軟正黑體" panose="020B0604030504040204" pitchFamily="34" charset="-120"/>
-                <a:ea typeface="微軟正黑體" panose="020B0604030504040204" pitchFamily="34" charset="-120"/>
-              </a:rPr>
-              <a:t> install v8.11.2</a:t>
-            </a:r>
-            <a:r>
-              <a:rPr lang="zh-TW" altLang="en-US" sz="1800" b="1" dirty="0">
-                <a:solidFill>
-                  <a:schemeClr val="bg1"/>
-                </a:solidFill>
-                <a:latin typeface="微軟正黑體" panose="020B0604030504040204" pitchFamily="34" charset="-120"/>
-                <a:ea typeface="微軟正黑體" panose="020B0604030504040204" pitchFamily="34" charset="-120"/>
-              </a:rPr>
-              <a:t>：安裝指定的 </a:t>
-            </a:r>
-            <a:r>
-              <a:rPr lang="en-US" altLang="zh-TW" sz="1800" b="1" dirty="0">
-                <a:solidFill>
-                  <a:schemeClr val="bg1"/>
-                </a:solidFill>
-                <a:latin typeface="微軟正黑體" panose="020B0604030504040204" pitchFamily="34" charset="-120"/>
-                <a:ea typeface="微軟正黑體" panose="020B0604030504040204" pitchFamily="34" charset="-120"/>
-              </a:rPr>
-              <a:t>Node </a:t>
-            </a:r>
-            <a:r>
-              <a:rPr lang="zh-TW" altLang="en-US" sz="1800" b="1" dirty="0">
-                <a:solidFill>
-                  <a:schemeClr val="bg1"/>
-                </a:solidFill>
-                <a:latin typeface="微軟正黑體" panose="020B0604030504040204" pitchFamily="34" charset="-120"/>
-                <a:ea typeface="微軟正黑體" panose="020B0604030504040204" pitchFamily="34" charset="-120"/>
-              </a:rPr>
-              <a:t>版本</a:t>
-            </a:r>
-            <a:br>
-              <a:rPr lang="zh-TW" altLang="en-US" sz="1800" b="1" dirty="0">
-                <a:solidFill>
-                  <a:schemeClr val="bg1"/>
-                </a:solidFill>
-                <a:latin typeface="微軟正黑體" panose="020B0604030504040204" pitchFamily="34" charset="-120"/>
-                <a:ea typeface="微軟正黑體" panose="020B0604030504040204" pitchFamily="34" charset="-120"/>
-              </a:rPr>
-            </a:br>
-            <a:r>
-              <a:rPr lang="en-US" altLang="zh-TW" sz="1800" b="1" dirty="0" err="1">
-                <a:solidFill>
-                  <a:schemeClr val="bg1"/>
-                </a:solidFill>
-                <a:latin typeface="微軟正黑體" panose="020B0604030504040204" pitchFamily="34" charset="-120"/>
-                <a:ea typeface="微軟正黑體" panose="020B0604030504040204" pitchFamily="34" charset="-120"/>
-              </a:rPr>
-              <a:t>nvm</a:t>
-            </a:r>
-            <a:r>
-              <a:rPr lang="en-US" altLang="zh-TW" sz="1800" b="1" dirty="0">
-                <a:solidFill>
-                  <a:schemeClr val="bg1"/>
-                </a:solidFill>
-                <a:latin typeface="微軟正黑體" panose="020B0604030504040204" pitchFamily="34" charset="-120"/>
-                <a:ea typeface="微軟正黑體" panose="020B0604030504040204" pitchFamily="34" charset="-120"/>
-              </a:rPr>
-              <a:t> use v8.11.2</a:t>
-            </a:r>
-            <a:r>
-              <a:rPr lang="zh-TW" altLang="en-US" sz="1800" b="1" dirty="0">
-                <a:solidFill>
-                  <a:schemeClr val="bg1"/>
-                </a:solidFill>
-                <a:latin typeface="微軟正黑體" panose="020B0604030504040204" pitchFamily="34" charset="-120"/>
-                <a:ea typeface="微軟正黑體" panose="020B0604030504040204" pitchFamily="34" charset="-120"/>
-              </a:rPr>
-              <a:t>：指定 </a:t>
-            </a:r>
-            <a:r>
-              <a:rPr lang="en-US" altLang="zh-TW" sz="1800" b="1" dirty="0">
-                <a:solidFill>
-                  <a:schemeClr val="bg1"/>
-                </a:solidFill>
-                <a:latin typeface="微軟正黑體" panose="020B0604030504040204" pitchFamily="34" charset="-120"/>
-                <a:ea typeface="微軟正黑體" panose="020B0604030504040204" pitchFamily="34" charset="-120"/>
-              </a:rPr>
-              <a:t>Node </a:t>
-            </a:r>
-            <a:r>
-              <a:rPr lang="zh-TW" altLang="en-US" sz="1800" b="1" dirty="0">
-                <a:solidFill>
-                  <a:schemeClr val="bg1"/>
-                </a:solidFill>
-                <a:latin typeface="微軟正黑體" panose="020B0604030504040204" pitchFamily="34" charset="-120"/>
-                <a:ea typeface="微軟正黑體" panose="020B0604030504040204" pitchFamily="34" charset="-120"/>
-              </a:rPr>
-              <a:t>版本</a:t>
-            </a:r>
-            <a:br>
-              <a:rPr lang="zh-TW" altLang="en-US" sz="1800" b="1" dirty="0">
-                <a:solidFill>
-                  <a:schemeClr val="bg1"/>
-                </a:solidFill>
-                <a:latin typeface="微軟正黑體" panose="020B0604030504040204" pitchFamily="34" charset="-120"/>
-                <a:ea typeface="微軟正黑體" panose="020B0604030504040204" pitchFamily="34" charset="-120"/>
-              </a:rPr>
-            </a:br>
-            <a:endParaRPr lang="zh-TW" altLang="en-US" sz="1800" b="1" dirty="0">
-              <a:solidFill>
-                <a:schemeClr val="bg1"/>
-              </a:solidFill>
-              <a:latin typeface="微軟正黑體" panose="020B0604030504040204" pitchFamily="34" charset="-120"/>
-              <a:ea typeface="微軟正黑體" panose="020B0604030504040204" pitchFamily="34" charset="-120"/>
-            </a:endParaRPr>
-          </a:p>
-        </p:txBody>
-      </p:sp>
-    </p:spTree>
-    <p:extLst>
-      <p:ext uri="{BB962C8B-B14F-4D97-AF65-F5344CB8AC3E}">
-        <p14:creationId xmlns:p14="http://schemas.microsoft.com/office/powerpoint/2010/main" val="3942310378"/>
-      </p:ext>
-    </p:extLst>
-  </p:cSld>
-  <p:clrMapOvr>
-    <a:masterClrMapping/>
-  </p:clrMapOvr>
-</p:sld>
-</file>
-
-<file path=ppt/slides/slide11.xml><?xml version="1.0" encoding="utf-8"?>
-<p:sld xmlns:a="http://schemas.openxmlformats.org/drawingml/2006/main" xmlns:r="http://schemas.openxmlformats.org/officeDocument/2006/relationships" xmlns:p="http://schemas.openxmlformats.org/presentationml/2006/main">
-  <p:cSld>
-    <p:spTree>
-      <p:nvGrpSpPr>
-        <p:cNvPr id="1" name=""/>
-        <p:cNvGrpSpPr/>
-        <p:nvPr/>
-      </p:nvGrpSpPr>
-      <p:grpSpPr>
-        <a:xfrm>
-          <a:off x="0" y="0"/>
-          <a:ext cx="0" cy="0"/>
-          <a:chOff x="0" y="0"/>
-          <a:chExt cx="0" cy="0"/>
-        </a:xfrm>
-      </p:grpSpPr>
       <p:pic>
         <p:nvPicPr>
           <p:cNvPr id="4" name="圖片 3"/>
@@ -3601,7 +3288,7 @@
 </p:sld>
 </file>
 
-<file path=ppt/slides/slide12.xml><?xml version="1.0" encoding="utf-8"?>
+<file path=ppt/slides/slide11.xml><?xml version="1.0" encoding="utf-8"?>
 <p:sld xmlns:a="http://schemas.openxmlformats.org/drawingml/2006/main" xmlns:r="http://schemas.openxmlformats.org/officeDocument/2006/relationships" xmlns:p="http://schemas.openxmlformats.org/presentationml/2006/main">
   <p:cSld>
     <p:spTree>
@@ -3853,7 +3540,7 @@
 </p:sld>
 </file>
 
-<file path=ppt/slides/slide13.xml><?xml version="1.0" encoding="utf-8"?>
+<file path=ppt/slides/slide12.xml><?xml version="1.0" encoding="utf-8"?>
 <p:sld xmlns:a="http://schemas.openxmlformats.org/drawingml/2006/main" xmlns:r="http://schemas.openxmlformats.org/officeDocument/2006/relationships" xmlns:p="http://schemas.openxmlformats.org/presentationml/2006/main">
   <p:cSld>
     <p:spTree>
@@ -3964,1262 +3651,6 @@
           <a:chExt cx="0" cy="0"/>
         </a:xfrm>
       </p:grpSpPr>
-      <p:grpSp>
-        <p:nvGrpSpPr>
-          <p:cNvPr id="3" name="群組 2"/>
-          <p:cNvGrpSpPr/>
-          <p:nvPr/>
-        </p:nvGrpSpPr>
-        <p:grpSpPr>
-          <a:xfrm>
-            <a:off x="1312164" y="2512003"/>
-            <a:ext cx="2943912" cy="854880"/>
-            <a:chOff x="4864100" y="3122845"/>
-            <a:chExt cx="2943912" cy="854880"/>
-          </a:xfrm>
-        </p:grpSpPr>
-        <p:sp>
-          <p:nvSpPr>
-            <p:cNvPr id="5" name="副標題 2"/>
-            <p:cNvSpPr txBox="1">
-              <a:spLocks/>
-            </p:cNvSpPr>
-            <p:nvPr/>
-          </p:nvSpPr>
-          <p:spPr>
-            <a:xfrm>
-              <a:off x="4864100" y="3122845"/>
-              <a:ext cx="2943912" cy="462091"/>
-            </a:xfrm>
-            <a:prstGeom prst="rect">
-              <a:avLst/>
-            </a:prstGeom>
-          </p:spPr>
-          <p:txBody>
-            <a:bodyPr vert="horz" lIns="91440" tIns="45720" rIns="91440" bIns="45720" rtlCol="0">
-              <a:normAutofit/>
-            </a:bodyPr>
-            <a:lstStyle>
-              <a:lvl1pPr marL="0" indent="0" algn="ctr" defTabSz="914400" rtl="0" eaLnBrk="1" latinLnBrk="0" hangingPunct="1">
-                <a:lnSpc>
-                  <a:spcPct val="90000"/>
-                </a:lnSpc>
-                <a:spcBef>
-                  <a:spcPts val="1000"/>
-                </a:spcBef>
-                <a:buFont typeface="Arial" panose="020B0604020202020204" pitchFamily="34" charset="0"/>
-                <a:buNone/>
-                <a:defRPr sz="2400" kern="1200">
-                  <a:solidFill>
-                    <a:schemeClr val="tx1"/>
-                  </a:solidFill>
-                  <a:latin typeface="+mn-lt"/>
-                  <a:ea typeface="+mn-ea"/>
-                  <a:cs typeface="+mn-cs"/>
-                </a:defRPr>
-              </a:lvl1pPr>
-              <a:lvl2pPr marL="457200" indent="0" algn="ctr" defTabSz="914400" rtl="0" eaLnBrk="1" latinLnBrk="0" hangingPunct="1">
-                <a:lnSpc>
-                  <a:spcPct val="90000"/>
-                </a:lnSpc>
-                <a:spcBef>
-                  <a:spcPts val="500"/>
-                </a:spcBef>
-                <a:buFont typeface="Arial" panose="020B0604020202020204" pitchFamily="34" charset="0"/>
-                <a:buNone/>
-                <a:defRPr sz="2000" kern="1200">
-                  <a:solidFill>
-                    <a:schemeClr val="tx1"/>
-                  </a:solidFill>
-                  <a:latin typeface="+mn-lt"/>
-                  <a:ea typeface="+mn-ea"/>
-                  <a:cs typeface="+mn-cs"/>
-                </a:defRPr>
-              </a:lvl2pPr>
-              <a:lvl3pPr marL="914400" indent="0" algn="ctr" defTabSz="914400" rtl="0" eaLnBrk="1" latinLnBrk="0" hangingPunct="1">
-                <a:lnSpc>
-                  <a:spcPct val="90000"/>
-                </a:lnSpc>
-                <a:spcBef>
-                  <a:spcPts val="500"/>
-                </a:spcBef>
-                <a:buFont typeface="Arial" panose="020B0604020202020204" pitchFamily="34" charset="0"/>
-                <a:buNone/>
-                <a:defRPr sz="1800" kern="1200">
-                  <a:solidFill>
-                    <a:schemeClr val="tx1"/>
-                  </a:solidFill>
-                  <a:latin typeface="+mn-lt"/>
-                  <a:ea typeface="+mn-ea"/>
-                  <a:cs typeface="+mn-cs"/>
-                </a:defRPr>
-              </a:lvl3pPr>
-              <a:lvl4pPr marL="1371600" indent="0" algn="ctr" defTabSz="914400" rtl="0" eaLnBrk="1" latinLnBrk="0" hangingPunct="1">
-                <a:lnSpc>
-                  <a:spcPct val="90000"/>
-                </a:lnSpc>
-                <a:spcBef>
-                  <a:spcPts val="500"/>
-                </a:spcBef>
-                <a:buFont typeface="Arial" panose="020B0604020202020204" pitchFamily="34" charset="0"/>
-                <a:buNone/>
-                <a:defRPr sz="1600" kern="1200">
-                  <a:solidFill>
-                    <a:schemeClr val="tx1"/>
-                  </a:solidFill>
-                  <a:latin typeface="+mn-lt"/>
-                  <a:ea typeface="+mn-ea"/>
-                  <a:cs typeface="+mn-cs"/>
-                </a:defRPr>
-              </a:lvl4pPr>
-              <a:lvl5pPr marL="1828800" indent="0" algn="ctr" defTabSz="914400" rtl="0" eaLnBrk="1" latinLnBrk="0" hangingPunct="1">
-                <a:lnSpc>
-                  <a:spcPct val="90000"/>
-                </a:lnSpc>
-                <a:spcBef>
-                  <a:spcPts val="500"/>
-                </a:spcBef>
-                <a:buFont typeface="Arial" panose="020B0604020202020204" pitchFamily="34" charset="0"/>
-                <a:buNone/>
-                <a:defRPr sz="1600" kern="1200">
-                  <a:solidFill>
-                    <a:schemeClr val="tx1"/>
-                  </a:solidFill>
-                  <a:latin typeface="+mn-lt"/>
-                  <a:ea typeface="+mn-ea"/>
-                  <a:cs typeface="+mn-cs"/>
-                </a:defRPr>
-              </a:lvl5pPr>
-              <a:lvl6pPr marL="2286000" indent="0" algn="ctr" defTabSz="914400" rtl="0" eaLnBrk="1" latinLnBrk="0" hangingPunct="1">
-                <a:lnSpc>
-                  <a:spcPct val="90000"/>
-                </a:lnSpc>
-                <a:spcBef>
-                  <a:spcPts val="500"/>
-                </a:spcBef>
-                <a:buFont typeface="Arial" panose="020B0604020202020204" pitchFamily="34" charset="0"/>
-                <a:buNone/>
-                <a:defRPr sz="1600" kern="1200">
-                  <a:solidFill>
-                    <a:schemeClr val="tx1"/>
-                  </a:solidFill>
-                  <a:latin typeface="+mn-lt"/>
-                  <a:ea typeface="+mn-ea"/>
-                  <a:cs typeface="+mn-cs"/>
-                </a:defRPr>
-              </a:lvl6pPr>
-              <a:lvl7pPr marL="2743200" indent="0" algn="ctr" defTabSz="914400" rtl="0" eaLnBrk="1" latinLnBrk="0" hangingPunct="1">
-                <a:lnSpc>
-                  <a:spcPct val="90000"/>
-                </a:lnSpc>
-                <a:spcBef>
-                  <a:spcPts val="500"/>
-                </a:spcBef>
-                <a:buFont typeface="Arial" panose="020B0604020202020204" pitchFamily="34" charset="0"/>
-                <a:buNone/>
-                <a:defRPr sz="1600" kern="1200">
-                  <a:solidFill>
-                    <a:schemeClr val="tx1"/>
-                  </a:solidFill>
-                  <a:latin typeface="+mn-lt"/>
-                  <a:ea typeface="+mn-ea"/>
-                  <a:cs typeface="+mn-cs"/>
-                </a:defRPr>
-              </a:lvl7pPr>
-              <a:lvl8pPr marL="3200400" indent="0" algn="ctr" defTabSz="914400" rtl="0" eaLnBrk="1" latinLnBrk="0" hangingPunct="1">
-                <a:lnSpc>
-                  <a:spcPct val="90000"/>
-                </a:lnSpc>
-                <a:spcBef>
-                  <a:spcPts val="500"/>
-                </a:spcBef>
-                <a:buFont typeface="Arial" panose="020B0604020202020204" pitchFamily="34" charset="0"/>
-                <a:buNone/>
-                <a:defRPr sz="1600" kern="1200">
-                  <a:solidFill>
-                    <a:schemeClr val="tx1"/>
-                  </a:solidFill>
-                  <a:latin typeface="+mn-lt"/>
-                  <a:ea typeface="+mn-ea"/>
-                  <a:cs typeface="+mn-cs"/>
-                </a:defRPr>
-              </a:lvl8pPr>
-              <a:lvl9pPr marL="3657600" indent="0" algn="ctr" defTabSz="914400" rtl="0" eaLnBrk="1" latinLnBrk="0" hangingPunct="1">
-                <a:lnSpc>
-                  <a:spcPct val="90000"/>
-                </a:lnSpc>
-                <a:spcBef>
-                  <a:spcPts val="500"/>
-                </a:spcBef>
-                <a:buFont typeface="Arial" panose="020B0604020202020204" pitchFamily="34" charset="0"/>
-                <a:buNone/>
-                <a:defRPr sz="1600" kern="1200">
-                  <a:solidFill>
-                    <a:schemeClr val="tx1"/>
-                  </a:solidFill>
-                  <a:latin typeface="+mn-lt"/>
-                  <a:ea typeface="+mn-ea"/>
-                  <a:cs typeface="+mn-cs"/>
-                </a:defRPr>
-              </a:lvl9pPr>
-            </a:lstStyle>
-            <a:p>
-              <a:r>
-                <a:rPr lang="zh-TW" altLang="en-US" b="1" dirty="0" smtClean="0">
-                  <a:solidFill>
-                    <a:schemeClr val="bg1"/>
-                  </a:solidFill>
-                  <a:latin typeface="微軟正黑體" panose="020B0604030504040204" pitchFamily="34" charset="-120"/>
-                  <a:ea typeface="微軟正黑體" panose="020B0604030504040204" pitchFamily="34" charset="-120"/>
-                </a:rPr>
-                <a:t>成智遠     </a:t>
-              </a:r>
-              <a:r>
-                <a:rPr lang="en-US" altLang="zh-TW" b="1" dirty="0" smtClean="0">
-                  <a:solidFill>
-                    <a:schemeClr val="bg1"/>
-                  </a:solidFill>
-                  <a:latin typeface="微軟正黑體" panose="020B0604030504040204" pitchFamily="34" charset="-120"/>
-                  <a:ea typeface="微軟正黑體" panose="020B0604030504040204" pitchFamily="34" charset="-120"/>
-                </a:rPr>
-                <a:t>Mike</a:t>
-              </a:r>
-              <a:endParaRPr lang="en-US" altLang="zh-TW" b="1" dirty="0">
-                <a:solidFill>
-                  <a:schemeClr val="bg1"/>
-                </a:solidFill>
-                <a:latin typeface="微軟正黑體" panose="020B0604030504040204" pitchFamily="34" charset="-120"/>
-                <a:ea typeface="微軟正黑體" panose="020B0604030504040204" pitchFamily="34" charset="-120"/>
-              </a:endParaRPr>
-            </a:p>
-          </p:txBody>
-        </p:sp>
-        <p:sp>
-          <p:nvSpPr>
-            <p:cNvPr id="6" name="副標題 2"/>
-            <p:cNvSpPr txBox="1">
-              <a:spLocks/>
-            </p:cNvSpPr>
-            <p:nvPr/>
-          </p:nvSpPr>
-          <p:spPr>
-            <a:xfrm>
-              <a:off x="5188408" y="3515634"/>
-              <a:ext cx="2311400" cy="462091"/>
-            </a:xfrm>
-            <a:prstGeom prst="rect">
-              <a:avLst/>
-            </a:prstGeom>
-          </p:spPr>
-          <p:txBody>
-            <a:bodyPr vert="horz" lIns="91440" tIns="45720" rIns="91440" bIns="45720" rtlCol="0">
-              <a:normAutofit/>
-            </a:bodyPr>
-            <a:lstStyle>
-              <a:lvl1pPr marL="0" indent="0" algn="ctr" defTabSz="914400" rtl="0" eaLnBrk="1" latinLnBrk="0" hangingPunct="1">
-                <a:lnSpc>
-                  <a:spcPct val="90000"/>
-                </a:lnSpc>
-                <a:spcBef>
-                  <a:spcPts val="1000"/>
-                </a:spcBef>
-                <a:buFont typeface="Arial" panose="020B0604020202020204" pitchFamily="34" charset="0"/>
-                <a:buNone/>
-                <a:defRPr sz="2400" kern="1200">
-                  <a:solidFill>
-                    <a:schemeClr val="tx1"/>
-                  </a:solidFill>
-                  <a:latin typeface="+mn-lt"/>
-                  <a:ea typeface="+mn-ea"/>
-                  <a:cs typeface="+mn-cs"/>
-                </a:defRPr>
-              </a:lvl1pPr>
-              <a:lvl2pPr marL="457200" indent="0" algn="ctr" defTabSz="914400" rtl="0" eaLnBrk="1" latinLnBrk="0" hangingPunct="1">
-                <a:lnSpc>
-                  <a:spcPct val="90000"/>
-                </a:lnSpc>
-                <a:spcBef>
-                  <a:spcPts val="500"/>
-                </a:spcBef>
-                <a:buFont typeface="Arial" panose="020B0604020202020204" pitchFamily="34" charset="0"/>
-                <a:buNone/>
-                <a:defRPr sz="2000" kern="1200">
-                  <a:solidFill>
-                    <a:schemeClr val="tx1"/>
-                  </a:solidFill>
-                  <a:latin typeface="+mn-lt"/>
-                  <a:ea typeface="+mn-ea"/>
-                  <a:cs typeface="+mn-cs"/>
-                </a:defRPr>
-              </a:lvl2pPr>
-              <a:lvl3pPr marL="914400" indent="0" algn="ctr" defTabSz="914400" rtl="0" eaLnBrk="1" latinLnBrk="0" hangingPunct="1">
-                <a:lnSpc>
-                  <a:spcPct val="90000"/>
-                </a:lnSpc>
-                <a:spcBef>
-                  <a:spcPts val="500"/>
-                </a:spcBef>
-                <a:buFont typeface="Arial" panose="020B0604020202020204" pitchFamily="34" charset="0"/>
-                <a:buNone/>
-                <a:defRPr sz="1800" kern="1200">
-                  <a:solidFill>
-                    <a:schemeClr val="tx1"/>
-                  </a:solidFill>
-                  <a:latin typeface="+mn-lt"/>
-                  <a:ea typeface="+mn-ea"/>
-                  <a:cs typeface="+mn-cs"/>
-                </a:defRPr>
-              </a:lvl3pPr>
-              <a:lvl4pPr marL="1371600" indent="0" algn="ctr" defTabSz="914400" rtl="0" eaLnBrk="1" latinLnBrk="0" hangingPunct="1">
-                <a:lnSpc>
-                  <a:spcPct val="90000"/>
-                </a:lnSpc>
-                <a:spcBef>
-                  <a:spcPts val="500"/>
-                </a:spcBef>
-                <a:buFont typeface="Arial" panose="020B0604020202020204" pitchFamily="34" charset="0"/>
-                <a:buNone/>
-                <a:defRPr sz="1600" kern="1200">
-                  <a:solidFill>
-                    <a:schemeClr val="tx1"/>
-                  </a:solidFill>
-                  <a:latin typeface="+mn-lt"/>
-                  <a:ea typeface="+mn-ea"/>
-                  <a:cs typeface="+mn-cs"/>
-                </a:defRPr>
-              </a:lvl4pPr>
-              <a:lvl5pPr marL="1828800" indent="0" algn="ctr" defTabSz="914400" rtl="0" eaLnBrk="1" latinLnBrk="0" hangingPunct="1">
-                <a:lnSpc>
-                  <a:spcPct val="90000"/>
-                </a:lnSpc>
-                <a:spcBef>
-                  <a:spcPts val="500"/>
-                </a:spcBef>
-                <a:buFont typeface="Arial" panose="020B0604020202020204" pitchFamily="34" charset="0"/>
-                <a:buNone/>
-                <a:defRPr sz="1600" kern="1200">
-                  <a:solidFill>
-                    <a:schemeClr val="tx1"/>
-                  </a:solidFill>
-                  <a:latin typeface="+mn-lt"/>
-                  <a:ea typeface="+mn-ea"/>
-                  <a:cs typeface="+mn-cs"/>
-                </a:defRPr>
-              </a:lvl5pPr>
-              <a:lvl6pPr marL="2286000" indent="0" algn="ctr" defTabSz="914400" rtl="0" eaLnBrk="1" latinLnBrk="0" hangingPunct="1">
-                <a:lnSpc>
-                  <a:spcPct val="90000"/>
-                </a:lnSpc>
-                <a:spcBef>
-                  <a:spcPts val="500"/>
-                </a:spcBef>
-                <a:buFont typeface="Arial" panose="020B0604020202020204" pitchFamily="34" charset="0"/>
-                <a:buNone/>
-                <a:defRPr sz="1600" kern="1200">
-                  <a:solidFill>
-                    <a:schemeClr val="tx1"/>
-                  </a:solidFill>
-                  <a:latin typeface="+mn-lt"/>
-                  <a:ea typeface="+mn-ea"/>
-                  <a:cs typeface="+mn-cs"/>
-                </a:defRPr>
-              </a:lvl6pPr>
-              <a:lvl7pPr marL="2743200" indent="0" algn="ctr" defTabSz="914400" rtl="0" eaLnBrk="1" latinLnBrk="0" hangingPunct="1">
-                <a:lnSpc>
-                  <a:spcPct val="90000"/>
-                </a:lnSpc>
-                <a:spcBef>
-                  <a:spcPts val="500"/>
-                </a:spcBef>
-                <a:buFont typeface="Arial" panose="020B0604020202020204" pitchFamily="34" charset="0"/>
-                <a:buNone/>
-                <a:defRPr sz="1600" kern="1200">
-                  <a:solidFill>
-                    <a:schemeClr val="tx1"/>
-                  </a:solidFill>
-                  <a:latin typeface="+mn-lt"/>
-                  <a:ea typeface="+mn-ea"/>
-                  <a:cs typeface="+mn-cs"/>
-                </a:defRPr>
-              </a:lvl7pPr>
-              <a:lvl8pPr marL="3200400" indent="0" algn="ctr" defTabSz="914400" rtl="0" eaLnBrk="1" latinLnBrk="0" hangingPunct="1">
-                <a:lnSpc>
-                  <a:spcPct val="90000"/>
-                </a:lnSpc>
-                <a:spcBef>
-                  <a:spcPts val="500"/>
-                </a:spcBef>
-                <a:buFont typeface="Arial" panose="020B0604020202020204" pitchFamily="34" charset="0"/>
-                <a:buNone/>
-                <a:defRPr sz="1600" kern="1200">
-                  <a:solidFill>
-                    <a:schemeClr val="tx1"/>
-                  </a:solidFill>
-                  <a:latin typeface="+mn-lt"/>
-                  <a:ea typeface="+mn-ea"/>
-                  <a:cs typeface="+mn-cs"/>
-                </a:defRPr>
-              </a:lvl8pPr>
-              <a:lvl9pPr marL="3657600" indent="0" algn="ctr" defTabSz="914400" rtl="0" eaLnBrk="1" latinLnBrk="0" hangingPunct="1">
-                <a:lnSpc>
-                  <a:spcPct val="90000"/>
-                </a:lnSpc>
-                <a:spcBef>
-                  <a:spcPts val="500"/>
-                </a:spcBef>
-                <a:buFont typeface="Arial" panose="020B0604020202020204" pitchFamily="34" charset="0"/>
-                <a:buNone/>
-                <a:defRPr sz="1600" kern="1200">
-                  <a:solidFill>
-                    <a:schemeClr val="tx1"/>
-                  </a:solidFill>
-                  <a:latin typeface="+mn-lt"/>
-                  <a:ea typeface="+mn-ea"/>
-                  <a:cs typeface="+mn-cs"/>
-                </a:defRPr>
-              </a:lvl9pPr>
-            </a:lstStyle>
-            <a:p>
-              <a:r>
-                <a:rPr lang="en-US" altLang="zh-TW" sz="1400" b="1" dirty="0" smtClean="0">
-                  <a:solidFill>
-                    <a:schemeClr val="bg1"/>
-                  </a:solidFill>
-                  <a:latin typeface="微軟正黑體" panose="020B0604030504040204" pitchFamily="34" charset="-120"/>
-                  <a:ea typeface="微軟正黑體" panose="020B0604030504040204" pitchFamily="34" charset="-120"/>
-                </a:rPr>
-                <a:t>a3804430@hotmail.com</a:t>
-              </a:r>
-              <a:endParaRPr lang="en-US" altLang="zh-TW" sz="1400" b="1" dirty="0">
-                <a:solidFill>
-                  <a:schemeClr val="bg1"/>
-                </a:solidFill>
-                <a:latin typeface="微軟正黑體" panose="020B0604030504040204" pitchFamily="34" charset="-120"/>
-                <a:ea typeface="微軟正黑體" panose="020B0604030504040204" pitchFamily="34" charset="-120"/>
-              </a:endParaRPr>
-            </a:p>
-          </p:txBody>
-        </p:sp>
-      </p:grpSp>
-      <p:sp>
-        <p:nvSpPr>
-          <p:cNvPr id="7" name="副標題 2"/>
-          <p:cNvSpPr txBox="1">
-            <a:spLocks/>
-          </p:cNvSpPr>
-          <p:nvPr/>
-        </p:nvSpPr>
-        <p:spPr>
-          <a:xfrm>
-            <a:off x="7212033" y="3952437"/>
-            <a:ext cx="3387151" cy="366842"/>
-          </a:xfrm>
-          <a:prstGeom prst="rect">
-            <a:avLst/>
-          </a:prstGeom>
-        </p:spPr>
-        <p:txBody>
-          <a:bodyPr vert="horz" lIns="91440" tIns="45720" rIns="91440" bIns="45720" rtlCol="0">
-            <a:normAutofit/>
-          </a:bodyPr>
-          <a:lstStyle>
-            <a:lvl1pPr marL="0" indent="0" algn="ctr" defTabSz="914400" rtl="0" eaLnBrk="1" latinLnBrk="0" hangingPunct="1">
-              <a:lnSpc>
-                <a:spcPct val="90000"/>
-              </a:lnSpc>
-              <a:spcBef>
-                <a:spcPts val="1000"/>
-              </a:spcBef>
-              <a:buFont typeface="Arial" panose="020B0604020202020204" pitchFamily="34" charset="0"/>
-              <a:buNone/>
-              <a:defRPr sz="2400" kern="1200">
-                <a:solidFill>
-                  <a:schemeClr val="tx1"/>
-                </a:solidFill>
-                <a:latin typeface="+mn-lt"/>
-                <a:ea typeface="+mn-ea"/>
-                <a:cs typeface="+mn-cs"/>
-              </a:defRPr>
-            </a:lvl1pPr>
-            <a:lvl2pPr marL="457200" indent="0" algn="ctr" defTabSz="914400" rtl="0" eaLnBrk="1" latinLnBrk="0" hangingPunct="1">
-              <a:lnSpc>
-                <a:spcPct val="90000"/>
-              </a:lnSpc>
-              <a:spcBef>
-                <a:spcPts val="500"/>
-              </a:spcBef>
-              <a:buFont typeface="Arial" panose="020B0604020202020204" pitchFamily="34" charset="0"/>
-              <a:buNone/>
-              <a:defRPr sz="2000" kern="1200">
-                <a:solidFill>
-                  <a:schemeClr val="tx1"/>
-                </a:solidFill>
-                <a:latin typeface="+mn-lt"/>
-                <a:ea typeface="+mn-ea"/>
-                <a:cs typeface="+mn-cs"/>
-              </a:defRPr>
-            </a:lvl2pPr>
-            <a:lvl3pPr marL="914400" indent="0" algn="ctr" defTabSz="914400" rtl="0" eaLnBrk="1" latinLnBrk="0" hangingPunct="1">
-              <a:lnSpc>
-                <a:spcPct val="90000"/>
-              </a:lnSpc>
-              <a:spcBef>
-                <a:spcPts val="500"/>
-              </a:spcBef>
-              <a:buFont typeface="Arial" panose="020B0604020202020204" pitchFamily="34" charset="0"/>
-              <a:buNone/>
-              <a:defRPr sz="1800" kern="1200">
-                <a:solidFill>
-                  <a:schemeClr val="tx1"/>
-                </a:solidFill>
-                <a:latin typeface="+mn-lt"/>
-                <a:ea typeface="+mn-ea"/>
-                <a:cs typeface="+mn-cs"/>
-              </a:defRPr>
-            </a:lvl3pPr>
-            <a:lvl4pPr marL="1371600" indent="0" algn="ctr" defTabSz="914400" rtl="0" eaLnBrk="1" latinLnBrk="0" hangingPunct="1">
-              <a:lnSpc>
-                <a:spcPct val="90000"/>
-              </a:lnSpc>
-              <a:spcBef>
-                <a:spcPts val="500"/>
-              </a:spcBef>
-              <a:buFont typeface="Arial" panose="020B0604020202020204" pitchFamily="34" charset="0"/>
-              <a:buNone/>
-              <a:defRPr sz="1600" kern="1200">
-                <a:solidFill>
-                  <a:schemeClr val="tx1"/>
-                </a:solidFill>
-                <a:latin typeface="+mn-lt"/>
-                <a:ea typeface="+mn-ea"/>
-                <a:cs typeface="+mn-cs"/>
-              </a:defRPr>
-            </a:lvl4pPr>
-            <a:lvl5pPr marL="1828800" indent="0" algn="ctr" defTabSz="914400" rtl="0" eaLnBrk="1" latinLnBrk="0" hangingPunct="1">
-              <a:lnSpc>
-                <a:spcPct val="90000"/>
-              </a:lnSpc>
-              <a:spcBef>
-                <a:spcPts val="500"/>
-              </a:spcBef>
-              <a:buFont typeface="Arial" panose="020B0604020202020204" pitchFamily="34" charset="0"/>
-              <a:buNone/>
-              <a:defRPr sz="1600" kern="1200">
-                <a:solidFill>
-                  <a:schemeClr val="tx1"/>
-                </a:solidFill>
-                <a:latin typeface="+mn-lt"/>
-                <a:ea typeface="+mn-ea"/>
-                <a:cs typeface="+mn-cs"/>
-              </a:defRPr>
-            </a:lvl5pPr>
-            <a:lvl6pPr marL="2286000" indent="0" algn="ctr" defTabSz="914400" rtl="0" eaLnBrk="1" latinLnBrk="0" hangingPunct="1">
-              <a:lnSpc>
-                <a:spcPct val="90000"/>
-              </a:lnSpc>
-              <a:spcBef>
-                <a:spcPts val="500"/>
-              </a:spcBef>
-              <a:buFont typeface="Arial" panose="020B0604020202020204" pitchFamily="34" charset="0"/>
-              <a:buNone/>
-              <a:defRPr sz="1600" kern="1200">
-                <a:solidFill>
-                  <a:schemeClr val="tx1"/>
-                </a:solidFill>
-                <a:latin typeface="+mn-lt"/>
-                <a:ea typeface="+mn-ea"/>
-                <a:cs typeface="+mn-cs"/>
-              </a:defRPr>
-            </a:lvl6pPr>
-            <a:lvl7pPr marL="2743200" indent="0" algn="ctr" defTabSz="914400" rtl="0" eaLnBrk="1" latinLnBrk="0" hangingPunct="1">
-              <a:lnSpc>
-                <a:spcPct val="90000"/>
-              </a:lnSpc>
-              <a:spcBef>
-                <a:spcPts val="500"/>
-              </a:spcBef>
-              <a:buFont typeface="Arial" panose="020B0604020202020204" pitchFamily="34" charset="0"/>
-              <a:buNone/>
-              <a:defRPr sz="1600" kern="1200">
-                <a:solidFill>
-                  <a:schemeClr val="tx1"/>
-                </a:solidFill>
-                <a:latin typeface="+mn-lt"/>
-                <a:ea typeface="+mn-ea"/>
-                <a:cs typeface="+mn-cs"/>
-              </a:defRPr>
-            </a:lvl7pPr>
-            <a:lvl8pPr marL="3200400" indent="0" algn="ctr" defTabSz="914400" rtl="0" eaLnBrk="1" latinLnBrk="0" hangingPunct="1">
-              <a:lnSpc>
-                <a:spcPct val="90000"/>
-              </a:lnSpc>
-              <a:spcBef>
-                <a:spcPts val="500"/>
-              </a:spcBef>
-              <a:buFont typeface="Arial" panose="020B0604020202020204" pitchFamily="34" charset="0"/>
-              <a:buNone/>
-              <a:defRPr sz="1600" kern="1200">
-                <a:solidFill>
-                  <a:schemeClr val="tx1"/>
-                </a:solidFill>
-                <a:latin typeface="+mn-lt"/>
-                <a:ea typeface="+mn-ea"/>
-                <a:cs typeface="+mn-cs"/>
-              </a:defRPr>
-            </a:lvl8pPr>
-            <a:lvl9pPr marL="3657600" indent="0" algn="ctr" defTabSz="914400" rtl="0" eaLnBrk="1" latinLnBrk="0" hangingPunct="1">
-              <a:lnSpc>
-                <a:spcPct val="90000"/>
-              </a:lnSpc>
-              <a:spcBef>
-                <a:spcPts val="500"/>
-              </a:spcBef>
-              <a:buFont typeface="Arial" panose="020B0604020202020204" pitchFamily="34" charset="0"/>
-              <a:buNone/>
-              <a:defRPr sz="1600" kern="1200">
-                <a:solidFill>
-                  <a:schemeClr val="tx1"/>
-                </a:solidFill>
-                <a:latin typeface="+mn-lt"/>
-                <a:ea typeface="+mn-ea"/>
-                <a:cs typeface="+mn-cs"/>
-              </a:defRPr>
-            </a:lvl9pPr>
-          </a:lstStyle>
-          <a:p>
-            <a:r>
-              <a:rPr lang="en-US" altLang="zh-TW" sz="1400" b="1" dirty="0" smtClean="0">
-                <a:solidFill>
-                  <a:schemeClr val="bg1"/>
-                </a:solidFill>
-                <a:latin typeface="微軟正黑體" panose="020B0604030504040204" pitchFamily="34" charset="-120"/>
-                <a:ea typeface="微軟正黑體" panose="020B0604030504040204" pitchFamily="34" charset="-120"/>
-              </a:rPr>
-              <a:t>Portal Network</a:t>
-            </a:r>
-            <a:r>
-              <a:rPr lang="zh-TW" altLang="en-US" sz="1400" b="1" dirty="0" smtClean="0">
-                <a:solidFill>
-                  <a:schemeClr val="bg1"/>
-                </a:solidFill>
-                <a:latin typeface="微軟正黑體" panose="020B0604030504040204" pitchFamily="34" charset="-120"/>
-                <a:ea typeface="微軟正黑體" panose="020B0604030504040204" pitchFamily="34" charset="-120"/>
-              </a:rPr>
-              <a:t> </a:t>
-            </a:r>
-            <a:r>
-              <a:rPr lang="en-US" altLang="zh-TW" sz="1400" b="1" dirty="0" smtClean="0">
-                <a:solidFill>
-                  <a:schemeClr val="bg1"/>
-                </a:solidFill>
-                <a:latin typeface="微軟正黑體" panose="020B0604030504040204" pitchFamily="34" charset="-120"/>
-                <a:ea typeface="微軟正黑體" panose="020B0604030504040204" pitchFamily="34" charset="-120"/>
-              </a:rPr>
-              <a:t>/</a:t>
-            </a:r>
-            <a:r>
-              <a:rPr lang="zh-TW" altLang="en-US" sz="1400" b="1" dirty="0" smtClean="0">
-                <a:solidFill>
-                  <a:schemeClr val="bg1"/>
-                </a:solidFill>
-                <a:latin typeface="微軟正黑體" panose="020B0604030504040204" pitchFamily="34" charset="-120"/>
-                <a:ea typeface="微軟正黑體" panose="020B0604030504040204" pitchFamily="34" charset="-120"/>
-              </a:rPr>
-              <a:t> 資深前端工程</a:t>
-            </a:r>
-            <a:r>
-              <a:rPr lang="zh-TW" altLang="en-US" sz="1400" b="1" dirty="0">
-                <a:solidFill>
-                  <a:schemeClr val="bg1"/>
-                </a:solidFill>
-                <a:latin typeface="微軟正黑體" panose="020B0604030504040204" pitchFamily="34" charset="-120"/>
-                <a:ea typeface="微軟正黑體" panose="020B0604030504040204" pitchFamily="34" charset="-120"/>
-              </a:rPr>
-              <a:t>師</a:t>
-            </a:r>
-            <a:endParaRPr lang="en-US" altLang="zh-TW" sz="1400" b="1" dirty="0">
-              <a:solidFill>
-                <a:schemeClr val="bg1"/>
-              </a:solidFill>
-              <a:latin typeface="微軟正黑體" panose="020B0604030504040204" pitchFamily="34" charset="-120"/>
-              <a:ea typeface="微軟正黑體" panose="020B0604030504040204" pitchFamily="34" charset="-120"/>
-            </a:endParaRPr>
-          </a:p>
-        </p:txBody>
-      </p:sp>
-      <p:pic>
-        <p:nvPicPr>
-          <p:cNvPr id="8" name="圖片 7"/>
-          <p:cNvPicPr>
-            <a:picLocks noChangeAspect="1"/>
-          </p:cNvPicPr>
-          <p:nvPr/>
-        </p:nvPicPr>
-        <p:blipFill>
-          <a:blip r:embed="rId2">
-            <a:extLst>
-              <a:ext uri="{28A0092B-C50C-407E-A947-70E740481C1C}">
-                <a14:useLocalDpi xmlns:a14="http://schemas.microsoft.com/office/drawing/2010/main" val="0"/>
-              </a:ext>
-            </a:extLst>
-          </a:blip>
-          <a:stretch>
-            <a:fillRect/>
-          </a:stretch>
-        </p:blipFill>
-        <p:spPr>
-          <a:xfrm>
-            <a:off x="3281310" y="1721318"/>
-            <a:ext cx="3705537" cy="5136682"/>
-          </a:xfrm>
-          <a:prstGeom prst="rect">
-            <a:avLst/>
-          </a:prstGeom>
-        </p:spPr>
-      </p:pic>
-      <p:sp>
-        <p:nvSpPr>
-          <p:cNvPr id="9" name="副標題 2"/>
-          <p:cNvSpPr txBox="1">
-            <a:spLocks/>
-          </p:cNvSpPr>
-          <p:nvPr/>
-        </p:nvSpPr>
-        <p:spPr>
-          <a:xfrm>
-            <a:off x="7473548" y="4569008"/>
-            <a:ext cx="3713178" cy="297534"/>
-          </a:xfrm>
-          <a:prstGeom prst="rect">
-            <a:avLst/>
-          </a:prstGeom>
-        </p:spPr>
-        <p:txBody>
-          <a:bodyPr vert="horz" lIns="91440" tIns="45720" rIns="91440" bIns="45720" rtlCol="0">
-            <a:noAutofit/>
-          </a:bodyPr>
-          <a:lstStyle>
-            <a:lvl1pPr marL="0" indent="0" algn="ctr" defTabSz="914400" rtl="0" eaLnBrk="1" latinLnBrk="0" hangingPunct="1">
-              <a:lnSpc>
-                <a:spcPct val="90000"/>
-              </a:lnSpc>
-              <a:spcBef>
-                <a:spcPts val="1000"/>
-              </a:spcBef>
-              <a:buFont typeface="Arial" panose="020B0604020202020204" pitchFamily="34" charset="0"/>
-              <a:buNone/>
-              <a:defRPr sz="2400" kern="1200">
-                <a:solidFill>
-                  <a:schemeClr val="tx1"/>
-                </a:solidFill>
-                <a:latin typeface="+mn-lt"/>
-                <a:ea typeface="+mn-ea"/>
-                <a:cs typeface="+mn-cs"/>
-              </a:defRPr>
-            </a:lvl1pPr>
-            <a:lvl2pPr marL="457200" indent="0" algn="ctr" defTabSz="914400" rtl="0" eaLnBrk="1" latinLnBrk="0" hangingPunct="1">
-              <a:lnSpc>
-                <a:spcPct val="90000"/>
-              </a:lnSpc>
-              <a:spcBef>
-                <a:spcPts val="500"/>
-              </a:spcBef>
-              <a:buFont typeface="Arial" panose="020B0604020202020204" pitchFamily="34" charset="0"/>
-              <a:buNone/>
-              <a:defRPr sz="2000" kern="1200">
-                <a:solidFill>
-                  <a:schemeClr val="tx1"/>
-                </a:solidFill>
-                <a:latin typeface="+mn-lt"/>
-                <a:ea typeface="+mn-ea"/>
-                <a:cs typeface="+mn-cs"/>
-              </a:defRPr>
-            </a:lvl2pPr>
-            <a:lvl3pPr marL="914400" indent="0" algn="ctr" defTabSz="914400" rtl="0" eaLnBrk="1" latinLnBrk="0" hangingPunct="1">
-              <a:lnSpc>
-                <a:spcPct val="90000"/>
-              </a:lnSpc>
-              <a:spcBef>
-                <a:spcPts val="500"/>
-              </a:spcBef>
-              <a:buFont typeface="Arial" panose="020B0604020202020204" pitchFamily="34" charset="0"/>
-              <a:buNone/>
-              <a:defRPr sz="1800" kern="1200">
-                <a:solidFill>
-                  <a:schemeClr val="tx1"/>
-                </a:solidFill>
-                <a:latin typeface="+mn-lt"/>
-                <a:ea typeface="+mn-ea"/>
-                <a:cs typeface="+mn-cs"/>
-              </a:defRPr>
-            </a:lvl3pPr>
-            <a:lvl4pPr marL="1371600" indent="0" algn="ctr" defTabSz="914400" rtl="0" eaLnBrk="1" latinLnBrk="0" hangingPunct="1">
-              <a:lnSpc>
-                <a:spcPct val="90000"/>
-              </a:lnSpc>
-              <a:spcBef>
-                <a:spcPts val="500"/>
-              </a:spcBef>
-              <a:buFont typeface="Arial" panose="020B0604020202020204" pitchFamily="34" charset="0"/>
-              <a:buNone/>
-              <a:defRPr sz="1600" kern="1200">
-                <a:solidFill>
-                  <a:schemeClr val="tx1"/>
-                </a:solidFill>
-                <a:latin typeface="+mn-lt"/>
-                <a:ea typeface="+mn-ea"/>
-                <a:cs typeface="+mn-cs"/>
-              </a:defRPr>
-            </a:lvl4pPr>
-            <a:lvl5pPr marL="1828800" indent="0" algn="ctr" defTabSz="914400" rtl="0" eaLnBrk="1" latinLnBrk="0" hangingPunct="1">
-              <a:lnSpc>
-                <a:spcPct val="90000"/>
-              </a:lnSpc>
-              <a:spcBef>
-                <a:spcPts val="500"/>
-              </a:spcBef>
-              <a:buFont typeface="Arial" panose="020B0604020202020204" pitchFamily="34" charset="0"/>
-              <a:buNone/>
-              <a:defRPr sz="1600" kern="1200">
-                <a:solidFill>
-                  <a:schemeClr val="tx1"/>
-                </a:solidFill>
-                <a:latin typeface="+mn-lt"/>
-                <a:ea typeface="+mn-ea"/>
-                <a:cs typeface="+mn-cs"/>
-              </a:defRPr>
-            </a:lvl5pPr>
-            <a:lvl6pPr marL="2286000" indent="0" algn="ctr" defTabSz="914400" rtl="0" eaLnBrk="1" latinLnBrk="0" hangingPunct="1">
-              <a:lnSpc>
-                <a:spcPct val="90000"/>
-              </a:lnSpc>
-              <a:spcBef>
-                <a:spcPts val="500"/>
-              </a:spcBef>
-              <a:buFont typeface="Arial" panose="020B0604020202020204" pitchFamily="34" charset="0"/>
-              <a:buNone/>
-              <a:defRPr sz="1600" kern="1200">
-                <a:solidFill>
-                  <a:schemeClr val="tx1"/>
-                </a:solidFill>
-                <a:latin typeface="+mn-lt"/>
-                <a:ea typeface="+mn-ea"/>
-                <a:cs typeface="+mn-cs"/>
-              </a:defRPr>
-            </a:lvl6pPr>
-            <a:lvl7pPr marL="2743200" indent="0" algn="ctr" defTabSz="914400" rtl="0" eaLnBrk="1" latinLnBrk="0" hangingPunct="1">
-              <a:lnSpc>
-                <a:spcPct val="90000"/>
-              </a:lnSpc>
-              <a:spcBef>
-                <a:spcPts val="500"/>
-              </a:spcBef>
-              <a:buFont typeface="Arial" panose="020B0604020202020204" pitchFamily="34" charset="0"/>
-              <a:buNone/>
-              <a:defRPr sz="1600" kern="1200">
-                <a:solidFill>
-                  <a:schemeClr val="tx1"/>
-                </a:solidFill>
-                <a:latin typeface="+mn-lt"/>
-                <a:ea typeface="+mn-ea"/>
-                <a:cs typeface="+mn-cs"/>
-              </a:defRPr>
-            </a:lvl7pPr>
-            <a:lvl8pPr marL="3200400" indent="0" algn="ctr" defTabSz="914400" rtl="0" eaLnBrk="1" latinLnBrk="0" hangingPunct="1">
-              <a:lnSpc>
-                <a:spcPct val="90000"/>
-              </a:lnSpc>
-              <a:spcBef>
-                <a:spcPts val="500"/>
-              </a:spcBef>
-              <a:buFont typeface="Arial" panose="020B0604020202020204" pitchFamily="34" charset="0"/>
-              <a:buNone/>
-              <a:defRPr sz="1600" kern="1200">
-                <a:solidFill>
-                  <a:schemeClr val="tx1"/>
-                </a:solidFill>
-                <a:latin typeface="+mn-lt"/>
-                <a:ea typeface="+mn-ea"/>
-                <a:cs typeface="+mn-cs"/>
-              </a:defRPr>
-            </a:lvl8pPr>
-            <a:lvl9pPr marL="3657600" indent="0" algn="ctr" defTabSz="914400" rtl="0" eaLnBrk="1" latinLnBrk="0" hangingPunct="1">
-              <a:lnSpc>
-                <a:spcPct val="90000"/>
-              </a:lnSpc>
-              <a:spcBef>
-                <a:spcPts val="500"/>
-              </a:spcBef>
-              <a:buFont typeface="Arial" panose="020B0604020202020204" pitchFamily="34" charset="0"/>
-              <a:buNone/>
-              <a:defRPr sz="1600" kern="1200">
-                <a:solidFill>
-                  <a:schemeClr val="tx1"/>
-                </a:solidFill>
-                <a:latin typeface="+mn-lt"/>
-                <a:ea typeface="+mn-ea"/>
-                <a:cs typeface="+mn-cs"/>
-              </a:defRPr>
-            </a:lvl9pPr>
-          </a:lstStyle>
-          <a:p>
-            <a:pPr algn="l"/>
-            <a:r>
-              <a:rPr lang="en-US" altLang="zh-TW" sz="1400" b="1" dirty="0" err="1" smtClean="0">
-                <a:solidFill>
-                  <a:schemeClr val="bg1"/>
-                </a:solidFill>
-                <a:latin typeface="微軟正黑體" panose="020B0604030504040204" pitchFamily="34" charset="-120"/>
-                <a:ea typeface="微軟正黑體" panose="020B0604030504040204" pitchFamily="34" charset="-120"/>
-              </a:rPr>
-              <a:t>Hahow</a:t>
-            </a:r>
-            <a:r>
-              <a:rPr lang="en-US" altLang="zh-TW" sz="1400" b="1" dirty="0" smtClean="0">
-                <a:solidFill>
-                  <a:schemeClr val="bg1"/>
-                </a:solidFill>
-                <a:latin typeface="微軟正黑體" panose="020B0604030504040204" pitchFamily="34" charset="-120"/>
-                <a:ea typeface="微軟正黑體" panose="020B0604030504040204" pitchFamily="34" charset="-120"/>
-              </a:rPr>
-              <a:t> </a:t>
-            </a:r>
-            <a:r>
-              <a:rPr lang="zh-TW" altLang="en-US" sz="1400" b="1" dirty="0" smtClean="0">
-                <a:solidFill>
-                  <a:schemeClr val="bg1"/>
-                </a:solidFill>
-                <a:latin typeface="微軟正黑體" panose="020B0604030504040204" pitchFamily="34" charset="-120"/>
-                <a:ea typeface="微軟正黑體" panose="020B0604030504040204" pitchFamily="34" charset="-120"/>
-              </a:rPr>
-              <a:t>職</a:t>
-            </a:r>
-            <a:r>
-              <a:rPr lang="zh-TW" altLang="en-US" sz="1400" b="1" dirty="0">
-                <a:solidFill>
-                  <a:schemeClr val="bg1"/>
-                </a:solidFill>
-                <a:latin typeface="微軟正黑體" panose="020B0604030504040204" pitchFamily="34" charset="-120"/>
-                <a:ea typeface="微軟正黑體" panose="020B0604030504040204" pitchFamily="34" charset="-120"/>
-              </a:rPr>
-              <a:t>人必修的 </a:t>
-            </a:r>
-            <a:r>
-              <a:rPr lang="en-US" altLang="zh-TW" sz="1400" b="1" dirty="0">
-                <a:solidFill>
-                  <a:schemeClr val="bg1"/>
-                </a:solidFill>
-                <a:latin typeface="微軟正黑體" panose="020B0604030504040204" pitchFamily="34" charset="-120"/>
-                <a:ea typeface="微軟正黑體" panose="020B0604030504040204" pitchFamily="34" charset="-120"/>
-              </a:rPr>
-              <a:t>RWD </a:t>
-            </a:r>
-            <a:r>
-              <a:rPr lang="zh-TW" altLang="en-US" sz="1400" b="1" dirty="0">
-                <a:solidFill>
-                  <a:schemeClr val="bg1"/>
-                </a:solidFill>
-                <a:latin typeface="微軟正黑體" panose="020B0604030504040204" pitchFamily="34" charset="-120"/>
-                <a:ea typeface="微軟正黑體" panose="020B0604030504040204" pitchFamily="34" charset="-120"/>
-              </a:rPr>
-              <a:t>網頁入門</a:t>
-            </a:r>
-            <a:r>
-              <a:rPr lang="zh-TW" altLang="en-US" sz="1400" b="1" dirty="0" smtClean="0">
-                <a:solidFill>
-                  <a:schemeClr val="bg1"/>
-                </a:solidFill>
-                <a:latin typeface="微軟正黑體" panose="020B0604030504040204" pitchFamily="34" charset="-120"/>
-                <a:ea typeface="微軟正黑體" panose="020B0604030504040204" pitchFamily="34" charset="-120"/>
-              </a:rPr>
-              <a:t>班 </a:t>
-            </a:r>
-            <a:r>
-              <a:rPr lang="en-US" altLang="zh-TW" sz="1400" b="1" dirty="0" smtClean="0">
-                <a:solidFill>
-                  <a:schemeClr val="bg1"/>
-                </a:solidFill>
-                <a:latin typeface="微軟正黑體" panose="020B0604030504040204" pitchFamily="34" charset="-120"/>
-                <a:ea typeface="微軟正黑體" panose="020B0604030504040204" pitchFamily="34" charset="-120"/>
-              </a:rPr>
-              <a:t>/ </a:t>
-            </a:r>
-            <a:r>
-              <a:rPr lang="zh-TW" altLang="en-US" sz="1400" b="1" dirty="0" smtClean="0">
-                <a:solidFill>
-                  <a:schemeClr val="bg1"/>
-                </a:solidFill>
-                <a:latin typeface="微軟正黑體" panose="020B0604030504040204" pitchFamily="34" charset="-120"/>
-                <a:ea typeface="微軟正黑體" panose="020B0604030504040204" pitchFamily="34" charset="-120"/>
-              </a:rPr>
-              <a:t>講師</a:t>
-            </a:r>
-            <a:endParaRPr lang="zh-TW" altLang="en-US" sz="1400" b="1" dirty="0">
-              <a:solidFill>
-                <a:schemeClr val="bg1"/>
-              </a:solidFill>
-              <a:latin typeface="微軟正黑體" panose="020B0604030504040204" pitchFamily="34" charset="-120"/>
-              <a:ea typeface="微軟正黑體" panose="020B0604030504040204" pitchFamily="34" charset="-120"/>
-            </a:endParaRPr>
-          </a:p>
-        </p:txBody>
-      </p:sp>
-      <p:sp>
-        <p:nvSpPr>
-          <p:cNvPr id="10" name="副標題 2"/>
-          <p:cNvSpPr txBox="1">
-            <a:spLocks/>
-          </p:cNvSpPr>
-          <p:nvPr/>
-        </p:nvSpPr>
-        <p:spPr>
-          <a:xfrm>
-            <a:off x="7435448" y="4267801"/>
-            <a:ext cx="1829716" cy="285150"/>
-          </a:xfrm>
-          <a:prstGeom prst="rect">
-            <a:avLst/>
-          </a:prstGeom>
-        </p:spPr>
-        <p:txBody>
-          <a:bodyPr vert="horz" lIns="91440" tIns="45720" rIns="91440" bIns="45720" rtlCol="0">
-            <a:normAutofit/>
-          </a:bodyPr>
-          <a:lstStyle>
-            <a:lvl1pPr marL="0" indent="0" algn="ctr" defTabSz="914400" rtl="0" eaLnBrk="1" latinLnBrk="0" hangingPunct="1">
-              <a:lnSpc>
-                <a:spcPct val="90000"/>
-              </a:lnSpc>
-              <a:spcBef>
-                <a:spcPts val="1000"/>
-              </a:spcBef>
-              <a:buFont typeface="Arial" panose="020B0604020202020204" pitchFamily="34" charset="0"/>
-              <a:buNone/>
-              <a:defRPr sz="2400" kern="1200">
-                <a:solidFill>
-                  <a:schemeClr val="tx1"/>
-                </a:solidFill>
-                <a:latin typeface="+mn-lt"/>
-                <a:ea typeface="+mn-ea"/>
-                <a:cs typeface="+mn-cs"/>
-              </a:defRPr>
-            </a:lvl1pPr>
-            <a:lvl2pPr marL="457200" indent="0" algn="ctr" defTabSz="914400" rtl="0" eaLnBrk="1" latinLnBrk="0" hangingPunct="1">
-              <a:lnSpc>
-                <a:spcPct val="90000"/>
-              </a:lnSpc>
-              <a:spcBef>
-                <a:spcPts val="500"/>
-              </a:spcBef>
-              <a:buFont typeface="Arial" panose="020B0604020202020204" pitchFamily="34" charset="0"/>
-              <a:buNone/>
-              <a:defRPr sz="2000" kern="1200">
-                <a:solidFill>
-                  <a:schemeClr val="tx1"/>
-                </a:solidFill>
-                <a:latin typeface="+mn-lt"/>
-                <a:ea typeface="+mn-ea"/>
-                <a:cs typeface="+mn-cs"/>
-              </a:defRPr>
-            </a:lvl2pPr>
-            <a:lvl3pPr marL="914400" indent="0" algn="ctr" defTabSz="914400" rtl="0" eaLnBrk="1" latinLnBrk="0" hangingPunct="1">
-              <a:lnSpc>
-                <a:spcPct val="90000"/>
-              </a:lnSpc>
-              <a:spcBef>
-                <a:spcPts val="500"/>
-              </a:spcBef>
-              <a:buFont typeface="Arial" panose="020B0604020202020204" pitchFamily="34" charset="0"/>
-              <a:buNone/>
-              <a:defRPr sz="1800" kern="1200">
-                <a:solidFill>
-                  <a:schemeClr val="tx1"/>
-                </a:solidFill>
-                <a:latin typeface="+mn-lt"/>
-                <a:ea typeface="+mn-ea"/>
-                <a:cs typeface="+mn-cs"/>
-              </a:defRPr>
-            </a:lvl3pPr>
-            <a:lvl4pPr marL="1371600" indent="0" algn="ctr" defTabSz="914400" rtl="0" eaLnBrk="1" latinLnBrk="0" hangingPunct="1">
-              <a:lnSpc>
-                <a:spcPct val="90000"/>
-              </a:lnSpc>
-              <a:spcBef>
-                <a:spcPts val="500"/>
-              </a:spcBef>
-              <a:buFont typeface="Arial" panose="020B0604020202020204" pitchFamily="34" charset="0"/>
-              <a:buNone/>
-              <a:defRPr sz="1600" kern="1200">
-                <a:solidFill>
-                  <a:schemeClr val="tx1"/>
-                </a:solidFill>
-                <a:latin typeface="+mn-lt"/>
-                <a:ea typeface="+mn-ea"/>
-                <a:cs typeface="+mn-cs"/>
-              </a:defRPr>
-            </a:lvl4pPr>
-            <a:lvl5pPr marL="1828800" indent="0" algn="ctr" defTabSz="914400" rtl="0" eaLnBrk="1" latinLnBrk="0" hangingPunct="1">
-              <a:lnSpc>
-                <a:spcPct val="90000"/>
-              </a:lnSpc>
-              <a:spcBef>
-                <a:spcPts val="500"/>
-              </a:spcBef>
-              <a:buFont typeface="Arial" panose="020B0604020202020204" pitchFamily="34" charset="0"/>
-              <a:buNone/>
-              <a:defRPr sz="1600" kern="1200">
-                <a:solidFill>
-                  <a:schemeClr val="tx1"/>
-                </a:solidFill>
-                <a:latin typeface="+mn-lt"/>
-                <a:ea typeface="+mn-ea"/>
-                <a:cs typeface="+mn-cs"/>
-              </a:defRPr>
-            </a:lvl5pPr>
-            <a:lvl6pPr marL="2286000" indent="0" algn="ctr" defTabSz="914400" rtl="0" eaLnBrk="1" latinLnBrk="0" hangingPunct="1">
-              <a:lnSpc>
-                <a:spcPct val="90000"/>
-              </a:lnSpc>
-              <a:spcBef>
-                <a:spcPts val="500"/>
-              </a:spcBef>
-              <a:buFont typeface="Arial" panose="020B0604020202020204" pitchFamily="34" charset="0"/>
-              <a:buNone/>
-              <a:defRPr sz="1600" kern="1200">
-                <a:solidFill>
-                  <a:schemeClr val="tx1"/>
-                </a:solidFill>
-                <a:latin typeface="+mn-lt"/>
-                <a:ea typeface="+mn-ea"/>
-                <a:cs typeface="+mn-cs"/>
-              </a:defRPr>
-            </a:lvl6pPr>
-            <a:lvl7pPr marL="2743200" indent="0" algn="ctr" defTabSz="914400" rtl="0" eaLnBrk="1" latinLnBrk="0" hangingPunct="1">
-              <a:lnSpc>
-                <a:spcPct val="90000"/>
-              </a:lnSpc>
-              <a:spcBef>
-                <a:spcPts val="500"/>
-              </a:spcBef>
-              <a:buFont typeface="Arial" panose="020B0604020202020204" pitchFamily="34" charset="0"/>
-              <a:buNone/>
-              <a:defRPr sz="1600" kern="1200">
-                <a:solidFill>
-                  <a:schemeClr val="tx1"/>
-                </a:solidFill>
-                <a:latin typeface="+mn-lt"/>
-                <a:ea typeface="+mn-ea"/>
-                <a:cs typeface="+mn-cs"/>
-              </a:defRPr>
-            </a:lvl7pPr>
-            <a:lvl8pPr marL="3200400" indent="0" algn="ctr" defTabSz="914400" rtl="0" eaLnBrk="1" latinLnBrk="0" hangingPunct="1">
-              <a:lnSpc>
-                <a:spcPct val="90000"/>
-              </a:lnSpc>
-              <a:spcBef>
-                <a:spcPts val="500"/>
-              </a:spcBef>
-              <a:buFont typeface="Arial" panose="020B0604020202020204" pitchFamily="34" charset="0"/>
-              <a:buNone/>
-              <a:defRPr sz="1600" kern="1200">
-                <a:solidFill>
-                  <a:schemeClr val="tx1"/>
-                </a:solidFill>
-                <a:latin typeface="+mn-lt"/>
-                <a:ea typeface="+mn-ea"/>
-                <a:cs typeface="+mn-cs"/>
-              </a:defRPr>
-            </a:lvl8pPr>
-            <a:lvl9pPr marL="3657600" indent="0" algn="ctr" defTabSz="914400" rtl="0" eaLnBrk="1" latinLnBrk="0" hangingPunct="1">
-              <a:lnSpc>
-                <a:spcPct val="90000"/>
-              </a:lnSpc>
-              <a:spcBef>
-                <a:spcPts val="500"/>
-              </a:spcBef>
-              <a:buFont typeface="Arial" panose="020B0604020202020204" pitchFamily="34" charset="0"/>
-              <a:buNone/>
-              <a:defRPr sz="1600" kern="1200">
-                <a:solidFill>
-                  <a:schemeClr val="tx1"/>
-                </a:solidFill>
-                <a:latin typeface="+mn-lt"/>
-                <a:ea typeface="+mn-ea"/>
-                <a:cs typeface="+mn-cs"/>
-              </a:defRPr>
-            </a:lvl9pPr>
-          </a:lstStyle>
-          <a:p>
-            <a:r>
-              <a:rPr lang="zh-TW" altLang="en-US" sz="1400" b="1" dirty="0" smtClean="0">
-                <a:solidFill>
-                  <a:schemeClr val="bg1"/>
-                </a:solidFill>
-                <a:latin typeface="微軟正黑體" panose="020B0604030504040204" pitchFamily="34" charset="-120"/>
-                <a:ea typeface="微軟正黑體" panose="020B0604030504040204" pitchFamily="34" charset="-120"/>
-              </a:rPr>
-              <a:t>飛肯設計學苑 </a:t>
-            </a:r>
-            <a:r>
-              <a:rPr lang="en-US" altLang="zh-TW" sz="1400" b="1" dirty="0" smtClean="0">
-                <a:solidFill>
-                  <a:schemeClr val="bg1"/>
-                </a:solidFill>
-                <a:latin typeface="微軟正黑體" panose="020B0604030504040204" pitchFamily="34" charset="-120"/>
-                <a:ea typeface="微軟正黑體" panose="020B0604030504040204" pitchFamily="34" charset="-120"/>
-              </a:rPr>
-              <a:t>/</a:t>
-            </a:r>
-            <a:r>
-              <a:rPr lang="zh-TW" altLang="en-US" sz="1400" b="1" dirty="0" smtClean="0">
-                <a:solidFill>
-                  <a:schemeClr val="bg1"/>
-                </a:solidFill>
-                <a:latin typeface="微軟正黑體" panose="020B0604030504040204" pitchFamily="34" charset="-120"/>
-                <a:ea typeface="微軟正黑體" panose="020B0604030504040204" pitchFamily="34" charset="-120"/>
-              </a:rPr>
-              <a:t> 講師</a:t>
-            </a:r>
-            <a:endParaRPr lang="en-US" altLang="zh-TW" sz="1400" b="1" dirty="0">
-              <a:solidFill>
-                <a:schemeClr val="bg1"/>
-              </a:solidFill>
-              <a:latin typeface="微軟正黑體" panose="020B0604030504040204" pitchFamily="34" charset="-120"/>
-              <a:ea typeface="微軟正黑體" panose="020B0604030504040204" pitchFamily="34" charset="-120"/>
-            </a:endParaRPr>
-          </a:p>
-        </p:txBody>
-      </p:sp>
-    </p:spTree>
-    <p:extLst>
-      <p:ext uri="{BB962C8B-B14F-4D97-AF65-F5344CB8AC3E}">
-        <p14:creationId xmlns:p14="http://schemas.microsoft.com/office/powerpoint/2010/main" val="3471715290"/>
-      </p:ext>
-    </p:extLst>
-  </p:cSld>
-  <p:clrMapOvr>
-    <a:masterClrMapping/>
-  </p:clrMapOvr>
-</p:sld>
-</file>
-
-<file path=ppt/slides/slide3.xml><?xml version="1.0" encoding="utf-8"?>
-<p:sld xmlns:a="http://schemas.openxmlformats.org/drawingml/2006/main" xmlns:r="http://schemas.openxmlformats.org/officeDocument/2006/relationships" xmlns:p="http://schemas.openxmlformats.org/presentationml/2006/main">
-  <p:cSld>
-    <p:spTree>
-      <p:nvGrpSpPr>
-        <p:cNvPr id="1" name=""/>
-        <p:cNvGrpSpPr/>
-        <p:nvPr/>
-      </p:nvGrpSpPr>
-      <p:grpSpPr>
-        <a:xfrm>
-          <a:off x="0" y="0"/>
-          <a:ext cx="0" cy="0"/>
-          <a:chOff x="0" y="0"/>
-          <a:chExt cx="0" cy="0"/>
-        </a:xfrm>
-      </p:grpSpPr>
       <p:sp>
         <p:nvSpPr>
           <p:cNvPr id="5" name="矩形 4"/>
@@ -5285,7 +3716,7 @@
 </p:sld>
 </file>
 
-<file path=ppt/slides/slide4.xml><?xml version="1.0" encoding="utf-8"?>
+<file path=ppt/slides/slide3.xml><?xml version="1.0" encoding="utf-8"?>
 <p:sld xmlns:a="http://schemas.openxmlformats.org/drawingml/2006/main" xmlns:r="http://schemas.openxmlformats.org/officeDocument/2006/relationships" xmlns:p="http://schemas.openxmlformats.org/presentationml/2006/main">
   <p:cSld>
     <p:spTree>
@@ -5352,7 +3783,7 @@
 </p:sld>
 </file>
 
-<file path=ppt/slides/slide5.xml><?xml version="1.0" encoding="utf-8"?>
+<file path=ppt/slides/slide4.xml><?xml version="1.0" encoding="utf-8"?>
 <p:sld xmlns:a="http://schemas.openxmlformats.org/drawingml/2006/main" xmlns:r="http://schemas.openxmlformats.org/officeDocument/2006/relationships" xmlns:p="http://schemas.openxmlformats.org/presentationml/2006/main">
   <p:cSld>
     <p:spTree>
@@ -5419,7 +3850,7 @@
 </p:sld>
 </file>
 
-<file path=ppt/slides/slide6.xml><?xml version="1.0" encoding="utf-8"?>
+<file path=ppt/slides/slide5.xml><?xml version="1.0" encoding="utf-8"?>
 <p:sld xmlns:a="http://schemas.openxmlformats.org/drawingml/2006/main" xmlns:r="http://schemas.openxmlformats.org/officeDocument/2006/relationships" xmlns:p="http://schemas.openxmlformats.org/presentationml/2006/main">
   <p:cSld>
     <p:spTree>
@@ -5586,7 +4017,7 @@
 </p:sld>
 </file>
 
-<file path=ppt/slides/slide7.xml><?xml version="1.0" encoding="utf-8"?>
+<file path=ppt/slides/slide6.xml><?xml version="1.0" encoding="utf-8"?>
 <p:sld xmlns:a="http://schemas.openxmlformats.org/drawingml/2006/main" xmlns:r="http://schemas.openxmlformats.org/officeDocument/2006/relationships" xmlns:p="http://schemas.openxmlformats.org/presentationml/2006/main">
   <p:cSld>
     <p:spTree>
@@ -5653,7 +4084,7 @@
 </p:sld>
 </file>
 
-<file path=ppt/slides/slide8.xml><?xml version="1.0" encoding="utf-8"?>
+<file path=ppt/slides/slide7.xml><?xml version="1.0" encoding="utf-8"?>
 <p:sld xmlns:a="http://schemas.openxmlformats.org/drawingml/2006/main" xmlns:r="http://schemas.openxmlformats.org/officeDocument/2006/relationships" xmlns:p="http://schemas.openxmlformats.org/presentationml/2006/main">
   <p:cSld>
     <p:spTree>
@@ -6361,6 +4792,314 @@
 </p:sld>
 </file>
 
+<file path=ppt/slides/slide8.xml><?xml version="1.0" encoding="utf-8"?>
+<p:sld xmlns:a="http://schemas.openxmlformats.org/drawingml/2006/main" xmlns:r="http://schemas.openxmlformats.org/officeDocument/2006/relationships" xmlns:p="http://schemas.openxmlformats.org/presentationml/2006/main">
+  <p:cSld>
+    <p:spTree>
+      <p:nvGrpSpPr>
+        <p:cNvPr id="1" name=""/>
+        <p:cNvGrpSpPr/>
+        <p:nvPr/>
+      </p:nvGrpSpPr>
+      <p:grpSpPr>
+        <a:xfrm>
+          <a:off x="0" y="0"/>
+          <a:ext cx="0" cy="0"/>
+          <a:chOff x="0" y="0"/>
+          <a:chExt cx="0" cy="0"/>
+        </a:xfrm>
+      </p:grpSpPr>
+      <p:sp>
+        <p:nvSpPr>
+          <p:cNvPr id="4" name="副標題 2"/>
+          <p:cNvSpPr txBox="1">
+            <a:spLocks/>
+          </p:cNvSpPr>
+          <p:nvPr/>
+        </p:nvSpPr>
+        <p:spPr>
+          <a:xfrm>
+            <a:off x="4385518" y="3425646"/>
+            <a:ext cx="3227367" cy="381439"/>
+          </a:xfrm>
+          <a:prstGeom prst="rect">
+            <a:avLst/>
+          </a:prstGeom>
+        </p:spPr>
+        <p:txBody>
+          <a:bodyPr vert="horz" lIns="91440" tIns="45720" rIns="91440" bIns="45720" rtlCol="0">
+            <a:noAutofit/>
+          </a:bodyPr>
+          <a:lstStyle>
+            <a:lvl1pPr marL="0" indent="0" algn="ctr" defTabSz="914400" rtl="0" eaLnBrk="1" latinLnBrk="0" hangingPunct="1">
+              <a:lnSpc>
+                <a:spcPct val="90000"/>
+              </a:lnSpc>
+              <a:spcBef>
+                <a:spcPts val="1000"/>
+              </a:spcBef>
+              <a:buFont typeface="Arial" panose="020B0604020202020204" pitchFamily="34" charset="0"/>
+              <a:buNone/>
+              <a:defRPr sz="2400" kern="1200">
+                <a:solidFill>
+                  <a:schemeClr val="tx1"/>
+                </a:solidFill>
+                <a:latin typeface="+mn-lt"/>
+                <a:ea typeface="+mn-ea"/>
+                <a:cs typeface="+mn-cs"/>
+              </a:defRPr>
+            </a:lvl1pPr>
+            <a:lvl2pPr marL="457200" indent="0" algn="ctr" defTabSz="914400" rtl="0" eaLnBrk="1" latinLnBrk="0" hangingPunct="1">
+              <a:lnSpc>
+                <a:spcPct val="90000"/>
+              </a:lnSpc>
+              <a:spcBef>
+                <a:spcPts val="500"/>
+              </a:spcBef>
+              <a:buFont typeface="Arial" panose="020B0604020202020204" pitchFamily="34" charset="0"/>
+              <a:buNone/>
+              <a:defRPr sz="2000" kern="1200">
+                <a:solidFill>
+                  <a:schemeClr val="tx1"/>
+                </a:solidFill>
+                <a:latin typeface="+mn-lt"/>
+                <a:ea typeface="+mn-ea"/>
+                <a:cs typeface="+mn-cs"/>
+              </a:defRPr>
+            </a:lvl2pPr>
+            <a:lvl3pPr marL="914400" indent="0" algn="ctr" defTabSz="914400" rtl="0" eaLnBrk="1" latinLnBrk="0" hangingPunct="1">
+              <a:lnSpc>
+                <a:spcPct val="90000"/>
+              </a:lnSpc>
+              <a:spcBef>
+                <a:spcPts val="500"/>
+              </a:spcBef>
+              <a:buFont typeface="Arial" panose="020B0604020202020204" pitchFamily="34" charset="0"/>
+              <a:buNone/>
+              <a:defRPr sz="1800" kern="1200">
+                <a:solidFill>
+                  <a:schemeClr val="tx1"/>
+                </a:solidFill>
+                <a:latin typeface="+mn-lt"/>
+                <a:ea typeface="+mn-ea"/>
+                <a:cs typeface="+mn-cs"/>
+              </a:defRPr>
+            </a:lvl3pPr>
+            <a:lvl4pPr marL="1371600" indent="0" algn="ctr" defTabSz="914400" rtl="0" eaLnBrk="1" latinLnBrk="0" hangingPunct="1">
+              <a:lnSpc>
+                <a:spcPct val="90000"/>
+              </a:lnSpc>
+              <a:spcBef>
+                <a:spcPts val="500"/>
+              </a:spcBef>
+              <a:buFont typeface="Arial" panose="020B0604020202020204" pitchFamily="34" charset="0"/>
+              <a:buNone/>
+              <a:defRPr sz="1600" kern="1200">
+                <a:solidFill>
+                  <a:schemeClr val="tx1"/>
+                </a:solidFill>
+                <a:latin typeface="+mn-lt"/>
+                <a:ea typeface="+mn-ea"/>
+                <a:cs typeface="+mn-cs"/>
+              </a:defRPr>
+            </a:lvl4pPr>
+            <a:lvl5pPr marL="1828800" indent="0" algn="ctr" defTabSz="914400" rtl="0" eaLnBrk="1" latinLnBrk="0" hangingPunct="1">
+              <a:lnSpc>
+                <a:spcPct val="90000"/>
+              </a:lnSpc>
+              <a:spcBef>
+                <a:spcPts val="500"/>
+              </a:spcBef>
+              <a:buFont typeface="Arial" panose="020B0604020202020204" pitchFamily="34" charset="0"/>
+              <a:buNone/>
+              <a:defRPr sz="1600" kern="1200">
+                <a:solidFill>
+                  <a:schemeClr val="tx1"/>
+                </a:solidFill>
+                <a:latin typeface="+mn-lt"/>
+                <a:ea typeface="+mn-ea"/>
+                <a:cs typeface="+mn-cs"/>
+              </a:defRPr>
+            </a:lvl5pPr>
+            <a:lvl6pPr marL="2286000" indent="0" algn="ctr" defTabSz="914400" rtl="0" eaLnBrk="1" latinLnBrk="0" hangingPunct="1">
+              <a:lnSpc>
+                <a:spcPct val="90000"/>
+              </a:lnSpc>
+              <a:spcBef>
+                <a:spcPts val="500"/>
+              </a:spcBef>
+              <a:buFont typeface="Arial" panose="020B0604020202020204" pitchFamily="34" charset="0"/>
+              <a:buNone/>
+              <a:defRPr sz="1600" kern="1200">
+                <a:solidFill>
+                  <a:schemeClr val="tx1"/>
+                </a:solidFill>
+                <a:latin typeface="+mn-lt"/>
+                <a:ea typeface="+mn-ea"/>
+                <a:cs typeface="+mn-cs"/>
+              </a:defRPr>
+            </a:lvl6pPr>
+            <a:lvl7pPr marL="2743200" indent="0" algn="ctr" defTabSz="914400" rtl="0" eaLnBrk="1" latinLnBrk="0" hangingPunct="1">
+              <a:lnSpc>
+                <a:spcPct val="90000"/>
+              </a:lnSpc>
+              <a:spcBef>
+                <a:spcPts val="500"/>
+              </a:spcBef>
+              <a:buFont typeface="Arial" panose="020B0604020202020204" pitchFamily="34" charset="0"/>
+              <a:buNone/>
+              <a:defRPr sz="1600" kern="1200">
+                <a:solidFill>
+                  <a:schemeClr val="tx1"/>
+                </a:solidFill>
+                <a:latin typeface="+mn-lt"/>
+                <a:ea typeface="+mn-ea"/>
+                <a:cs typeface="+mn-cs"/>
+              </a:defRPr>
+            </a:lvl7pPr>
+            <a:lvl8pPr marL="3200400" indent="0" algn="ctr" defTabSz="914400" rtl="0" eaLnBrk="1" latinLnBrk="0" hangingPunct="1">
+              <a:lnSpc>
+                <a:spcPct val="90000"/>
+              </a:lnSpc>
+              <a:spcBef>
+                <a:spcPts val="500"/>
+              </a:spcBef>
+              <a:buFont typeface="Arial" panose="020B0604020202020204" pitchFamily="34" charset="0"/>
+              <a:buNone/>
+              <a:defRPr sz="1600" kern="1200">
+                <a:solidFill>
+                  <a:schemeClr val="tx1"/>
+                </a:solidFill>
+                <a:latin typeface="+mn-lt"/>
+                <a:ea typeface="+mn-ea"/>
+                <a:cs typeface="+mn-cs"/>
+              </a:defRPr>
+            </a:lvl8pPr>
+            <a:lvl9pPr marL="3657600" indent="0" algn="ctr" defTabSz="914400" rtl="0" eaLnBrk="1" latinLnBrk="0" hangingPunct="1">
+              <a:lnSpc>
+                <a:spcPct val="90000"/>
+              </a:lnSpc>
+              <a:spcBef>
+                <a:spcPts val="500"/>
+              </a:spcBef>
+              <a:buFont typeface="Arial" panose="020B0604020202020204" pitchFamily="34" charset="0"/>
+              <a:buNone/>
+              <a:defRPr sz="1600" kern="1200">
+                <a:solidFill>
+                  <a:schemeClr val="tx1"/>
+                </a:solidFill>
+                <a:latin typeface="+mn-lt"/>
+                <a:ea typeface="+mn-ea"/>
+                <a:cs typeface="+mn-cs"/>
+              </a:defRPr>
+            </a:lvl9pPr>
+          </a:lstStyle>
+          <a:p>
+            <a:r>
+              <a:rPr lang="zh-TW" altLang="en-US" b="1" dirty="0" smtClean="0">
+                <a:solidFill>
+                  <a:schemeClr val="bg1"/>
+                </a:solidFill>
+                <a:latin typeface="微軟正黑體" panose="020B0604030504040204" pitchFamily="34" charset="-120"/>
+                <a:ea typeface="微軟正黑體" panose="020B0604030504040204" pitchFamily="34" charset="-120"/>
+              </a:rPr>
+              <a:t>先來安裝個</a:t>
+            </a:r>
+            <a:r>
+              <a:rPr lang="en-US" altLang="zh-TW" b="1" dirty="0" err="1" smtClean="0">
+                <a:solidFill>
+                  <a:schemeClr val="bg1"/>
+                </a:solidFill>
+                <a:latin typeface="微軟正黑體" panose="020B0604030504040204" pitchFamily="34" charset="-120"/>
+                <a:ea typeface="微軟正黑體" panose="020B0604030504040204" pitchFamily="34" charset="-120"/>
+              </a:rPr>
+              <a:t>nvm</a:t>
+            </a:r>
+            <a:r>
+              <a:rPr lang="zh-TW" altLang="en-US" b="1" dirty="0" smtClean="0">
+                <a:solidFill>
+                  <a:schemeClr val="bg1"/>
+                </a:solidFill>
+                <a:latin typeface="微軟正黑體" panose="020B0604030504040204" pitchFamily="34" charset="-120"/>
+                <a:ea typeface="微軟正黑體" panose="020B0604030504040204" pitchFamily="34" charset="-120"/>
+              </a:rPr>
+              <a:t>吧</a:t>
+            </a:r>
+            <a:r>
+              <a:rPr lang="en-US" altLang="zh-TW" b="1" dirty="0" smtClean="0">
+                <a:solidFill>
+                  <a:schemeClr val="bg1"/>
+                </a:solidFill>
+                <a:latin typeface="微軟正黑體" panose="020B0604030504040204" pitchFamily="34" charset="-120"/>
+                <a:ea typeface="微軟正黑體" panose="020B0604030504040204" pitchFamily="34" charset="-120"/>
+              </a:rPr>
+              <a:t>!</a:t>
+            </a:r>
+            <a:endParaRPr lang="en-US" altLang="zh-TW" b="1" dirty="0">
+              <a:solidFill>
+                <a:schemeClr val="bg1"/>
+              </a:solidFill>
+              <a:latin typeface="微軟正黑體" panose="020B0604030504040204" pitchFamily="34" charset="-120"/>
+              <a:ea typeface="微軟正黑體" panose="020B0604030504040204" pitchFamily="34" charset="-120"/>
+            </a:endParaRPr>
+          </a:p>
+        </p:txBody>
+      </p:sp>
+      <p:sp>
+        <p:nvSpPr>
+          <p:cNvPr id="2" name="矩形 1"/>
+          <p:cNvSpPr/>
+          <p:nvPr/>
+        </p:nvSpPr>
+        <p:spPr>
+          <a:xfrm>
+            <a:off x="3673329" y="3830769"/>
+            <a:ext cx="4884671" cy="369332"/>
+          </a:xfrm>
+          <a:prstGeom prst="rect">
+            <a:avLst/>
+          </a:prstGeom>
+        </p:spPr>
+        <p:txBody>
+          <a:bodyPr wrap="none">
+            <a:spAutoFit/>
+          </a:bodyPr>
+          <a:lstStyle/>
+          <a:p>
+            <a:r>
+              <a:rPr lang="en-US" altLang="zh-TW" u="sng" dirty="0">
+                <a:solidFill>
+                  <a:srgbClr val="0366D6"/>
+                </a:solidFill>
+                <a:latin typeface="-apple-system"/>
+                <a:hlinkClick r:id="rId2"/>
+              </a:rPr>
+              <a:t>https://github.com/coreybutler/nvm-windows/releases</a:t>
+            </a:r>
+            <a:endParaRPr lang="zh-TW" altLang="en-US" dirty="0"/>
+          </a:p>
+        </p:txBody>
+      </p:sp>
+    </p:spTree>
+    <p:extLst>
+      <p:ext uri="{BB962C8B-B14F-4D97-AF65-F5344CB8AC3E}">
+        <p14:creationId xmlns:p14="http://schemas.microsoft.com/office/powerpoint/2010/main" val="2672920567"/>
+      </p:ext>
+    </p:extLst>
+  </p:cSld>
+  <p:clrMapOvr>
+    <a:masterClrMapping/>
+  </p:clrMapOvr>
+  <p:timing>
+    <p:tnLst>
+      <p:par>
+        <p:cTn id="1" dur="indefinite" restart="never" nodeType="tmRoot"/>
+      </p:par>
+    </p:tnLst>
+  </p:timing>
+</p:sld>
+</file>
+
 <file path=ppt/slides/slide9.xml><?xml version="1.0" encoding="utf-8"?>
 <p:sld xmlns:a="http://schemas.openxmlformats.org/drawingml/2006/main" xmlns:r="http://schemas.openxmlformats.org/officeDocument/2006/relationships" xmlns:p="http://schemas.openxmlformats.org/presentationml/2006/main">
   <p:cSld>
@@ -6380,231 +5119,277 @@
       </p:grpSpPr>
       <p:sp>
         <p:nvSpPr>
-          <p:cNvPr id="4" name="副標題 2"/>
-          <p:cNvSpPr txBox="1">
-            <a:spLocks/>
-          </p:cNvSpPr>
-          <p:nvPr/>
+          <p:cNvPr id="2" name="標題 1"/>
+          <p:cNvSpPr>
+            <a:spLocks noGrp="1"/>
+          </p:cNvSpPr>
+          <p:nvPr>
+            <p:ph type="title"/>
+          </p:nvPr>
         </p:nvSpPr>
         <p:spPr>
           <a:xfrm>
-            <a:off x="4385518" y="3425646"/>
-            <a:ext cx="3227367" cy="381439"/>
+            <a:off x="3333750" y="1933575"/>
+            <a:ext cx="5838825" cy="3667125"/>
           </a:xfrm>
-          <a:prstGeom prst="rect">
-            <a:avLst/>
-          </a:prstGeom>
         </p:spPr>
         <p:txBody>
-          <a:bodyPr vert="horz" lIns="91440" tIns="45720" rIns="91440" bIns="45720" rtlCol="0">
+          <a:bodyPr>
             <a:noAutofit/>
           </a:bodyPr>
-          <a:lstStyle>
-            <a:lvl1pPr marL="0" indent="0" algn="ctr" defTabSz="914400" rtl="0" eaLnBrk="1" latinLnBrk="0" hangingPunct="1">
+          <a:lstStyle/>
+          <a:p>
+            <a:pPr>
               <a:lnSpc>
-                <a:spcPct val="90000"/>
+                <a:spcPct val="200000"/>
               </a:lnSpc>
-              <a:spcBef>
-                <a:spcPts val="1000"/>
-              </a:spcBef>
-              <a:buFont typeface="Arial" panose="020B0604020202020204" pitchFamily="34" charset="0"/>
-              <a:buNone/>
-              <a:defRPr sz="2400" kern="1200">
-                <a:solidFill>
-                  <a:schemeClr val="tx1"/>
-                </a:solidFill>
-                <a:latin typeface="+mn-lt"/>
-                <a:ea typeface="+mn-ea"/>
-                <a:cs typeface="+mn-cs"/>
-              </a:defRPr>
-            </a:lvl1pPr>
-            <a:lvl2pPr marL="457200" indent="0" algn="ctr" defTabSz="914400" rtl="0" eaLnBrk="1" latinLnBrk="0" hangingPunct="1">
-              <a:lnSpc>
-                <a:spcPct val="90000"/>
-              </a:lnSpc>
-              <a:spcBef>
-                <a:spcPts val="500"/>
-              </a:spcBef>
-              <a:buFont typeface="Arial" panose="020B0604020202020204" pitchFamily="34" charset="0"/>
-              <a:buNone/>
-              <a:defRPr sz="2000" kern="1200">
-                <a:solidFill>
-                  <a:schemeClr val="tx1"/>
-                </a:solidFill>
-                <a:latin typeface="+mn-lt"/>
-                <a:ea typeface="+mn-ea"/>
-                <a:cs typeface="+mn-cs"/>
-              </a:defRPr>
-            </a:lvl2pPr>
-            <a:lvl3pPr marL="914400" indent="0" algn="ctr" defTabSz="914400" rtl="0" eaLnBrk="1" latinLnBrk="0" hangingPunct="1">
-              <a:lnSpc>
-                <a:spcPct val="90000"/>
-              </a:lnSpc>
-              <a:spcBef>
-                <a:spcPts val="500"/>
-              </a:spcBef>
-              <a:buFont typeface="Arial" panose="020B0604020202020204" pitchFamily="34" charset="0"/>
-              <a:buNone/>
-              <a:defRPr sz="1800" kern="1200">
-                <a:solidFill>
-                  <a:schemeClr val="tx1"/>
-                </a:solidFill>
-                <a:latin typeface="+mn-lt"/>
-                <a:ea typeface="+mn-ea"/>
-                <a:cs typeface="+mn-cs"/>
-              </a:defRPr>
-            </a:lvl3pPr>
-            <a:lvl4pPr marL="1371600" indent="0" algn="ctr" defTabSz="914400" rtl="0" eaLnBrk="1" latinLnBrk="0" hangingPunct="1">
-              <a:lnSpc>
-                <a:spcPct val="90000"/>
-              </a:lnSpc>
-              <a:spcBef>
-                <a:spcPts val="500"/>
-              </a:spcBef>
-              <a:buFont typeface="Arial" panose="020B0604020202020204" pitchFamily="34" charset="0"/>
-              <a:buNone/>
-              <a:defRPr sz="1600" kern="1200">
-                <a:solidFill>
-                  <a:schemeClr val="tx1"/>
-                </a:solidFill>
-                <a:latin typeface="+mn-lt"/>
-                <a:ea typeface="+mn-ea"/>
-                <a:cs typeface="+mn-cs"/>
-              </a:defRPr>
-            </a:lvl4pPr>
-            <a:lvl5pPr marL="1828800" indent="0" algn="ctr" defTabSz="914400" rtl="0" eaLnBrk="1" latinLnBrk="0" hangingPunct="1">
-              <a:lnSpc>
-                <a:spcPct val="90000"/>
-              </a:lnSpc>
-              <a:spcBef>
-                <a:spcPts val="500"/>
-              </a:spcBef>
-              <a:buFont typeface="Arial" panose="020B0604020202020204" pitchFamily="34" charset="0"/>
-              <a:buNone/>
-              <a:defRPr sz="1600" kern="1200">
-                <a:solidFill>
-                  <a:schemeClr val="tx1"/>
-                </a:solidFill>
-                <a:latin typeface="+mn-lt"/>
-                <a:ea typeface="+mn-ea"/>
-                <a:cs typeface="+mn-cs"/>
-              </a:defRPr>
-            </a:lvl5pPr>
-            <a:lvl6pPr marL="2286000" indent="0" algn="ctr" defTabSz="914400" rtl="0" eaLnBrk="1" latinLnBrk="0" hangingPunct="1">
-              <a:lnSpc>
-                <a:spcPct val="90000"/>
-              </a:lnSpc>
-              <a:spcBef>
-                <a:spcPts val="500"/>
-              </a:spcBef>
-              <a:buFont typeface="Arial" panose="020B0604020202020204" pitchFamily="34" charset="0"/>
-              <a:buNone/>
-              <a:defRPr sz="1600" kern="1200">
-                <a:solidFill>
-                  <a:schemeClr val="tx1"/>
-                </a:solidFill>
-                <a:latin typeface="+mn-lt"/>
-                <a:ea typeface="+mn-ea"/>
-                <a:cs typeface="+mn-cs"/>
-              </a:defRPr>
-            </a:lvl6pPr>
-            <a:lvl7pPr marL="2743200" indent="0" algn="ctr" defTabSz="914400" rtl="0" eaLnBrk="1" latinLnBrk="0" hangingPunct="1">
-              <a:lnSpc>
-                <a:spcPct val="90000"/>
-              </a:lnSpc>
-              <a:spcBef>
-                <a:spcPts val="500"/>
-              </a:spcBef>
-              <a:buFont typeface="Arial" panose="020B0604020202020204" pitchFamily="34" charset="0"/>
-              <a:buNone/>
-              <a:defRPr sz="1600" kern="1200">
-                <a:solidFill>
-                  <a:schemeClr val="tx1"/>
-                </a:solidFill>
-                <a:latin typeface="+mn-lt"/>
-                <a:ea typeface="+mn-ea"/>
-                <a:cs typeface="+mn-cs"/>
-              </a:defRPr>
-            </a:lvl7pPr>
-            <a:lvl8pPr marL="3200400" indent="0" algn="ctr" defTabSz="914400" rtl="0" eaLnBrk="1" latinLnBrk="0" hangingPunct="1">
-              <a:lnSpc>
-                <a:spcPct val="90000"/>
-              </a:lnSpc>
-              <a:spcBef>
-                <a:spcPts val="500"/>
-              </a:spcBef>
-              <a:buFont typeface="Arial" panose="020B0604020202020204" pitchFamily="34" charset="0"/>
-              <a:buNone/>
-              <a:defRPr sz="1600" kern="1200">
-                <a:solidFill>
-                  <a:schemeClr val="tx1"/>
-                </a:solidFill>
-                <a:latin typeface="+mn-lt"/>
-                <a:ea typeface="+mn-ea"/>
-                <a:cs typeface="+mn-cs"/>
-              </a:defRPr>
-            </a:lvl8pPr>
-            <a:lvl9pPr marL="3657600" indent="0" algn="ctr" defTabSz="914400" rtl="0" eaLnBrk="1" latinLnBrk="0" hangingPunct="1">
-              <a:lnSpc>
-                <a:spcPct val="90000"/>
-              </a:lnSpc>
-              <a:spcBef>
-                <a:spcPts val="500"/>
-              </a:spcBef>
-              <a:buFont typeface="Arial" panose="020B0604020202020204" pitchFamily="34" charset="0"/>
-              <a:buNone/>
-              <a:defRPr sz="1600" kern="1200">
-                <a:solidFill>
-                  <a:schemeClr val="tx1"/>
-                </a:solidFill>
-                <a:latin typeface="+mn-lt"/>
-                <a:ea typeface="+mn-ea"/>
-                <a:cs typeface="+mn-cs"/>
-              </a:defRPr>
-            </a:lvl9pPr>
-          </a:lstStyle>
-          <a:p>
-            <a:r>
-              <a:rPr lang="zh-TW" altLang="en-US" b="1" dirty="0" smtClean="0">
+            </a:pPr>
+            <a:r>
+              <a:rPr lang="en-US" altLang="zh-TW" sz="1800" b="1" dirty="0">
                 <a:solidFill>
                   <a:schemeClr val="bg1"/>
                 </a:solidFill>
                 <a:latin typeface="微軟正黑體" panose="020B0604030504040204" pitchFamily="34" charset="-120"/>
                 <a:ea typeface="微軟正黑體" panose="020B0604030504040204" pitchFamily="34" charset="-120"/>
               </a:rPr>
-              <a:t>先來安裝個</a:t>
-            </a:r>
-            <a:r>
-              <a:rPr lang="en-US" altLang="zh-TW" b="1" dirty="0" err="1" smtClean="0">
+              <a:t>NVM</a:t>
+            </a:r>
+            <a:r>
+              <a:rPr lang="zh-TW" altLang="en-US" sz="1800" b="1" dirty="0">
                 <a:solidFill>
                   <a:schemeClr val="bg1"/>
                 </a:solidFill>
                 <a:latin typeface="微軟正黑體" panose="020B0604030504040204" pitchFamily="34" charset="-120"/>
                 <a:ea typeface="微軟正黑體" panose="020B0604030504040204" pitchFamily="34" charset="-120"/>
               </a:rPr>
-              <a:t>nvm</a:t>
-            </a:r>
-            <a:r>
-              <a:rPr lang="zh-TW" altLang="en-US" b="1" dirty="0" smtClean="0">
+              <a:t>指令</a:t>
+            </a:r>
+            <a:br>
+              <a:rPr lang="zh-TW" altLang="en-US" sz="1800" b="1" dirty="0">
                 <a:solidFill>
                   <a:schemeClr val="bg1"/>
                 </a:solidFill>
                 <a:latin typeface="微軟正黑體" panose="020B0604030504040204" pitchFamily="34" charset="-120"/>
                 <a:ea typeface="微軟正黑體" panose="020B0604030504040204" pitchFamily="34" charset="-120"/>
               </a:rPr>
-              <a:t>吧</a:t>
-            </a:r>
-            <a:r>
-              <a:rPr lang="en-US" altLang="zh-TW" b="1" dirty="0" smtClean="0">
+            </a:br>
+            <a:r>
+              <a:rPr lang="en-US" altLang="zh-TW" sz="1800" b="1" dirty="0" err="1">
                 <a:solidFill>
                   <a:schemeClr val="bg1"/>
                 </a:solidFill>
                 <a:latin typeface="微軟正黑體" panose="020B0604030504040204" pitchFamily="34" charset="-120"/>
                 <a:ea typeface="微軟正黑體" panose="020B0604030504040204" pitchFamily="34" charset="-120"/>
               </a:rPr>
-              <a:t>!</a:t>
-            </a:r>
-            <a:endParaRPr lang="en-US" altLang="zh-TW" b="1" dirty="0">
+              <a:t>nvm</a:t>
+            </a:r>
+            <a:r>
+              <a:rPr lang="en-US" altLang="zh-TW" sz="1800" b="1" dirty="0">
+                <a:solidFill>
+                  <a:schemeClr val="bg1"/>
+                </a:solidFill>
+                <a:latin typeface="微軟正黑體" panose="020B0604030504040204" pitchFamily="34" charset="-120"/>
+                <a:ea typeface="微軟正黑體" panose="020B0604030504040204" pitchFamily="34" charset="-120"/>
+              </a:rPr>
+              <a:t> list</a:t>
+            </a:r>
+            <a:r>
+              <a:rPr lang="zh-TW" altLang="en-US" sz="1800" b="1" dirty="0">
+                <a:solidFill>
+                  <a:schemeClr val="bg1"/>
+                </a:solidFill>
+                <a:latin typeface="微軟正黑體" panose="020B0604030504040204" pitchFamily="34" charset="-120"/>
+                <a:ea typeface="微軟正黑體" panose="020B0604030504040204" pitchFamily="34" charset="-120"/>
+              </a:rPr>
+              <a:t>：查看已安裝的版本</a:t>
+            </a:r>
+            <a:br>
+              <a:rPr lang="zh-TW" altLang="en-US" sz="1800" b="1" dirty="0">
+                <a:solidFill>
+                  <a:schemeClr val="bg1"/>
+                </a:solidFill>
+                <a:latin typeface="微軟正黑體" panose="020B0604030504040204" pitchFamily="34" charset="-120"/>
+                <a:ea typeface="微軟正黑體" panose="020B0604030504040204" pitchFamily="34" charset="-120"/>
+              </a:rPr>
+            </a:br>
+            <a:r>
+              <a:rPr lang="en-US" altLang="zh-TW" sz="1800" b="1" dirty="0" err="1">
+                <a:solidFill>
+                  <a:schemeClr val="bg1"/>
+                </a:solidFill>
+                <a:latin typeface="微軟正黑體" panose="020B0604030504040204" pitchFamily="34" charset="-120"/>
+                <a:ea typeface="微軟正黑體" panose="020B0604030504040204" pitchFamily="34" charset="-120"/>
+              </a:rPr>
+              <a:t>nvm</a:t>
+            </a:r>
+            <a:r>
+              <a:rPr lang="en-US" altLang="zh-TW" sz="1800" b="1" dirty="0">
+                <a:solidFill>
+                  <a:schemeClr val="bg1"/>
+                </a:solidFill>
+                <a:latin typeface="微軟正黑體" panose="020B0604030504040204" pitchFamily="34" charset="-120"/>
+                <a:ea typeface="微軟正黑體" panose="020B0604030504040204" pitchFamily="34" charset="-120"/>
+              </a:rPr>
+              <a:t> list available</a:t>
+            </a:r>
+            <a:r>
+              <a:rPr lang="zh-TW" altLang="en-US" sz="1800" b="1" dirty="0">
+                <a:solidFill>
+                  <a:schemeClr val="bg1"/>
+                </a:solidFill>
+                <a:latin typeface="微軟正黑體" panose="020B0604030504040204" pitchFamily="34" charset="-120"/>
+                <a:ea typeface="微軟正黑體" panose="020B0604030504040204" pitchFamily="34" charset="-120"/>
+              </a:rPr>
+              <a:t>：查看有哪些 </a:t>
+            </a:r>
+            <a:r>
+              <a:rPr lang="en-US" altLang="zh-TW" sz="1800" b="1" dirty="0">
+                <a:solidFill>
+                  <a:schemeClr val="bg1"/>
+                </a:solidFill>
+                <a:latin typeface="微軟正黑體" panose="020B0604030504040204" pitchFamily="34" charset="-120"/>
+                <a:ea typeface="微軟正黑體" panose="020B0604030504040204" pitchFamily="34" charset="-120"/>
+              </a:rPr>
+              <a:t>Node </a:t>
+            </a:r>
+            <a:r>
+              <a:rPr lang="zh-TW" altLang="en-US" sz="1800" b="1" dirty="0">
+                <a:solidFill>
+                  <a:schemeClr val="bg1"/>
+                </a:solidFill>
+                <a:latin typeface="微軟正黑體" panose="020B0604030504040204" pitchFamily="34" charset="-120"/>
+                <a:ea typeface="微軟正黑體" panose="020B0604030504040204" pitchFamily="34" charset="-120"/>
+              </a:rPr>
+              <a:t>版本可以裝</a:t>
+            </a:r>
+            <a:br>
+              <a:rPr lang="zh-TW" altLang="en-US" sz="1800" b="1" dirty="0">
+                <a:solidFill>
+                  <a:schemeClr val="bg1"/>
+                </a:solidFill>
+                <a:latin typeface="微軟正黑體" panose="020B0604030504040204" pitchFamily="34" charset="-120"/>
+                <a:ea typeface="微軟正黑體" panose="020B0604030504040204" pitchFamily="34" charset="-120"/>
+              </a:rPr>
+            </a:br>
+            <a:r>
+              <a:rPr lang="en-US" altLang="zh-TW" sz="1800" b="1" dirty="0" err="1">
+                <a:solidFill>
+                  <a:schemeClr val="bg1"/>
+                </a:solidFill>
+                <a:latin typeface="微軟正黑體" panose="020B0604030504040204" pitchFamily="34" charset="-120"/>
+                <a:ea typeface="微軟正黑體" panose="020B0604030504040204" pitchFamily="34" charset="-120"/>
+              </a:rPr>
+              <a:t>nvm</a:t>
+            </a:r>
+            <a:r>
+              <a:rPr lang="en-US" altLang="zh-TW" sz="1800" b="1" dirty="0">
+                <a:solidFill>
+                  <a:schemeClr val="bg1"/>
+                </a:solidFill>
+                <a:latin typeface="微軟正黑體" panose="020B0604030504040204" pitchFamily="34" charset="-120"/>
+                <a:ea typeface="微軟正黑體" panose="020B0604030504040204" pitchFamily="34" charset="-120"/>
+              </a:rPr>
+              <a:t> install v8.11.2</a:t>
+            </a:r>
+            <a:r>
+              <a:rPr lang="zh-TW" altLang="en-US" sz="1800" b="1" dirty="0">
+                <a:solidFill>
+                  <a:schemeClr val="bg1"/>
+                </a:solidFill>
+                <a:latin typeface="微軟正黑體" panose="020B0604030504040204" pitchFamily="34" charset="-120"/>
+                <a:ea typeface="微軟正黑體" panose="020B0604030504040204" pitchFamily="34" charset="-120"/>
+              </a:rPr>
+              <a:t>：安裝指定的 </a:t>
+            </a:r>
+            <a:r>
+              <a:rPr lang="en-US" altLang="zh-TW" sz="1800" b="1" dirty="0">
+                <a:solidFill>
+                  <a:schemeClr val="bg1"/>
+                </a:solidFill>
+                <a:latin typeface="微軟正黑體" panose="020B0604030504040204" pitchFamily="34" charset="-120"/>
+                <a:ea typeface="微軟正黑體" panose="020B0604030504040204" pitchFamily="34" charset="-120"/>
+              </a:rPr>
+              <a:t>Node </a:t>
+            </a:r>
+            <a:r>
+              <a:rPr lang="zh-TW" altLang="en-US" sz="1800" b="1" dirty="0">
+                <a:solidFill>
+                  <a:schemeClr val="bg1"/>
+                </a:solidFill>
+                <a:latin typeface="微軟正黑體" panose="020B0604030504040204" pitchFamily="34" charset="-120"/>
+                <a:ea typeface="微軟正黑體" panose="020B0604030504040204" pitchFamily="34" charset="-120"/>
+              </a:rPr>
+              <a:t>版本</a:t>
+            </a:r>
+            <a:br>
+              <a:rPr lang="zh-TW" altLang="en-US" sz="1800" b="1" dirty="0">
+                <a:solidFill>
+                  <a:schemeClr val="bg1"/>
+                </a:solidFill>
+                <a:latin typeface="微軟正黑體" panose="020B0604030504040204" pitchFamily="34" charset="-120"/>
+                <a:ea typeface="微軟正黑體" panose="020B0604030504040204" pitchFamily="34" charset="-120"/>
+              </a:rPr>
+            </a:br>
+            <a:r>
+              <a:rPr lang="en-US" altLang="zh-TW" sz="1800" b="1" dirty="0" err="1">
+                <a:solidFill>
+                  <a:schemeClr val="bg1"/>
+                </a:solidFill>
+                <a:latin typeface="微軟正黑體" panose="020B0604030504040204" pitchFamily="34" charset="-120"/>
+                <a:ea typeface="微軟正黑體" panose="020B0604030504040204" pitchFamily="34" charset="-120"/>
+              </a:rPr>
+              <a:t>nvm</a:t>
+            </a:r>
+            <a:r>
+              <a:rPr lang="en-US" altLang="zh-TW" sz="1800" b="1" dirty="0">
+                <a:solidFill>
+                  <a:schemeClr val="bg1"/>
+                </a:solidFill>
+                <a:latin typeface="微軟正黑體" panose="020B0604030504040204" pitchFamily="34" charset="-120"/>
+                <a:ea typeface="微軟正黑體" panose="020B0604030504040204" pitchFamily="34" charset="-120"/>
+              </a:rPr>
+              <a:t> use v8.11.2</a:t>
+            </a:r>
+            <a:r>
+              <a:rPr lang="zh-TW" altLang="en-US" sz="1800" b="1" dirty="0">
+                <a:solidFill>
+                  <a:schemeClr val="bg1"/>
+                </a:solidFill>
+                <a:latin typeface="微軟正黑體" panose="020B0604030504040204" pitchFamily="34" charset="-120"/>
+                <a:ea typeface="微軟正黑體" panose="020B0604030504040204" pitchFamily="34" charset="-120"/>
+              </a:rPr>
+              <a:t>：指定 </a:t>
+            </a:r>
+            <a:r>
+              <a:rPr lang="en-US" altLang="zh-TW" sz="1800" b="1" dirty="0">
+                <a:solidFill>
+                  <a:schemeClr val="bg1"/>
+                </a:solidFill>
+                <a:latin typeface="微軟正黑體" panose="020B0604030504040204" pitchFamily="34" charset="-120"/>
+                <a:ea typeface="微軟正黑體" panose="020B0604030504040204" pitchFamily="34" charset="-120"/>
+              </a:rPr>
+              <a:t>Node </a:t>
+            </a:r>
+            <a:r>
+              <a:rPr lang="zh-TW" altLang="en-US" sz="1800" b="1" dirty="0">
+                <a:solidFill>
+                  <a:schemeClr val="bg1"/>
+                </a:solidFill>
+                <a:latin typeface="微軟正黑體" panose="020B0604030504040204" pitchFamily="34" charset="-120"/>
+                <a:ea typeface="微軟正黑體" panose="020B0604030504040204" pitchFamily="34" charset="-120"/>
+              </a:rPr>
+              <a:t>版本</a:t>
+            </a:r>
+            <a:br>
+              <a:rPr lang="zh-TW" altLang="en-US" sz="1800" b="1" dirty="0">
+                <a:solidFill>
+                  <a:schemeClr val="bg1"/>
+                </a:solidFill>
+                <a:latin typeface="微軟正黑體" panose="020B0604030504040204" pitchFamily="34" charset="-120"/>
+                <a:ea typeface="微軟正黑體" panose="020B0604030504040204" pitchFamily="34" charset="-120"/>
+              </a:rPr>
+            </a:br>
+            <a:endParaRPr lang="zh-TW" altLang="en-US" sz="1800" b="1" dirty="0">
               <a:solidFill>
                 <a:schemeClr val="bg1"/>
               </a:solidFill>
@@ -6614,58 +5399,16 @@
           </a:p>
         </p:txBody>
       </p:sp>
-      <p:sp>
-        <p:nvSpPr>
-          <p:cNvPr id="2" name="矩形 1"/>
-          <p:cNvSpPr/>
-          <p:nvPr/>
-        </p:nvSpPr>
-        <p:spPr>
-          <a:xfrm>
-            <a:off x="3673329" y="3830769"/>
-            <a:ext cx="4884671" cy="369332"/>
-          </a:xfrm>
-          <a:prstGeom prst="rect">
-            <a:avLst/>
-          </a:prstGeom>
-        </p:spPr>
-        <p:txBody>
-          <a:bodyPr wrap="none">
-            <a:spAutoFit/>
-          </a:bodyPr>
-          <a:lstStyle/>
-          <a:p>
-            <a:r>
-              <a:rPr lang="en-US" altLang="zh-TW" u="sng" dirty="0">
-                <a:solidFill>
-                  <a:srgbClr val="0366D6"/>
-                </a:solidFill>
-                <a:latin typeface="-apple-system"/>
-                <a:hlinkClick r:id="rId2"/>
-              </a:rPr>
-              <a:t>https://github.com/coreybutler/nvm-windows/releases</a:t>
-            </a:r>
-            <a:endParaRPr lang="zh-TW" altLang="en-US" dirty="0"/>
-          </a:p>
-        </p:txBody>
-      </p:sp>
     </p:spTree>
     <p:extLst>
       <p:ext uri="{BB962C8B-B14F-4D97-AF65-F5344CB8AC3E}">
-        <p14:creationId xmlns:p14="http://schemas.microsoft.com/office/powerpoint/2010/main" val="2672920567"/>
+        <p14:creationId xmlns:p14="http://schemas.microsoft.com/office/powerpoint/2010/main" val="3942310378"/>
       </p:ext>
     </p:extLst>
   </p:cSld>
   <p:clrMapOvr>
     <a:masterClrMapping/>
   </p:clrMapOvr>
-  <p:timing>
-    <p:tnLst>
-      <p:par>
-        <p:cTn id="1" dur="indefinite" restart="never" nodeType="tmRoot"/>
-      </p:par>
-    </p:tnLst>
-  </p:timing>
 </p:sld>
 </file>
 
